--- a/DevOps in the Cloud.pptx
+++ b/DevOps in the Cloud.pptx
@@ -6,13 +6,15 @@
     <p:sldMasterId id="2147483660" r:id="rId2"/>
   </p:sldMasterIdLst>
   <p:notesMasterIdLst>
-    <p:notesMasterId r:id="rId7"/>
+    <p:notesMasterId r:id="rId9"/>
   </p:notesMasterIdLst>
   <p:sldIdLst>
     <p:sldId id="329" r:id="rId3"/>
-    <p:sldId id="330" r:id="rId4"/>
-    <p:sldId id="331" r:id="rId5"/>
-    <p:sldId id="326" r:id="rId6"/>
+    <p:sldId id="322" r:id="rId4"/>
+    <p:sldId id="330" r:id="rId5"/>
+    <p:sldId id="331" r:id="rId6"/>
+    <p:sldId id="332" r:id="rId7"/>
+    <p:sldId id="326" r:id="rId8"/>
   </p:sldIdLst>
   <p:sldSz cx="12192000" cy="6858000"/>
   <p:notesSz cx="6858000" cy="9144000"/>
@@ -3624,24 +3626,7 @@
           <a:bodyPr/>
           <a:lstStyle/>
           <a:p>
-            <a:pPr marL="171450" indent="-171450">
-              <a:buFontTx/>
-              <a:buChar char="-"/>
-            </a:pPr>
-            <a:r>
-              <a:rPr lang="en-US" dirty="0"/>
-              <a:t>Union of people, process, &amp; products to enable continuous delivery of value to end users</a:t>
-            </a:r>
-          </a:p>
-          <a:p>
-            <a:pPr marL="628650" lvl="1" indent="-171450">
-              <a:buFontTx/>
-              <a:buChar char="-"/>
-            </a:pPr>
-            <a:r>
-              <a:rPr lang="en-US" dirty="0"/>
-              <a:t>Stated a different way: People following a process enabled by products to deliver value to end users</a:t>
-            </a:r>
+            <a:endParaRPr lang="en-US"/>
           </a:p>
         </p:txBody>
       </p:sp>
@@ -3731,7 +3716,7 @@
     </p:spTree>
     <p:extLst>
       <p:ext uri="{BB962C8B-B14F-4D97-AF65-F5344CB8AC3E}">
-        <p14:creationId xmlns:p14="http://schemas.microsoft.com/office/powerpoint/2010/main" val="2550698383"/>
+        <p14:creationId xmlns:p14="http://schemas.microsoft.com/office/powerpoint/2010/main" val="1039297501"/>
       </p:ext>
     </p:extLst>
   </p:cSld>
@@ -3785,11 +3770,24 @@
           <a:bodyPr/>
           <a:lstStyle/>
           <a:p>
-            <a:pPr marL="0" indent="0">
+            <a:pPr marL="171450" indent="-171450">
               <a:buFontTx/>
-              <a:buNone/>
+              <a:buChar char="-"/>
             </a:pPr>
-            <a:endParaRPr lang="en-US" dirty="0"/>
+            <a:r>
+              <a:rPr lang="en-US" dirty="0"/>
+              <a:t>Union of people, process, &amp; products to enable continuous delivery of value to end users</a:t>
+            </a:r>
+          </a:p>
+          <a:p>
+            <a:pPr marL="628650" lvl="1" indent="-171450">
+              <a:buFontTx/>
+              <a:buChar char="-"/>
+            </a:pPr>
+            <a:r>
+              <a:rPr lang="en-US" dirty="0"/>
+              <a:t>Stated a different way: People following a process enabled by products to deliver value to end users</a:t>
+            </a:r>
           </a:p>
         </p:txBody>
       </p:sp>
@@ -3879,7 +3877,7 @@
     </p:spTree>
     <p:extLst>
       <p:ext uri="{BB962C8B-B14F-4D97-AF65-F5344CB8AC3E}">
-        <p14:creationId xmlns:p14="http://schemas.microsoft.com/office/powerpoint/2010/main" val="180167228"/>
+        <p14:creationId xmlns:p14="http://schemas.microsoft.com/office/powerpoint/2010/main" val="2550698383"/>
       </p:ext>
     </p:extLst>
   </p:cSld>
@@ -3933,7 +3931,11 @@
           <a:bodyPr/>
           <a:lstStyle/>
           <a:p>
-            <a:endParaRPr lang="en-US"/>
+            <a:pPr marL="0" indent="0">
+              <a:buFontTx/>
+              <a:buNone/>
+            </a:pPr>
+            <a:endParaRPr lang="en-US" dirty="0"/>
           </a:p>
         </p:txBody>
       </p:sp>
@@ -4002,6 +4004,298 @@
                 <a:defRPr/>
               </a:pPr>
               <a:t>4</a:t>
+            </a:fld>
+            <a:endParaRPr kumimoji="0" lang="en-US" sz="1200" b="0" i="0" u="none" strike="noStrike" kern="1200" cap="none" spc="0" normalizeH="0" baseline="0" noProof="0">
+              <a:ln>
+                <a:noFill/>
+              </a:ln>
+              <a:solidFill>
+                <a:prstClr val="black"/>
+              </a:solidFill>
+              <a:effectLst/>
+              <a:uLnTx/>
+              <a:uFillTx/>
+              <a:latin typeface="Calibri" panose="020F0502020204030204"/>
+              <a:ea typeface="+mn-ea"/>
+              <a:cs typeface="+mn-cs"/>
+            </a:endParaRPr>
+          </a:p>
+        </p:txBody>
+      </p:sp>
+    </p:spTree>
+    <p:extLst>
+      <p:ext uri="{BB962C8B-B14F-4D97-AF65-F5344CB8AC3E}">
+        <p14:creationId xmlns:p14="http://schemas.microsoft.com/office/powerpoint/2010/main" val="180167228"/>
+      </p:ext>
+    </p:extLst>
+  </p:cSld>
+  <p:clrMapOvr>
+    <a:masterClrMapping/>
+  </p:clrMapOvr>
+</p:notes>
+</file>
+
+<file path=ppt/notesSlides/notesSlide4.xml><?xml version="1.0" encoding="utf-8"?>
+<p:notes xmlns:a="http://schemas.openxmlformats.org/drawingml/2006/main" xmlns:r="http://schemas.openxmlformats.org/officeDocument/2006/relationships" xmlns:p="http://schemas.openxmlformats.org/presentationml/2006/main">
+  <p:cSld>
+    <p:spTree>
+      <p:nvGrpSpPr>
+        <p:cNvPr id="1" name=""/>
+        <p:cNvGrpSpPr/>
+        <p:nvPr/>
+      </p:nvGrpSpPr>
+      <p:grpSpPr>
+        <a:xfrm>
+          <a:off x="0" y="0"/>
+          <a:ext cx="0" cy="0"/>
+          <a:chOff x="0" y="0"/>
+          <a:chExt cx="0" cy="0"/>
+        </a:xfrm>
+      </p:grpSpPr>
+      <p:sp>
+        <p:nvSpPr>
+          <p:cNvPr id="2" name="Slide Image Placeholder 1"/>
+          <p:cNvSpPr>
+            <a:spLocks noGrp="1" noRot="1" noChangeAspect="1"/>
+          </p:cNvSpPr>
+          <p:nvPr>
+            <p:ph type="sldImg"/>
+          </p:nvPr>
+        </p:nvSpPr>
+        <p:spPr/>
+      </p:sp>
+      <p:sp>
+        <p:nvSpPr>
+          <p:cNvPr id="3" name="Notes Placeholder 2"/>
+          <p:cNvSpPr>
+            <a:spLocks noGrp="1"/>
+          </p:cNvSpPr>
+          <p:nvPr>
+            <p:ph type="body" idx="1"/>
+          </p:nvPr>
+        </p:nvSpPr>
+        <p:spPr/>
+        <p:txBody>
+          <a:bodyPr/>
+          <a:lstStyle/>
+          <a:p>
+            <a:pPr marL="0" indent="0">
+              <a:buFontTx/>
+              <a:buNone/>
+            </a:pPr>
+            <a:endParaRPr lang="en-US" dirty="0"/>
+          </a:p>
+        </p:txBody>
+      </p:sp>
+      <p:sp>
+        <p:nvSpPr>
+          <p:cNvPr id="4" name="Slide Number Placeholder 3"/>
+          <p:cNvSpPr>
+            <a:spLocks noGrp="1"/>
+          </p:cNvSpPr>
+          <p:nvPr>
+            <p:ph type="sldNum" sz="quarter" idx="10"/>
+          </p:nvPr>
+        </p:nvSpPr>
+        <p:spPr/>
+        <p:txBody>
+          <a:bodyPr/>
+          <a:lstStyle/>
+          <a:p>
+            <a:pPr marL="0" marR="0" lvl="0" indent="0" algn="r" defTabSz="457200" rtl="0" eaLnBrk="1" fontAlgn="auto" latinLnBrk="0" hangingPunct="1">
+              <a:lnSpc>
+                <a:spcPct val="100000"/>
+              </a:lnSpc>
+              <a:spcBef>
+                <a:spcPts val="0"/>
+              </a:spcBef>
+              <a:spcAft>
+                <a:spcPts val="0"/>
+              </a:spcAft>
+              <a:buClrTx/>
+              <a:buSzTx/>
+              <a:buFontTx/>
+              <a:buNone/>
+              <a:tabLst/>
+              <a:defRPr/>
+            </a:pPr>
+            <a:fld id="{16A87904-88DE-4022-A424-ACD2E6FC1751}" type="slidenum">
+              <a:rPr kumimoji="0" lang="en-US" sz="1200" b="0" i="0" u="none" strike="noStrike" kern="1200" cap="none" spc="0" normalizeH="0" baseline="0" noProof="0" smtClean="0">
+                <a:ln>
+                  <a:noFill/>
+                </a:ln>
+                <a:solidFill>
+                  <a:prstClr val="black"/>
+                </a:solidFill>
+                <a:effectLst/>
+                <a:uLnTx/>
+                <a:uFillTx/>
+                <a:latin typeface="Calibri" panose="020F0502020204030204"/>
+                <a:ea typeface="+mn-ea"/>
+                <a:cs typeface="+mn-cs"/>
+              </a:rPr>
+              <a:pPr marL="0" marR="0" lvl="0" indent="0" algn="r" defTabSz="457200" rtl="0" eaLnBrk="1" fontAlgn="auto" latinLnBrk="0" hangingPunct="1">
+                <a:lnSpc>
+                  <a:spcPct val="100000"/>
+                </a:lnSpc>
+                <a:spcBef>
+                  <a:spcPts val="0"/>
+                </a:spcBef>
+                <a:spcAft>
+                  <a:spcPts val="0"/>
+                </a:spcAft>
+                <a:buClrTx/>
+                <a:buSzTx/>
+                <a:buFontTx/>
+                <a:buNone/>
+                <a:tabLst/>
+                <a:defRPr/>
+              </a:pPr>
+              <a:t>5</a:t>
+            </a:fld>
+            <a:endParaRPr kumimoji="0" lang="en-US" sz="1200" b="0" i="0" u="none" strike="noStrike" kern="1200" cap="none" spc="0" normalizeH="0" baseline="0" noProof="0">
+              <a:ln>
+                <a:noFill/>
+              </a:ln>
+              <a:solidFill>
+                <a:prstClr val="black"/>
+              </a:solidFill>
+              <a:effectLst/>
+              <a:uLnTx/>
+              <a:uFillTx/>
+              <a:latin typeface="Calibri" panose="020F0502020204030204"/>
+              <a:ea typeface="+mn-ea"/>
+              <a:cs typeface="+mn-cs"/>
+            </a:endParaRPr>
+          </a:p>
+        </p:txBody>
+      </p:sp>
+    </p:spTree>
+    <p:extLst>
+      <p:ext uri="{BB962C8B-B14F-4D97-AF65-F5344CB8AC3E}">
+        <p14:creationId xmlns:p14="http://schemas.microsoft.com/office/powerpoint/2010/main" val="980666859"/>
+      </p:ext>
+    </p:extLst>
+  </p:cSld>
+  <p:clrMapOvr>
+    <a:masterClrMapping/>
+  </p:clrMapOvr>
+</p:notes>
+</file>
+
+<file path=ppt/notesSlides/notesSlide5.xml><?xml version="1.0" encoding="utf-8"?>
+<p:notes xmlns:a="http://schemas.openxmlformats.org/drawingml/2006/main" xmlns:r="http://schemas.openxmlformats.org/officeDocument/2006/relationships" xmlns:p="http://schemas.openxmlformats.org/presentationml/2006/main">
+  <p:cSld>
+    <p:spTree>
+      <p:nvGrpSpPr>
+        <p:cNvPr id="1" name=""/>
+        <p:cNvGrpSpPr/>
+        <p:nvPr/>
+      </p:nvGrpSpPr>
+      <p:grpSpPr>
+        <a:xfrm>
+          <a:off x="0" y="0"/>
+          <a:ext cx="0" cy="0"/>
+          <a:chOff x="0" y="0"/>
+          <a:chExt cx="0" cy="0"/>
+        </a:xfrm>
+      </p:grpSpPr>
+      <p:sp>
+        <p:nvSpPr>
+          <p:cNvPr id="2" name="Slide Image Placeholder 1"/>
+          <p:cNvSpPr>
+            <a:spLocks noGrp="1" noRot="1" noChangeAspect="1"/>
+          </p:cNvSpPr>
+          <p:nvPr>
+            <p:ph type="sldImg"/>
+          </p:nvPr>
+        </p:nvSpPr>
+        <p:spPr/>
+      </p:sp>
+      <p:sp>
+        <p:nvSpPr>
+          <p:cNvPr id="3" name="Notes Placeholder 2"/>
+          <p:cNvSpPr>
+            <a:spLocks noGrp="1"/>
+          </p:cNvSpPr>
+          <p:nvPr>
+            <p:ph type="body" idx="1"/>
+          </p:nvPr>
+        </p:nvSpPr>
+        <p:spPr/>
+        <p:txBody>
+          <a:bodyPr/>
+          <a:lstStyle/>
+          <a:p>
+            <a:endParaRPr lang="en-US"/>
+          </a:p>
+        </p:txBody>
+      </p:sp>
+      <p:sp>
+        <p:nvSpPr>
+          <p:cNvPr id="4" name="Slide Number Placeholder 3"/>
+          <p:cNvSpPr>
+            <a:spLocks noGrp="1"/>
+          </p:cNvSpPr>
+          <p:nvPr>
+            <p:ph type="sldNum" sz="quarter" idx="10"/>
+          </p:nvPr>
+        </p:nvSpPr>
+        <p:spPr/>
+        <p:txBody>
+          <a:bodyPr/>
+          <a:lstStyle/>
+          <a:p>
+            <a:pPr marL="0" marR="0" lvl="0" indent="0" algn="r" defTabSz="457200" rtl="0" eaLnBrk="1" fontAlgn="auto" latinLnBrk="0" hangingPunct="1">
+              <a:lnSpc>
+                <a:spcPct val="100000"/>
+              </a:lnSpc>
+              <a:spcBef>
+                <a:spcPts val="0"/>
+              </a:spcBef>
+              <a:spcAft>
+                <a:spcPts val="0"/>
+              </a:spcAft>
+              <a:buClrTx/>
+              <a:buSzTx/>
+              <a:buFontTx/>
+              <a:buNone/>
+              <a:tabLst/>
+              <a:defRPr/>
+            </a:pPr>
+            <a:fld id="{16A87904-88DE-4022-A424-ACD2E6FC1751}" type="slidenum">
+              <a:rPr kumimoji="0" lang="en-US" sz="1200" b="0" i="0" u="none" strike="noStrike" kern="1200" cap="none" spc="0" normalizeH="0" baseline="0" noProof="0" smtClean="0">
+                <a:ln>
+                  <a:noFill/>
+                </a:ln>
+                <a:solidFill>
+                  <a:prstClr val="black"/>
+                </a:solidFill>
+                <a:effectLst/>
+                <a:uLnTx/>
+                <a:uFillTx/>
+                <a:latin typeface="Calibri" panose="020F0502020204030204"/>
+                <a:ea typeface="+mn-ea"/>
+                <a:cs typeface="+mn-cs"/>
+              </a:rPr>
+              <a:pPr marL="0" marR="0" lvl="0" indent="0" algn="r" defTabSz="457200" rtl="0" eaLnBrk="1" fontAlgn="auto" latinLnBrk="0" hangingPunct="1">
+                <a:lnSpc>
+                  <a:spcPct val="100000"/>
+                </a:lnSpc>
+                <a:spcBef>
+                  <a:spcPts val="0"/>
+                </a:spcBef>
+                <a:spcAft>
+                  <a:spcPts val="0"/>
+                </a:spcAft>
+                <a:buClrTx/>
+                <a:buSzTx/>
+                <a:buFontTx/>
+                <a:buNone/>
+                <a:tabLst/>
+                <a:defRPr/>
+              </a:pPr>
+              <a:t>6</a:t>
             </a:fld>
             <a:endParaRPr kumimoji="0" lang="en-US" sz="1200" b="0" i="0" u="none" strike="noStrike" kern="1200" cap="none" spc="0" normalizeH="0" baseline="0" noProof="0">
               <a:ln>
@@ -11049,52 +11343,343 @@
           <a:p>
             <a:r>
               <a:rPr lang="en-US" dirty="0"/>
-              <a:t>What is DevOps?</a:t>
-            </a:r>
-          </a:p>
-        </p:txBody>
-      </p:sp>
-      <p:graphicFrame>
-        <p:nvGraphicFramePr>
-          <p:cNvPr id="4" name="Content Placeholder 3">
-            <a:extLst>
-              <a:ext uri="{FF2B5EF4-FFF2-40B4-BE49-F238E27FC236}">
-                <a16:creationId xmlns:a16="http://schemas.microsoft.com/office/drawing/2014/main" id="{DEECE7DD-4BB0-4D2E-B637-9401DC4C7FC7}"/>
-              </a:ext>
-            </a:extLst>
-          </p:cNvPr>
-          <p:cNvGraphicFramePr>
-            <a:graphicFrameLocks noGrp="1"/>
-          </p:cNvGraphicFramePr>
+              <a:t>Agenda</a:t>
+            </a:r>
+          </a:p>
+        </p:txBody>
+      </p:sp>
+      <p:sp>
+        <p:nvSpPr>
+          <p:cNvPr id="3" name="Content Placeholder 2"/>
+          <p:cNvSpPr>
+            <a:spLocks noGrp="1"/>
+          </p:cNvSpPr>
           <p:nvPr>
             <p:ph idx="1"/>
-            <p:extLst>
-              <p:ext uri="{D42A27DB-BD31-4B8C-83A1-F6EECF244321}">
-                <p14:modId xmlns:p14="http://schemas.microsoft.com/office/powerpoint/2010/main" val="1232551702"/>
-              </p:ext>
-            </p:extLst>
-          </p:nvPr>
-        </p:nvGraphicFramePr>
-        <p:xfrm>
-          <a:off x="838200" y="1825625"/>
-          <a:ext cx="10515600" cy="4351338"/>
-        </p:xfrm>
-        <a:graphic>
-          <a:graphicData uri="http://schemas.openxmlformats.org/drawingml/2006/diagram">
-            <dgm:relIds xmlns:dgm="http://schemas.openxmlformats.org/drawingml/2006/diagram" xmlns:r="http://schemas.openxmlformats.org/officeDocument/2006/relationships" r:dm="rId3" r:lo="rId4" r:qs="rId5" r:cs="rId6"/>
-          </a:graphicData>
-        </a:graphic>
-      </p:graphicFrame>
+          </p:nvPr>
+        </p:nvSpPr>
+        <p:spPr/>
+        <p:txBody>
+          <a:bodyPr/>
+          <a:lstStyle/>
+          <a:p>
+            <a:r>
+              <a:rPr lang="en-US" dirty="0"/>
+              <a:t>Overview of DevOps</a:t>
+            </a:r>
+          </a:p>
+          <a:p>
+            <a:r>
+              <a:rPr lang="en-US" dirty="0"/>
+              <a:t>Right-click </a:t>
+            </a:r>
+            <a:r>
+              <a:rPr lang="en-US" b="1" dirty="0"/>
+              <a:t>&gt;</a:t>
+            </a:r>
+            <a:r>
+              <a:rPr lang="en-US" dirty="0"/>
+              <a:t> Publish</a:t>
+            </a:r>
+          </a:p>
+          <a:p>
+            <a:r>
+              <a:rPr lang="en-US" dirty="0"/>
+              <a:t>Azure DevOps Services</a:t>
+            </a:r>
+          </a:p>
+          <a:p>
+            <a:r>
+              <a:rPr lang="en-US" dirty="0"/>
+              <a:t>Demo</a:t>
+            </a:r>
+          </a:p>
+        </p:txBody>
+      </p:sp>
     </p:spTree>
     <p:extLst>
       <p:ext uri="{BB962C8B-B14F-4D97-AF65-F5344CB8AC3E}">
-        <p14:creationId xmlns:p14="http://schemas.microsoft.com/office/powerpoint/2010/main" val="2341621534"/>
+        <p14:creationId xmlns:p14="http://schemas.microsoft.com/office/powerpoint/2010/main" val="3024043893"/>
       </p:ext>
     </p:extLst>
   </p:cSld>
   <p:clrMapOvr>
     <a:masterClrMapping/>
   </p:clrMapOvr>
+  <p:timing>
+    <p:tnLst>
+      <p:par>
+        <p:cTn id="1" dur="indefinite" restart="never" nodeType="tmRoot">
+          <p:childTnLst>
+            <p:seq concurrent="1" nextAc="seek">
+              <p:cTn id="2" dur="indefinite" nodeType="mainSeq">
+                <p:childTnLst>
+                  <p:par>
+                    <p:cTn id="3" fill="hold">
+                      <p:stCondLst>
+                        <p:cond delay="indefinite"/>
+                      </p:stCondLst>
+                      <p:childTnLst>
+                        <p:par>
+                          <p:cTn id="4" fill="hold">
+                            <p:stCondLst>
+                              <p:cond delay="0"/>
+                            </p:stCondLst>
+                            <p:childTnLst>
+                              <p:par>
+                                <p:cTn id="5" presetID="10" presetClass="entr" presetSubtype="0" fill="hold" nodeType="clickEffect">
+                                  <p:stCondLst>
+                                    <p:cond delay="0"/>
+                                  </p:stCondLst>
+                                  <p:childTnLst>
+                                    <p:set>
+                                      <p:cBhvr>
+                                        <p:cTn id="6" dur="1" fill="hold">
+                                          <p:stCondLst>
+                                            <p:cond delay="0"/>
+                                          </p:stCondLst>
+                                        </p:cTn>
+                                        <p:tgtEl>
+                                          <p:spTgt spid="3">
+                                            <p:txEl>
+                                              <p:pRg st="0" end="0"/>
+                                            </p:txEl>
+                                          </p:spTgt>
+                                        </p:tgtEl>
+                                        <p:attrNameLst>
+                                          <p:attrName>style.visibility</p:attrName>
+                                        </p:attrNameLst>
+                                      </p:cBhvr>
+                                      <p:to>
+                                        <p:strVal val="visible"/>
+                                      </p:to>
+                                    </p:set>
+                                    <p:animEffect transition="in" filter="fade">
+                                      <p:cBhvr>
+                                        <p:cTn id="7" dur="500"/>
+                                        <p:tgtEl>
+                                          <p:spTgt spid="3">
+                                            <p:txEl>
+                                              <p:pRg st="0" end="0"/>
+                                            </p:txEl>
+                                          </p:spTgt>
+                                        </p:tgtEl>
+                                      </p:cBhvr>
+                                    </p:animEffect>
+                                  </p:childTnLst>
+                                </p:cTn>
+                              </p:par>
+                            </p:childTnLst>
+                          </p:cTn>
+                        </p:par>
+                      </p:childTnLst>
+                    </p:cTn>
+                  </p:par>
+                  <p:par>
+                    <p:cTn id="8" fill="hold">
+                      <p:stCondLst>
+                        <p:cond delay="indefinite"/>
+                      </p:stCondLst>
+                      <p:childTnLst>
+                        <p:par>
+                          <p:cTn id="9" fill="hold">
+                            <p:stCondLst>
+                              <p:cond delay="0"/>
+                            </p:stCondLst>
+                            <p:childTnLst>
+                              <p:par>
+                                <p:cTn id="10" presetID="10" presetClass="entr" presetSubtype="0" fill="hold" nodeType="clickEffect">
+                                  <p:stCondLst>
+                                    <p:cond delay="0"/>
+                                  </p:stCondLst>
+                                  <p:childTnLst>
+                                    <p:set>
+                                      <p:cBhvr>
+                                        <p:cTn id="11" dur="1" fill="hold">
+                                          <p:stCondLst>
+                                            <p:cond delay="0"/>
+                                          </p:stCondLst>
+                                        </p:cTn>
+                                        <p:tgtEl>
+                                          <p:spTgt spid="3">
+                                            <p:txEl>
+                                              <p:pRg st="1" end="1"/>
+                                            </p:txEl>
+                                          </p:spTgt>
+                                        </p:tgtEl>
+                                        <p:attrNameLst>
+                                          <p:attrName>style.visibility</p:attrName>
+                                        </p:attrNameLst>
+                                      </p:cBhvr>
+                                      <p:to>
+                                        <p:strVal val="visible"/>
+                                      </p:to>
+                                    </p:set>
+                                    <p:animEffect transition="in" filter="fade">
+                                      <p:cBhvr>
+                                        <p:cTn id="12" dur="500"/>
+                                        <p:tgtEl>
+                                          <p:spTgt spid="3">
+                                            <p:txEl>
+                                              <p:pRg st="1" end="1"/>
+                                            </p:txEl>
+                                          </p:spTgt>
+                                        </p:tgtEl>
+                                      </p:cBhvr>
+                                    </p:animEffect>
+                                  </p:childTnLst>
+                                </p:cTn>
+                              </p:par>
+                            </p:childTnLst>
+                          </p:cTn>
+                        </p:par>
+                      </p:childTnLst>
+                    </p:cTn>
+                  </p:par>
+                  <p:par>
+                    <p:cTn id="13" fill="hold">
+                      <p:stCondLst>
+                        <p:cond delay="indefinite"/>
+                      </p:stCondLst>
+                      <p:childTnLst>
+                        <p:par>
+                          <p:cTn id="14" fill="hold">
+                            <p:stCondLst>
+                              <p:cond delay="0"/>
+                            </p:stCondLst>
+                            <p:childTnLst>
+                              <p:par>
+                                <p:cTn id="15" presetID="10" presetClass="entr" presetSubtype="0" fill="hold" nodeType="clickEffect">
+                                  <p:stCondLst>
+                                    <p:cond delay="0"/>
+                                  </p:stCondLst>
+                                  <p:childTnLst>
+                                    <p:set>
+                                      <p:cBhvr>
+                                        <p:cTn id="16" dur="1" fill="hold">
+                                          <p:stCondLst>
+                                            <p:cond delay="0"/>
+                                          </p:stCondLst>
+                                        </p:cTn>
+                                        <p:tgtEl>
+                                          <p:spTgt spid="3">
+                                            <p:txEl>
+                                              <p:pRg st="2" end="2"/>
+                                            </p:txEl>
+                                          </p:spTgt>
+                                        </p:tgtEl>
+                                        <p:attrNameLst>
+                                          <p:attrName>style.visibility</p:attrName>
+                                        </p:attrNameLst>
+                                      </p:cBhvr>
+                                      <p:to>
+                                        <p:strVal val="visible"/>
+                                      </p:to>
+                                    </p:set>
+                                    <p:animEffect transition="in" filter="fade">
+                                      <p:cBhvr>
+                                        <p:cTn id="17" dur="500"/>
+                                        <p:tgtEl>
+                                          <p:spTgt spid="3">
+                                            <p:txEl>
+                                              <p:pRg st="2" end="2"/>
+                                            </p:txEl>
+                                          </p:spTgt>
+                                        </p:tgtEl>
+                                      </p:cBhvr>
+                                    </p:animEffect>
+                                  </p:childTnLst>
+                                </p:cTn>
+                              </p:par>
+                            </p:childTnLst>
+                          </p:cTn>
+                        </p:par>
+                      </p:childTnLst>
+                    </p:cTn>
+                  </p:par>
+                  <p:par>
+                    <p:cTn id="18" fill="hold">
+                      <p:stCondLst>
+                        <p:cond delay="indefinite"/>
+                      </p:stCondLst>
+                      <p:childTnLst>
+                        <p:par>
+                          <p:cTn id="19" fill="hold">
+                            <p:stCondLst>
+                              <p:cond delay="0"/>
+                            </p:stCondLst>
+                            <p:childTnLst>
+                              <p:par>
+                                <p:cTn id="20" presetID="10" presetClass="entr" presetSubtype="0" fill="hold" nodeType="clickEffect">
+                                  <p:stCondLst>
+                                    <p:cond delay="0"/>
+                                  </p:stCondLst>
+                                  <p:childTnLst>
+                                    <p:set>
+                                      <p:cBhvr>
+                                        <p:cTn id="21" dur="1" fill="hold">
+                                          <p:stCondLst>
+                                            <p:cond delay="0"/>
+                                          </p:stCondLst>
+                                        </p:cTn>
+                                        <p:tgtEl>
+                                          <p:spTgt spid="3">
+                                            <p:txEl>
+                                              <p:pRg st="3" end="3"/>
+                                            </p:txEl>
+                                          </p:spTgt>
+                                        </p:tgtEl>
+                                        <p:attrNameLst>
+                                          <p:attrName>style.visibility</p:attrName>
+                                        </p:attrNameLst>
+                                      </p:cBhvr>
+                                      <p:to>
+                                        <p:strVal val="visible"/>
+                                      </p:to>
+                                    </p:set>
+                                    <p:animEffect transition="in" filter="fade">
+                                      <p:cBhvr>
+                                        <p:cTn id="22" dur="500"/>
+                                        <p:tgtEl>
+                                          <p:spTgt spid="3">
+                                            <p:txEl>
+                                              <p:pRg st="3" end="3"/>
+                                            </p:txEl>
+                                          </p:spTgt>
+                                        </p:tgtEl>
+                                      </p:cBhvr>
+                                    </p:animEffect>
+                                  </p:childTnLst>
+                                </p:cTn>
+                              </p:par>
+                            </p:childTnLst>
+                          </p:cTn>
+                        </p:par>
+                      </p:childTnLst>
+                    </p:cTn>
+                  </p:par>
+                </p:childTnLst>
+              </p:cTn>
+              <p:prevCondLst>
+                <p:cond evt="onPrev" delay="0">
+                  <p:tgtEl>
+                    <p:sldTgt/>
+                  </p:tgtEl>
+                </p:cond>
+              </p:prevCondLst>
+              <p:nextCondLst>
+                <p:cond evt="onNext" delay="0">
+                  <p:tgtEl>
+                    <p:sldTgt/>
+                  </p:tgtEl>
+                </p:cond>
+              </p:nextCondLst>
+            </p:seq>
+          </p:childTnLst>
+        </p:cTn>
+      </p:par>
+    </p:tnLst>
+  </p:timing>
 </p:sld>
 </file>
 
@@ -11140,54 +11725,46 @@
           <a:p>
             <a:r>
               <a:rPr lang="en-US" dirty="0"/>
-              <a:t>The fallacy of right-click </a:t>
-            </a:r>
-            <a:r>
-              <a:rPr lang="en-US" b="1" dirty="0"/>
-              <a:t>&gt;</a:t>
-            </a:r>
-            <a:r>
-              <a:rPr lang="en-US" dirty="0"/>
-              <a:t> Publish</a:t>
-            </a:r>
-          </a:p>
-        </p:txBody>
-      </p:sp>
-      <p:sp>
-        <p:nvSpPr>
-          <p:cNvPr id="8" name="Content Placeholder 7">
+              <a:t>What is DevOps?</a:t>
+            </a:r>
+          </a:p>
+        </p:txBody>
+      </p:sp>
+      <p:graphicFrame>
+        <p:nvGraphicFramePr>
+          <p:cNvPr id="4" name="Content Placeholder 3">
             <a:extLst>
               <a:ext uri="{FF2B5EF4-FFF2-40B4-BE49-F238E27FC236}">
-                <a16:creationId xmlns:a16="http://schemas.microsoft.com/office/drawing/2014/main" id="{82D45ADE-3199-401A-A793-28F246C9D503}"/>
+                <a16:creationId xmlns:a16="http://schemas.microsoft.com/office/drawing/2014/main" id="{DEECE7DD-4BB0-4D2E-B637-9401DC4C7FC7}"/>
               </a:ext>
             </a:extLst>
           </p:cNvPr>
-          <p:cNvSpPr>
-            <a:spLocks noGrp="1"/>
-          </p:cNvSpPr>
+          <p:cNvGraphicFramePr>
+            <a:graphicFrameLocks noGrp="1"/>
+          </p:cNvGraphicFramePr>
           <p:nvPr>
             <p:ph idx="1"/>
-          </p:nvPr>
-        </p:nvSpPr>
-        <p:spPr/>
-        <p:txBody>
-          <a:bodyPr/>
-          <a:lstStyle/>
-          <a:p>
-            <a:r>
-              <a:rPr lang="en-US" dirty="0"/>
-              <a:t>Doesn’t scale beyond 1 person</a:t>
-            </a:r>
-          </a:p>
-          <a:p>
-            <a:endParaRPr lang="en-US" dirty="0"/>
-          </a:p>
-        </p:txBody>
-      </p:sp>
+            <p:extLst>
+              <p:ext uri="{D42A27DB-BD31-4B8C-83A1-F6EECF244321}">
+                <p14:modId xmlns:p14="http://schemas.microsoft.com/office/powerpoint/2010/main" val="1232551702"/>
+              </p:ext>
+            </p:extLst>
+          </p:nvPr>
+        </p:nvGraphicFramePr>
+        <p:xfrm>
+          <a:off x="838200" y="1825625"/>
+          <a:ext cx="10515600" cy="4351338"/>
+        </p:xfrm>
+        <a:graphic>
+          <a:graphicData uri="http://schemas.openxmlformats.org/drawingml/2006/diagram">
+            <dgm:relIds xmlns:dgm="http://schemas.openxmlformats.org/drawingml/2006/diagram" xmlns:r="http://schemas.openxmlformats.org/officeDocument/2006/relationships" r:dm="rId3" r:lo="rId4" r:qs="rId5" r:cs="rId6"/>
+          </a:graphicData>
+        </a:graphic>
+      </p:graphicFrame>
     </p:spTree>
     <p:extLst>
       <p:ext uri="{BB962C8B-B14F-4D97-AF65-F5344CB8AC3E}">
-        <p14:creationId xmlns:p14="http://schemas.microsoft.com/office/powerpoint/2010/main" val="4142902708"/>
+        <p14:creationId xmlns:p14="http://schemas.microsoft.com/office/powerpoint/2010/main" val="2341621534"/>
       </p:ext>
     </p:extLst>
   </p:cSld>
@@ -11239,6 +11816,190 @@
           <a:p>
             <a:r>
               <a:rPr lang="en-US" dirty="0"/>
+              <a:t>The fallacy of right-click </a:t>
+            </a:r>
+            <a:r>
+              <a:rPr lang="en-US" b="1" dirty="0"/>
+              <a:t>&gt;</a:t>
+            </a:r>
+            <a:r>
+              <a:rPr lang="en-US" dirty="0"/>
+              <a:t> Publish</a:t>
+            </a:r>
+          </a:p>
+        </p:txBody>
+      </p:sp>
+      <p:sp>
+        <p:nvSpPr>
+          <p:cNvPr id="8" name="Content Placeholder 7">
+            <a:extLst>
+              <a:ext uri="{FF2B5EF4-FFF2-40B4-BE49-F238E27FC236}">
+                <a16:creationId xmlns:a16="http://schemas.microsoft.com/office/drawing/2014/main" id="{82D45ADE-3199-401A-A793-28F246C9D503}"/>
+              </a:ext>
+            </a:extLst>
+          </p:cNvPr>
+          <p:cNvSpPr>
+            <a:spLocks noGrp="1"/>
+          </p:cNvSpPr>
+          <p:nvPr>
+            <p:ph idx="1"/>
+          </p:nvPr>
+        </p:nvSpPr>
+        <p:spPr/>
+        <p:txBody>
+          <a:bodyPr/>
+          <a:lstStyle/>
+          <a:p>
+            <a:r>
+              <a:rPr lang="en-US" dirty="0"/>
+              <a:t>Doesn’t scale beyond 1 person</a:t>
+            </a:r>
+          </a:p>
+          <a:p>
+            <a:endParaRPr lang="en-US" dirty="0"/>
+          </a:p>
+        </p:txBody>
+      </p:sp>
+    </p:spTree>
+    <p:extLst>
+      <p:ext uri="{BB962C8B-B14F-4D97-AF65-F5344CB8AC3E}">
+        <p14:creationId xmlns:p14="http://schemas.microsoft.com/office/powerpoint/2010/main" val="4142902708"/>
+      </p:ext>
+    </p:extLst>
+  </p:cSld>
+  <p:clrMapOvr>
+    <a:masterClrMapping/>
+  </p:clrMapOvr>
+</p:sld>
+</file>
+
+<file path=ppt/slides/slide5.xml><?xml version="1.0" encoding="utf-8"?>
+<p:sld xmlns:a="http://schemas.openxmlformats.org/drawingml/2006/main" xmlns:r="http://schemas.openxmlformats.org/officeDocument/2006/relationships" xmlns:p="http://schemas.openxmlformats.org/presentationml/2006/main">
+  <p:cSld>
+    <p:bg>
+      <p:bgPr>
+        <a:solidFill>
+          <a:srgbClr val="505050"/>
+        </a:solidFill>
+        <a:effectLst/>
+      </p:bgPr>
+    </p:bg>
+    <p:spTree>
+      <p:nvGrpSpPr>
+        <p:cNvPr id="1" name=""/>
+        <p:cNvGrpSpPr/>
+        <p:nvPr/>
+      </p:nvGrpSpPr>
+      <p:grpSpPr>
+        <a:xfrm>
+          <a:off x="0" y="0"/>
+          <a:ext cx="0" cy="0"/>
+          <a:chOff x="0" y="0"/>
+          <a:chExt cx="0" cy="0"/>
+        </a:xfrm>
+      </p:grpSpPr>
+      <p:sp>
+        <p:nvSpPr>
+          <p:cNvPr id="2" name="Title 1"/>
+          <p:cNvSpPr>
+            <a:spLocks noGrp="1"/>
+          </p:cNvSpPr>
+          <p:nvPr>
+            <p:ph type="title"/>
+          </p:nvPr>
+        </p:nvSpPr>
+        <p:spPr/>
+        <p:txBody>
+          <a:bodyPr/>
+          <a:lstStyle/>
+          <a:p>
+            <a:r>
+              <a:rPr lang="en-US" dirty="0"/>
+              <a:t>Azure DevOps Services</a:t>
+            </a:r>
+          </a:p>
+        </p:txBody>
+      </p:sp>
+      <p:sp>
+        <p:nvSpPr>
+          <p:cNvPr id="8" name="Content Placeholder 7">
+            <a:extLst>
+              <a:ext uri="{FF2B5EF4-FFF2-40B4-BE49-F238E27FC236}">
+                <a16:creationId xmlns:a16="http://schemas.microsoft.com/office/drawing/2014/main" id="{82D45ADE-3199-401A-A793-28F246C9D503}"/>
+              </a:ext>
+            </a:extLst>
+          </p:cNvPr>
+          <p:cNvSpPr>
+            <a:spLocks noGrp="1"/>
+          </p:cNvSpPr>
+          <p:nvPr>
+            <p:ph idx="1"/>
+          </p:nvPr>
+        </p:nvSpPr>
+        <p:spPr/>
+        <p:txBody>
+          <a:bodyPr/>
+          <a:lstStyle/>
+          <a:p>
+            <a:endParaRPr lang="en-US" dirty="0"/>
+          </a:p>
+        </p:txBody>
+      </p:sp>
+    </p:spTree>
+    <p:extLst>
+      <p:ext uri="{BB962C8B-B14F-4D97-AF65-F5344CB8AC3E}">
+        <p14:creationId xmlns:p14="http://schemas.microsoft.com/office/powerpoint/2010/main" val="3053055354"/>
+      </p:ext>
+    </p:extLst>
+  </p:cSld>
+  <p:clrMapOvr>
+    <a:masterClrMapping/>
+  </p:clrMapOvr>
+</p:sld>
+</file>
+
+<file path=ppt/slides/slide6.xml><?xml version="1.0" encoding="utf-8"?>
+<p:sld xmlns:a="http://schemas.openxmlformats.org/drawingml/2006/main" xmlns:r="http://schemas.openxmlformats.org/officeDocument/2006/relationships" xmlns:p="http://schemas.openxmlformats.org/presentationml/2006/main">
+  <p:cSld>
+    <p:bg>
+      <p:bgPr>
+        <a:solidFill>
+          <a:srgbClr val="505050"/>
+        </a:solidFill>
+        <a:effectLst/>
+      </p:bgPr>
+    </p:bg>
+    <p:spTree>
+      <p:nvGrpSpPr>
+        <p:cNvPr id="1" name=""/>
+        <p:cNvGrpSpPr/>
+        <p:nvPr/>
+      </p:nvGrpSpPr>
+      <p:grpSpPr>
+        <a:xfrm>
+          <a:off x="0" y="0"/>
+          <a:ext cx="0" cy="0"/>
+          <a:chOff x="0" y="0"/>
+          <a:chExt cx="0" cy="0"/>
+        </a:xfrm>
+      </p:grpSpPr>
+      <p:sp>
+        <p:nvSpPr>
+          <p:cNvPr id="2" name="Title 1"/>
+          <p:cNvSpPr>
+            <a:spLocks noGrp="1"/>
+          </p:cNvSpPr>
+          <p:nvPr>
+            <p:ph type="title"/>
+          </p:nvPr>
+        </p:nvSpPr>
+        <p:spPr/>
+        <p:txBody>
+          <a:bodyPr/>
+          <a:lstStyle/>
+          <a:p>
+            <a:r>
+              <a:rPr lang="en-US" dirty="0"/>
               <a:t>Resources</a:t>
             </a:r>
           </a:p>
@@ -11262,7 +12023,7 @@
         </p:spPr>
         <p:txBody>
           <a:bodyPr>
-            <a:normAutofit fontScale="92500"/>
+            <a:normAutofit/>
           </a:bodyPr>
           <a:lstStyle/>
           <a:p>
@@ -11271,7 +12032,7 @@
             </a:pPr>
             <a:r>
               <a:rPr lang="en-US" b="1" dirty="0"/>
-              <a:t>Docs 									</a:t>
+              <a:t>eBook							        </a:t>
             </a:r>
             <a:r>
               <a:rPr lang="en-US" dirty="0"/>
@@ -11286,23 +12047,9 @@
             </a:endParaRPr>
           </a:p>
           <a:p>
-            <a:r>
-              <a:rPr lang="en-US" dirty="0">
-                <a:hlinkClick r:id="rId3"/>
-              </a:rPr>
-              <a:t>aka.ms/dotnet-secret-</a:t>
-            </a:r>
-            <a:r>
-              <a:rPr lang="en-US" dirty="0" err="1">
-                <a:hlinkClick r:id="rId3"/>
-              </a:rPr>
-              <a:t>mgr</a:t>
-            </a:r>
-            <a:endParaRPr lang="en-US" dirty="0">
-              <a:hlinkClick r:id="rId3"/>
-            </a:endParaRPr>
-          </a:p>
-          <a:p>
+            <a:pPr marL="0" indent="0">
+              <a:buNone/>
+            </a:pPr>
             <a:r>
               <a:rPr lang="en-US" dirty="0">
                 <a:hlinkClick r:id="rId4"/>
@@ -11313,17 +12060,14 @@
               <a:rPr lang="en-US" dirty="0" err="1">
                 <a:hlinkClick r:id="rId4"/>
               </a:rPr>
-              <a:t>az</a:t>
-            </a:r>
-            <a:r>
-              <a:rPr lang="en-US" dirty="0">
-                <a:hlinkClick r:id="rId4"/>
-              </a:rPr>
-              <a:t>-key-vault</a:t>
+              <a:t>aspnetdevops</a:t>
             </a:r>
             <a:endParaRPr lang="en-US" dirty="0"/>
           </a:p>
           <a:p>
+            <a:pPr marL="0" indent="0">
+              <a:buNone/>
+            </a:pPr>
             <a:endParaRPr lang="en-US" dirty="0"/>
           </a:p>
           <a:p>
@@ -11343,7 +12087,31 @@
               <a:rPr lang="en-US" dirty="0">
                 <a:hlinkClick r:id="rId5"/>
               </a:rPr>
-              <a:t>aka.ms/app-secrets-slides</a:t>
+              <a:t>aka.ms/</a:t>
+            </a:r>
+            <a:r>
+              <a:rPr lang="en-US" dirty="0" err="1">
+                <a:hlinkClick r:id="rId5"/>
+              </a:rPr>
+              <a:t>aspnet</a:t>
+            </a:r>
+            <a:r>
+              <a:rPr lang="en-US" dirty="0">
+                <a:hlinkClick r:id="rId5"/>
+              </a:rPr>
+              <a:t>-</a:t>
+            </a:r>
+            <a:r>
+              <a:rPr lang="en-US" dirty="0" err="1">
+                <a:hlinkClick r:id="rId5"/>
+              </a:rPr>
+              <a:t>devops</a:t>
+            </a:r>
+            <a:r>
+              <a:rPr lang="en-US" dirty="0">
+                <a:hlinkClick r:id="rId5"/>
+              </a:rPr>
+              <a:t>-slides</a:t>
             </a:r>
             <a:endParaRPr lang="en-US" dirty="0"/>
           </a:p>
@@ -11404,7 +12172,7 @@
         </p:blipFill>
         <p:spPr>
           <a:xfrm>
-            <a:off x="8474876" y="1753612"/>
+            <a:off x="8342901" y="1777563"/>
             <a:ext cx="682893" cy="555188"/>
           </a:xfrm>
           <a:prstGeom prst="rect">

--- a/DevOps in the Cloud.pptx
+++ b/DevOps in the Cloud.pptx
@@ -6,15 +6,16 @@
     <p:sldMasterId id="2147483660" r:id="rId2"/>
   </p:sldMasterIdLst>
   <p:notesMasterIdLst>
-    <p:notesMasterId r:id="rId9"/>
+    <p:notesMasterId r:id="rId10"/>
   </p:notesMasterIdLst>
   <p:sldIdLst>
     <p:sldId id="329" r:id="rId3"/>
     <p:sldId id="322" r:id="rId4"/>
     <p:sldId id="330" r:id="rId5"/>
-    <p:sldId id="331" r:id="rId6"/>
-    <p:sldId id="332" r:id="rId7"/>
-    <p:sldId id="326" r:id="rId8"/>
+    <p:sldId id="334" r:id="rId6"/>
+    <p:sldId id="331" r:id="rId7"/>
+    <p:sldId id="332" r:id="rId8"/>
+    <p:sldId id="326" r:id="rId9"/>
   </p:sldIdLst>
   <p:sldSz cx="12192000" cy="6858000"/>
   <p:notesSz cx="6858000" cy="9144000"/>
@@ -133,6 +134,753 @@
 </file>
 
 <file path=ppt/diagrams/colors1.xml><?xml version="1.0" encoding="utf-8"?>
+<dgm:colorsDef xmlns:dgm="http://schemas.openxmlformats.org/drawingml/2006/diagram" xmlns:a="http://schemas.openxmlformats.org/drawingml/2006/main" uniqueId="urn:microsoft.com/office/officeart/2005/8/colors/accent1_2">
+  <dgm:title val=""/>
+  <dgm:desc val=""/>
+  <dgm:catLst>
+    <dgm:cat type="accent1" pri="11200"/>
+  </dgm:catLst>
+  <dgm:styleLbl name="node0">
+    <dgm:fillClrLst meth="repeat">
+      <a:schemeClr val="accent1"/>
+    </dgm:fillClrLst>
+    <dgm:linClrLst meth="repeat">
+      <a:schemeClr val="lt1"/>
+    </dgm:linClrLst>
+    <dgm:effectClrLst/>
+    <dgm:txLinClrLst/>
+    <dgm:txFillClrLst/>
+    <dgm:txEffectClrLst/>
+  </dgm:styleLbl>
+  <dgm:styleLbl name="alignNode1">
+    <dgm:fillClrLst meth="repeat">
+      <a:schemeClr val="accent1"/>
+    </dgm:fillClrLst>
+    <dgm:linClrLst meth="repeat">
+      <a:schemeClr val="accent1"/>
+    </dgm:linClrLst>
+    <dgm:effectClrLst/>
+    <dgm:txLinClrLst/>
+    <dgm:txFillClrLst/>
+    <dgm:txEffectClrLst/>
+  </dgm:styleLbl>
+  <dgm:styleLbl name="node1">
+    <dgm:fillClrLst meth="repeat">
+      <a:schemeClr val="accent1"/>
+    </dgm:fillClrLst>
+    <dgm:linClrLst meth="repeat">
+      <a:schemeClr val="lt1"/>
+    </dgm:linClrLst>
+    <dgm:effectClrLst/>
+    <dgm:txLinClrLst/>
+    <dgm:txFillClrLst/>
+    <dgm:txEffectClrLst/>
+  </dgm:styleLbl>
+  <dgm:styleLbl name="lnNode1">
+    <dgm:fillClrLst meth="repeat">
+      <a:schemeClr val="accent1"/>
+    </dgm:fillClrLst>
+    <dgm:linClrLst meth="repeat">
+      <a:schemeClr val="lt1"/>
+    </dgm:linClrLst>
+    <dgm:effectClrLst/>
+    <dgm:txLinClrLst/>
+    <dgm:txFillClrLst/>
+    <dgm:txEffectClrLst/>
+  </dgm:styleLbl>
+  <dgm:styleLbl name="vennNode1">
+    <dgm:fillClrLst meth="repeat">
+      <a:schemeClr val="accent1">
+        <a:alpha val="50000"/>
+      </a:schemeClr>
+    </dgm:fillClrLst>
+    <dgm:linClrLst meth="repeat">
+      <a:schemeClr val="lt1"/>
+    </dgm:linClrLst>
+    <dgm:effectClrLst/>
+    <dgm:txLinClrLst/>
+    <dgm:txFillClrLst/>
+    <dgm:txEffectClrLst/>
+  </dgm:styleLbl>
+  <dgm:styleLbl name="node2">
+    <dgm:fillClrLst meth="repeat">
+      <a:schemeClr val="accent1"/>
+    </dgm:fillClrLst>
+    <dgm:linClrLst meth="repeat">
+      <a:schemeClr val="lt1"/>
+    </dgm:linClrLst>
+    <dgm:effectClrLst/>
+    <dgm:txLinClrLst/>
+    <dgm:txFillClrLst/>
+    <dgm:txEffectClrLst/>
+  </dgm:styleLbl>
+  <dgm:styleLbl name="node3">
+    <dgm:fillClrLst meth="repeat">
+      <a:schemeClr val="accent1"/>
+    </dgm:fillClrLst>
+    <dgm:linClrLst meth="repeat">
+      <a:schemeClr val="lt1"/>
+    </dgm:linClrLst>
+    <dgm:effectClrLst/>
+    <dgm:txLinClrLst/>
+    <dgm:txFillClrLst/>
+    <dgm:txEffectClrLst/>
+  </dgm:styleLbl>
+  <dgm:styleLbl name="node4">
+    <dgm:fillClrLst meth="repeat">
+      <a:schemeClr val="accent1"/>
+    </dgm:fillClrLst>
+    <dgm:linClrLst meth="repeat">
+      <a:schemeClr val="lt1"/>
+    </dgm:linClrLst>
+    <dgm:effectClrLst/>
+    <dgm:txLinClrLst/>
+    <dgm:txFillClrLst/>
+    <dgm:txEffectClrLst/>
+  </dgm:styleLbl>
+  <dgm:styleLbl name="fgImgPlace1">
+    <dgm:fillClrLst meth="repeat">
+      <a:schemeClr val="accent1">
+        <a:tint val="50000"/>
+      </a:schemeClr>
+    </dgm:fillClrLst>
+    <dgm:linClrLst meth="repeat">
+      <a:schemeClr val="lt1"/>
+    </dgm:linClrLst>
+    <dgm:effectClrLst/>
+    <dgm:txLinClrLst/>
+    <dgm:txFillClrLst meth="repeat">
+      <a:schemeClr val="lt1"/>
+    </dgm:txFillClrLst>
+    <dgm:txEffectClrLst/>
+  </dgm:styleLbl>
+  <dgm:styleLbl name="alignImgPlace1">
+    <dgm:fillClrLst meth="repeat">
+      <a:schemeClr val="accent1">
+        <a:tint val="50000"/>
+      </a:schemeClr>
+    </dgm:fillClrLst>
+    <dgm:linClrLst meth="repeat">
+      <a:schemeClr val="lt1"/>
+    </dgm:linClrLst>
+    <dgm:effectClrLst/>
+    <dgm:txLinClrLst/>
+    <dgm:txFillClrLst meth="repeat">
+      <a:schemeClr val="lt1"/>
+    </dgm:txFillClrLst>
+    <dgm:txEffectClrLst/>
+  </dgm:styleLbl>
+  <dgm:styleLbl name="bgImgPlace1">
+    <dgm:fillClrLst meth="repeat">
+      <a:schemeClr val="accent1">
+        <a:tint val="50000"/>
+      </a:schemeClr>
+    </dgm:fillClrLst>
+    <dgm:linClrLst meth="repeat">
+      <a:schemeClr val="lt1"/>
+    </dgm:linClrLst>
+    <dgm:effectClrLst/>
+    <dgm:txLinClrLst/>
+    <dgm:txFillClrLst meth="repeat">
+      <a:schemeClr val="lt1"/>
+    </dgm:txFillClrLst>
+    <dgm:txEffectClrLst/>
+  </dgm:styleLbl>
+  <dgm:styleLbl name="sibTrans2D1">
+    <dgm:fillClrLst meth="repeat">
+      <a:schemeClr val="accent1">
+        <a:tint val="60000"/>
+      </a:schemeClr>
+    </dgm:fillClrLst>
+    <dgm:linClrLst meth="repeat">
+      <a:schemeClr val="accent1">
+        <a:tint val="60000"/>
+      </a:schemeClr>
+    </dgm:linClrLst>
+    <dgm:effectClrLst/>
+    <dgm:txLinClrLst/>
+    <dgm:txFillClrLst/>
+    <dgm:txEffectClrLst/>
+  </dgm:styleLbl>
+  <dgm:styleLbl name="fgSibTrans2D1">
+    <dgm:fillClrLst meth="repeat">
+      <a:schemeClr val="accent1">
+        <a:tint val="60000"/>
+      </a:schemeClr>
+    </dgm:fillClrLst>
+    <dgm:linClrLst meth="repeat">
+      <a:schemeClr val="accent1">
+        <a:tint val="60000"/>
+      </a:schemeClr>
+    </dgm:linClrLst>
+    <dgm:effectClrLst/>
+    <dgm:txLinClrLst/>
+    <dgm:txFillClrLst/>
+    <dgm:txEffectClrLst/>
+  </dgm:styleLbl>
+  <dgm:styleLbl name="bgSibTrans2D1">
+    <dgm:fillClrLst meth="repeat">
+      <a:schemeClr val="accent1">
+        <a:tint val="60000"/>
+      </a:schemeClr>
+    </dgm:fillClrLst>
+    <dgm:linClrLst meth="repeat">
+      <a:schemeClr val="accent1">
+        <a:tint val="60000"/>
+      </a:schemeClr>
+    </dgm:linClrLst>
+    <dgm:effectClrLst/>
+    <dgm:txLinClrLst/>
+    <dgm:txFillClrLst/>
+    <dgm:txEffectClrLst/>
+  </dgm:styleLbl>
+  <dgm:styleLbl name="sibTrans1D1">
+    <dgm:fillClrLst meth="repeat">
+      <a:schemeClr val="accent1"/>
+    </dgm:fillClrLst>
+    <dgm:linClrLst meth="repeat">
+      <a:schemeClr val="accent1"/>
+    </dgm:linClrLst>
+    <dgm:effectClrLst/>
+    <dgm:txLinClrLst/>
+    <dgm:txFillClrLst meth="repeat">
+      <a:schemeClr val="tx1"/>
+    </dgm:txFillClrLst>
+    <dgm:txEffectClrLst/>
+  </dgm:styleLbl>
+  <dgm:styleLbl name="callout">
+    <dgm:fillClrLst meth="repeat">
+      <a:schemeClr val="accent1"/>
+    </dgm:fillClrLst>
+    <dgm:linClrLst meth="repeat">
+      <a:schemeClr val="accent1">
+        <a:tint val="50000"/>
+      </a:schemeClr>
+    </dgm:linClrLst>
+    <dgm:effectClrLst/>
+    <dgm:txLinClrLst/>
+    <dgm:txFillClrLst meth="repeat">
+      <a:schemeClr val="tx1"/>
+    </dgm:txFillClrLst>
+    <dgm:txEffectClrLst/>
+  </dgm:styleLbl>
+  <dgm:styleLbl name="asst0">
+    <dgm:fillClrLst meth="repeat">
+      <a:schemeClr val="accent1"/>
+    </dgm:fillClrLst>
+    <dgm:linClrLst meth="repeat">
+      <a:schemeClr val="lt1"/>
+    </dgm:linClrLst>
+    <dgm:effectClrLst/>
+    <dgm:txLinClrLst/>
+    <dgm:txFillClrLst/>
+    <dgm:txEffectClrLst/>
+  </dgm:styleLbl>
+  <dgm:styleLbl name="asst1">
+    <dgm:fillClrLst meth="repeat">
+      <a:schemeClr val="accent1"/>
+    </dgm:fillClrLst>
+    <dgm:linClrLst meth="repeat">
+      <a:schemeClr val="lt1"/>
+    </dgm:linClrLst>
+    <dgm:effectClrLst/>
+    <dgm:txLinClrLst/>
+    <dgm:txFillClrLst/>
+    <dgm:txEffectClrLst/>
+  </dgm:styleLbl>
+  <dgm:styleLbl name="asst2">
+    <dgm:fillClrLst meth="repeat">
+      <a:schemeClr val="accent1"/>
+    </dgm:fillClrLst>
+    <dgm:linClrLst meth="repeat">
+      <a:schemeClr val="lt1"/>
+    </dgm:linClrLst>
+    <dgm:effectClrLst/>
+    <dgm:txLinClrLst/>
+    <dgm:txFillClrLst/>
+    <dgm:txEffectClrLst/>
+  </dgm:styleLbl>
+  <dgm:styleLbl name="asst3">
+    <dgm:fillClrLst meth="repeat">
+      <a:schemeClr val="accent1"/>
+    </dgm:fillClrLst>
+    <dgm:linClrLst meth="repeat">
+      <a:schemeClr val="lt1"/>
+    </dgm:linClrLst>
+    <dgm:effectClrLst/>
+    <dgm:txLinClrLst/>
+    <dgm:txFillClrLst/>
+    <dgm:txEffectClrLst/>
+  </dgm:styleLbl>
+  <dgm:styleLbl name="asst4">
+    <dgm:fillClrLst meth="repeat">
+      <a:schemeClr val="accent1"/>
+    </dgm:fillClrLst>
+    <dgm:linClrLst meth="repeat">
+      <a:schemeClr val="lt1"/>
+    </dgm:linClrLst>
+    <dgm:effectClrLst/>
+    <dgm:txLinClrLst/>
+    <dgm:txFillClrLst/>
+    <dgm:txEffectClrLst/>
+  </dgm:styleLbl>
+  <dgm:styleLbl name="parChTrans2D1">
+    <dgm:fillClrLst meth="repeat">
+      <a:schemeClr val="accent1">
+        <a:tint val="60000"/>
+      </a:schemeClr>
+    </dgm:fillClrLst>
+    <dgm:linClrLst meth="repeat">
+      <a:schemeClr val="accent1">
+        <a:tint val="60000"/>
+      </a:schemeClr>
+    </dgm:linClrLst>
+    <dgm:effectClrLst/>
+    <dgm:txLinClrLst/>
+    <dgm:txFillClrLst meth="repeat">
+      <a:schemeClr val="lt1"/>
+    </dgm:txFillClrLst>
+    <dgm:txEffectClrLst/>
+  </dgm:styleLbl>
+  <dgm:styleLbl name="parChTrans2D2">
+    <dgm:fillClrLst meth="repeat">
+      <a:schemeClr val="accent1"/>
+    </dgm:fillClrLst>
+    <dgm:linClrLst meth="repeat">
+      <a:schemeClr val="accent1"/>
+    </dgm:linClrLst>
+    <dgm:effectClrLst/>
+    <dgm:txLinClrLst/>
+    <dgm:txFillClrLst meth="repeat">
+      <a:schemeClr val="lt1"/>
+    </dgm:txFillClrLst>
+    <dgm:txEffectClrLst/>
+  </dgm:styleLbl>
+  <dgm:styleLbl name="parChTrans2D3">
+    <dgm:fillClrLst meth="repeat">
+      <a:schemeClr val="accent1"/>
+    </dgm:fillClrLst>
+    <dgm:linClrLst meth="repeat">
+      <a:schemeClr val="accent1"/>
+    </dgm:linClrLst>
+    <dgm:effectClrLst/>
+    <dgm:txLinClrLst/>
+    <dgm:txFillClrLst meth="repeat">
+      <a:schemeClr val="lt1"/>
+    </dgm:txFillClrLst>
+    <dgm:txEffectClrLst/>
+  </dgm:styleLbl>
+  <dgm:styleLbl name="parChTrans2D4">
+    <dgm:fillClrLst meth="repeat">
+      <a:schemeClr val="accent1"/>
+    </dgm:fillClrLst>
+    <dgm:linClrLst meth="repeat">
+      <a:schemeClr val="accent1"/>
+    </dgm:linClrLst>
+    <dgm:effectClrLst/>
+    <dgm:txLinClrLst/>
+    <dgm:txFillClrLst meth="repeat">
+      <a:schemeClr val="lt1"/>
+    </dgm:txFillClrLst>
+    <dgm:txEffectClrLst/>
+  </dgm:styleLbl>
+  <dgm:styleLbl name="parChTrans1D1">
+    <dgm:fillClrLst meth="repeat">
+      <a:schemeClr val="accent1"/>
+    </dgm:fillClrLst>
+    <dgm:linClrLst meth="repeat">
+      <a:schemeClr val="accent1">
+        <a:shade val="60000"/>
+      </a:schemeClr>
+    </dgm:linClrLst>
+    <dgm:effectClrLst/>
+    <dgm:txLinClrLst/>
+    <dgm:txFillClrLst meth="repeat">
+      <a:schemeClr val="tx1"/>
+    </dgm:txFillClrLst>
+    <dgm:txEffectClrLst/>
+  </dgm:styleLbl>
+  <dgm:styleLbl name="parChTrans1D2">
+    <dgm:fillClrLst meth="repeat">
+      <a:schemeClr val="accent1"/>
+    </dgm:fillClrLst>
+    <dgm:linClrLst meth="repeat">
+      <a:schemeClr val="accent1">
+        <a:shade val="60000"/>
+      </a:schemeClr>
+    </dgm:linClrLst>
+    <dgm:effectClrLst/>
+    <dgm:txLinClrLst/>
+    <dgm:txFillClrLst meth="repeat">
+      <a:schemeClr val="tx1"/>
+    </dgm:txFillClrLst>
+    <dgm:txEffectClrLst/>
+  </dgm:styleLbl>
+  <dgm:styleLbl name="parChTrans1D3">
+    <dgm:fillClrLst meth="repeat">
+      <a:schemeClr val="accent1"/>
+    </dgm:fillClrLst>
+    <dgm:linClrLst meth="repeat">
+      <a:schemeClr val="accent1">
+        <a:shade val="80000"/>
+      </a:schemeClr>
+    </dgm:linClrLst>
+    <dgm:effectClrLst/>
+    <dgm:txLinClrLst/>
+    <dgm:txFillClrLst meth="repeat">
+      <a:schemeClr val="tx1"/>
+    </dgm:txFillClrLst>
+    <dgm:txEffectClrLst/>
+  </dgm:styleLbl>
+  <dgm:styleLbl name="parChTrans1D4">
+    <dgm:fillClrLst meth="repeat">
+      <a:schemeClr val="accent1"/>
+    </dgm:fillClrLst>
+    <dgm:linClrLst meth="repeat">
+      <a:schemeClr val="accent1">
+        <a:shade val="80000"/>
+      </a:schemeClr>
+    </dgm:linClrLst>
+    <dgm:effectClrLst/>
+    <dgm:txLinClrLst/>
+    <dgm:txFillClrLst meth="repeat">
+      <a:schemeClr val="tx1"/>
+    </dgm:txFillClrLst>
+    <dgm:txEffectClrLst/>
+  </dgm:styleLbl>
+  <dgm:styleLbl name="fgAcc1">
+    <dgm:fillClrLst meth="repeat">
+      <a:schemeClr val="lt1">
+        <a:alpha val="90000"/>
+      </a:schemeClr>
+    </dgm:fillClrLst>
+    <dgm:linClrLst meth="repeat">
+      <a:schemeClr val="accent1"/>
+    </dgm:linClrLst>
+    <dgm:effectClrLst/>
+    <dgm:txLinClrLst/>
+    <dgm:txFillClrLst meth="repeat">
+      <a:schemeClr val="dk1"/>
+    </dgm:txFillClrLst>
+    <dgm:txEffectClrLst/>
+  </dgm:styleLbl>
+  <dgm:styleLbl name="conFgAcc1">
+    <dgm:fillClrLst meth="repeat">
+      <a:schemeClr val="lt1">
+        <a:alpha val="90000"/>
+      </a:schemeClr>
+    </dgm:fillClrLst>
+    <dgm:linClrLst meth="repeat">
+      <a:schemeClr val="accent1"/>
+    </dgm:linClrLst>
+    <dgm:effectClrLst/>
+    <dgm:txLinClrLst/>
+    <dgm:txFillClrLst meth="repeat">
+      <a:schemeClr val="dk1"/>
+    </dgm:txFillClrLst>
+    <dgm:txEffectClrLst/>
+  </dgm:styleLbl>
+  <dgm:styleLbl name="alignAcc1">
+    <dgm:fillClrLst meth="repeat">
+      <a:schemeClr val="lt1">
+        <a:alpha val="90000"/>
+      </a:schemeClr>
+    </dgm:fillClrLst>
+    <dgm:linClrLst meth="repeat">
+      <a:schemeClr val="accent1"/>
+    </dgm:linClrLst>
+    <dgm:effectClrLst/>
+    <dgm:txLinClrLst/>
+    <dgm:txFillClrLst meth="repeat">
+      <a:schemeClr val="dk1"/>
+    </dgm:txFillClrLst>
+    <dgm:txEffectClrLst/>
+  </dgm:styleLbl>
+  <dgm:styleLbl name="trAlignAcc1">
+    <dgm:fillClrLst meth="repeat">
+      <a:schemeClr val="lt1">
+        <a:alpha val="40000"/>
+      </a:schemeClr>
+    </dgm:fillClrLst>
+    <dgm:linClrLst meth="repeat">
+      <a:schemeClr val="accent1"/>
+    </dgm:linClrLst>
+    <dgm:effectClrLst/>
+    <dgm:txLinClrLst/>
+    <dgm:txFillClrLst meth="repeat">
+      <a:schemeClr val="dk1"/>
+    </dgm:txFillClrLst>
+    <dgm:txEffectClrLst/>
+  </dgm:styleLbl>
+  <dgm:styleLbl name="bgAcc1">
+    <dgm:fillClrLst meth="repeat">
+      <a:schemeClr val="lt1">
+        <a:alpha val="90000"/>
+      </a:schemeClr>
+    </dgm:fillClrLst>
+    <dgm:linClrLst meth="repeat">
+      <a:schemeClr val="accent1"/>
+    </dgm:linClrLst>
+    <dgm:effectClrLst/>
+    <dgm:txLinClrLst/>
+    <dgm:txFillClrLst meth="repeat">
+      <a:schemeClr val="dk1"/>
+    </dgm:txFillClrLst>
+    <dgm:txEffectClrLst/>
+  </dgm:styleLbl>
+  <dgm:styleLbl name="solidFgAcc1">
+    <dgm:fillClrLst meth="repeat">
+      <a:schemeClr val="lt1"/>
+    </dgm:fillClrLst>
+    <dgm:linClrLst meth="repeat">
+      <a:schemeClr val="accent1"/>
+    </dgm:linClrLst>
+    <dgm:effectClrLst/>
+    <dgm:txLinClrLst/>
+    <dgm:txFillClrLst meth="repeat">
+      <a:schemeClr val="dk1"/>
+    </dgm:txFillClrLst>
+    <dgm:txEffectClrLst/>
+  </dgm:styleLbl>
+  <dgm:styleLbl name="solidAlignAcc1">
+    <dgm:fillClrLst meth="repeat">
+      <a:schemeClr val="lt1"/>
+    </dgm:fillClrLst>
+    <dgm:linClrLst meth="repeat">
+      <a:schemeClr val="accent1"/>
+    </dgm:linClrLst>
+    <dgm:effectClrLst/>
+    <dgm:txLinClrLst/>
+    <dgm:txFillClrLst meth="repeat">
+      <a:schemeClr val="dk1"/>
+    </dgm:txFillClrLst>
+    <dgm:txEffectClrLst/>
+  </dgm:styleLbl>
+  <dgm:styleLbl name="solidBgAcc1">
+    <dgm:fillClrLst meth="repeat">
+      <a:schemeClr val="lt1"/>
+    </dgm:fillClrLst>
+    <dgm:linClrLst meth="repeat">
+      <a:schemeClr val="accent1"/>
+    </dgm:linClrLst>
+    <dgm:effectClrLst/>
+    <dgm:txLinClrLst/>
+    <dgm:txFillClrLst meth="repeat">
+      <a:schemeClr val="dk1"/>
+    </dgm:txFillClrLst>
+    <dgm:txEffectClrLst/>
+  </dgm:styleLbl>
+  <dgm:styleLbl name="fgAccFollowNode1">
+    <dgm:fillClrLst meth="repeat">
+      <a:schemeClr val="accent1">
+        <a:alpha val="90000"/>
+        <a:tint val="40000"/>
+      </a:schemeClr>
+    </dgm:fillClrLst>
+    <dgm:linClrLst meth="repeat">
+      <a:schemeClr val="accent1">
+        <a:alpha val="90000"/>
+        <a:tint val="40000"/>
+      </a:schemeClr>
+    </dgm:linClrLst>
+    <dgm:effectClrLst/>
+    <dgm:txLinClrLst/>
+    <dgm:txFillClrLst meth="repeat">
+      <a:schemeClr val="dk1"/>
+    </dgm:txFillClrLst>
+    <dgm:txEffectClrLst/>
+  </dgm:styleLbl>
+  <dgm:styleLbl name="alignAccFollowNode1">
+    <dgm:fillClrLst meth="repeat">
+      <a:schemeClr val="accent1">
+        <a:alpha val="90000"/>
+        <a:tint val="40000"/>
+      </a:schemeClr>
+    </dgm:fillClrLst>
+    <dgm:linClrLst meth="repeat">
+      <a:schemeClr val="accent1">
+        <a:alpha val="90000"/>
+        <a:tint val="40000"/>
+      </a:schemeClr>
+    </dgm:linClrLst>
+    <dgm:effectClrLst/>
+    <dgm:txLinClrLst/>
+    <dgm:txFillClrLst meth="repeat">
+      <a:schemeClr val="dk1"/>
+    </dgm:txFillClrLst>
+    <dgm:txEffectClrLst/>
+  </dgm:styleLbl>
+  <dgm:styleLbl name="bgAccFollowNode1">
+    <dgm:fillClrLst meth="repeat">
+      <a:schemeClr val="accent1">
+        <a:alpha val="90000"/>
+        <a:tint val="40000"/>
+      </a:schemeClr>
+    </dgm:fillClrLst>
+    <dgm:linClrLst meth="repeat">
+      <a:schemeClr val="accent1">
+        <a:alpha val="90000"/>
+        <a:tint val="40000"/>
+      </a:schemeClr>
+    </dgm:linClrLst>
+    <dgm:effectClrLst/>
+    <dgm:txLinClrLst/>
+    <dgm:txFillClrLst meth="repeat">
+      <a:schemeClr val="dk1"/>
+    </dgm:txFillClrLst>
+    <dgm:txEffectClrLst/>
+  </dgm:styleLbl>
+  <dgm:styleLbl name="fgAcc0">
+    <dgm:fillClrLst meth="repeat">
+      <a:schemeClr val="lt1">
+        <a:alpha val="90000"/>
+      </a:schemeClr>
+    </dgm:fillClrLst>
+    <dgm:linClrLst meth="repeat">
+      <a:schemeClr val="accent1"/>
+    </dgm:linClrLst>
+    <dgm:effectClrLst/>
+    <dgm:txLinClrLst/>
+    <dgm:txFillClrLst meth="repeat">
+      <a:schemeClr val="dk1"/>
+    </dgm:txFillClrLst>
+    <dgm:txEffectClrLst/>
+  </dgm:styleLbl>
+  <dgm:styleLbl name="fgAcc2">
+    <dgm:fillClrLst meth="repeat">
+      <a:schemeClr val="lt1">
+        <a:alpha val="90000"/>
+      </a:schemeClr>
+    </dgm:fillClrLst>
+    <dgm:linClrLst meth="repeat">
+      <a:schemeClr val="accent1"/>
+    </dgm:linClrLst>
+    <dgm:effectClrLst/>
+    <dgm:txLinClrLst/>
+    <dgm:txFillClrLst meth="repeat">
+      <a:schemeClr val="dk1"/>
+    </dgm:txFillClrLst>
+    <dgm:txEffectClrLst/>
+  </dgm:styleLbl>
+  <dgm:styleLbl name="fgAcc3">
+    <dgm:fillClrLst meth="repeat">
+      <a:schemeClr val="lt1">
+        <a:alpha val="90000"/>
+      </a:schemeClr>
+    </dgm:fillClrLst>
+    <dgm:linClrLst meth="repeat">
+      <a:schemeClr val="accent1"/>
+    </dgm:linClrLst>
+    <dgm:effectClrLst/>
+    <dgm:txLinClrLst/>
+    <dgm:txFillClrLst meth="repeat">
+      <a:schemeClr val="dk1"/>
+    </dgm:txFillClrLst>
+    <dgm:txEffectClrLst/>
+  </dgm:styleLbl>
+  <dgm:styleLbl name="fgAcc4">
+    <dgm:fillClrLst meth="repeat">
+      <a:schemeClr val="lt1">
+        <a:alpha val="90000"/>
+      </a:schemeClr>
+    </dgm:fillClrLst>
+    <dgm:linClrLst meth="repeat">
+      <a:schemeClr val="accent1"/>
+    </dgm:linClrLst>
+    <dgm:effectClrLst/>
+    <dgm:txLinClrLst/>
+    <dgm:txFillClrLst meth="repeat">
+      <a:schemeClr val="dk1"/>
+    </dgm:txFillClrLst>
+    <dgm:txEffectClrLst/>
+  </dgm:styleLbl>
+  <dgm:styleLbl name="bgShp">
+    <dgm:fillClrLst meth="repeat">
+      <a:schemeClr val="accent1">
+        <a:tint val="40000"/>
+      </a:schemeClr>
+    </dgm:fillClrLst>
+    <dgm:linClrLst meth="repeat">
+      <a:schemeClr val="accent1"/>
+    </dgm:linClrLst>
+    <dgm:effectClrLst/>
+    <dgm:txLinClrLst/>
+    <dgm:txFillClrLst meth="repeat">
+      <a:schemeClr val="dk1"/>
+    </dgm:txFillClrLst>
+    <dgm:txEffectClrLst/>
+  </dgm:styleLbl>
+  <dgm:styleLbl name="dkBgShp">
+    <dgm:fillClrLst meth="repeat">
+      <a:schemeClr val="accent1">
+        <a:shade val="80000"/>
+      </a:schemeClr>
+    </dgm:fillClrLst>
+    <dgm:linClrLst meth="repeat">
+      <a:schemeClr val="accent1"/>
+    </dgm:linClrLst>
+    <dgm:effectClrLst/>
+    <dgm:txLinClrLst/>
+    <dgm:txFillClrLst meth="repeat">
+      <a:schemeClr val="lt1"/>
+    </dgm:txFillClrLst>
+    <dgm:txEffectClrLst/>
+  </dgm:styleLbl>
+  <dgm:styleLbl name="trBgShp">
+    <dgm:fillClrLst meth="repeat">
+      <a:schemeClr val="accent1">
+        <a:tint val="50000"/>
+        <a:alpha val="40000"/>
+      </a:schemeClr>
+    </dgm:fillClrLst>
+    <dgm:linClrLst meth="repeat">
+      <a:schemeClr val="accent1"/>
+    </dgm:linClrLst>
+    <dgm:effectClrLst/>
+    <dgm:txLinClrLst/>
+    <dgm:txFillClrLst meth="repeat">
+      <a:schemeClr val="lt1"/>
+    </dgm:txFillClrLst>
+    <dgm:txEffectClrLst/>
+  </dgm:styleLbl>
+  <dgm:styleLbl name="fgShp">
+    <dgm:fillClrLst meth="repeat">
+      <a:schemeClr val="accent1">
+        <a:tint val="60000"/>
+      </a:schemeClr>
+    </dgm:fillClrLst>
+    <dgm:linClrLst meth="repeat">
+      <a:schemeClr val="lt1"/>
+    </dgm:linClrLst>
+    <dgm:effectClrLst/>
+    <dgm:txLinClrLst/>
+    <dgm:txFillClrLst meth="repeat">
+      <a:schemeClr val="dk1"/>
+    </dgm:txFillClrLst>
+    <dgm:txEffectClrLst/>
+  </dgm:styleLbl>
+  <dgm:styleLbl name="revTx">
+    <dgm:fillClrLst meth="repeat">
+      <a:schemeClr val="lt1">
+        <a:alpha val="0"/>
+      </a:schemeClr>
+    </dgm:fillClrLst>
+    <dgm:linClrLst meth="repeat">
+      <a:schemeClr val="dk1">
+        <a:alpha val="0"/>
+      </a:schemeClr>
+    </dgm:linClrLst>
+    <dgm:effectClrLst/>
+    <dgm:txLinClrLst/>
+    <dgm:txFillClrLst meth="repeat">
+      <a:schemeClr val="tx1"/>
+    </dgm:txFillClrLst>
+    <dgm:txEffectClrLst/>
+  </dgm:styleLbl>
+</dgm:colorsDef>
+</file>
+
+<file path=ppt/diagrams/colors2.xml><?xml version="1.0" encoding="utf-8"?>
 <dgm:colorsDef xmlns:dgm="http://schemas.openxmlformats.org/drawingml/2006/diagram" xmlns:a="http://schemas.openxmlformats.org/drawingml/2006/main" uniqueId="urn:microsoft.com/office/officeart/2005/8/colors/accent1_2">
   <dgm:title val=""/>
   <dgm:desc val=""/>
@@ -1070,6 +1818,39 @@
   <dgm:extLst>
     <a:ext uri="http://schemas.microsoft.com/office/drawing/2008/diagram">
       <dsp:dataModelExt xmlns:dsp="http://schemas.microsoft.com/office/drawing/2008/diagram" relId="rId7" minVer="http://schemas.openxmlformats.org/drawingml/2006/diagram"/>
+    </a:ext>
+  </dgm:extLst>
+</dgm:dataModel>
+</file>
+
+<file path=ppt/diagrams/data2.xml><?xml version="1.0" encoding="utf-8"?>
+<dgm:dataModel xmlns:dgm="http://schemas.openxmlformats.org/drawingml/2006/diagram" xmlns:a="http://schemas.openxmlformats.org/drawingml/2006/main">
+  <dgm:ptLst>
+    <dgm:pt modelId="{687F3287-5E11-4B2E-ABE7-EE5220C3C59C}" type="doc">
+      <dgm:prSet loTypeId="urn:microsoft.com/office/officeart/2005/8/layout/venn1" loCatId="relationship" qsTypeId="urn:microsoft.com/office/officeart/2005/8/quickstyle/simple1" qsCatId="simple" csTypeId="urn:microsoft.com/office/officeart/2005/8/colors/accent1_2" csCatId="accent1" phldr="1"/>
+      <dgm:spPr/>
+    </dgm:pt>
+    <dgm:pt modelId="{3CFEF72D-C5E4-43A5-9312-A25AF2B3BCA9}" type="pres">
+      <dgm:prSet presAssocID="{687F3287-5E11-4B2E-ABE7-EE5220C3C59C}" presName="compositeShape" presStyleCnt="0">
+        <dgm:presLayoutVars>
+          <dgm:chMax val="7"/>
+          <dgm:dir/>
+          <dgm:resizeHandles val="exact"/>
+        </dgm:presLayoutVars>
+      </dgm:prSet>
+      <dgm:spPr/>
+    </dgm:pt>
+  </dgm:ptLst>
+  <dgm:cxnLst>
+    <dgm:cxn modelId="{D460AEA4-8A71-4B29-9103-7BECBB4AC5F3}" type="presOf" srcId="{687F3287-5E11-4B2E-ABE7-EE5220C3C59C}" destId="{3CFEF72D-C5E4-43A5-9312-A25AF2B3BCA9}" srcOrd="0" destOrd="0" presId="urn:microsoft.com/office/officeart/2005/8/layout/venn1"/>
+  </dgm:cxnLst>
+  <dgm:bg>
+    <a:noFill/>
+  </dgm:bg>
+  <dgm:whole/>
+  <dgm:extLst>
+    <a:ext uri="http://schemas.microsoft.com/office/drawing/2008/diagram">
+      <dsp:dataModelExt xmlns:dsp="http://schemas.microsoft.com/office/drawing/2008/diagram" relId="rId8" minVer="http://schemas.openxmlformats.org/drawingml/2006/diagram"/>
     </a:ext>
   </dgm:extLst>
 </dgm:dataModel>
@@ -1324,7 +2105,894 @@
 </dsp:drawing>
 </file>
 
+<file path=ppt/diagrams/drawing2.xml><?xml version="1.0" encoding="utf-8"?>
+<dsp:drawing xmlns:dgm="http://schemas.openxmlformats.org/drawingml/2006/diagram" xmlns:dsp="http://schemas.microsoft.com/office/drawing/2008/diagram" xmlns:a="http://schemas.openxmlformats.org/drawingml/2006/main">
+  <dsp:spTree>
+    <dsp:nvGrpSpPr>
+      <dsp:cNvPr id="0" name=""/>
+      <dsp:cNvGrpSpPr/>
+    </dsp:nvGrpSpPr>
+    <dsp:grpSpPr/>
+  </dsp:spTree>
+</dsp:drawing>
+</file>
+
 <file path=ppt/diagrams/layout1.xml><?xml version="1.0" encoding="utf-8"?>
+<dgm:layoutDef xmlns:dgm="http://schemas.openxmlformats.org/drawingml/2006/diagram" xmlns:a="http://schemas.openxmlformats.org/drawingml/2006/main" uniqueId="urn:microsoft.com/office/officeart/2005/8/layout/venn1">
+  <dgm:title val=""/>
+  <dgm:desc val=""/>
+  <dgm:catLst>
+    <dgm:cat type="relationship" pri="28000"/>
+    <dgm:cat type="convert" pri="19000"/>
+  </dgm:catLst>
+  <dgm:sampData useDef="1">
+    <dgm:dataModel>
+      <dgm:ptLst/>
+      <dgm:bg/>
+      <dgm:whole/>
+    </dgm:dataModel>
+  </dgm:sampData>
+  <dgm:styleData useDef="1">
+    <dgm:dataModel>
+      <dgm:ptLst/>
+      <dgm:bg/>
+      <dgm:whole/>
+    </dgm:dataModel>
+  </dgm:styleData>
+  <dgm:clrData>
+    <dgm:dataModel>
+      <dgm:ptLst>
+        <dgm:pt modelId="0" type="doc"/>
+        <dgm:pt modelId="1"/>
+        <dgm:pt modelId="2"/>
+        <dgm:pt modelId="3"/>
+        <dgm:pt modelId="4"/>
+      </dgm:ptLst>
+      <dgm:cxnLst>
+        <dgm:cxn modelId="7" srcId="0" destId="1" srcOrd="0" destOrd="0"/>
+        <dgm:cxn modelId="8" srcId="0" destId="2" srcOrd="1" destOrd="0"/>
+        <dgm:cxn modelId="9" srcId="0" destId="3" srcOrd="2" destOrd="0"/>
+        <dgm:cxn modelId="10" srcId="0" destId="4" srcOrd="3" destOrd="0"/>
+      </dgm:cxnLst>
+      <dgm:bg/>
+      <dgm:whole/>
+    </dgm:dataModel>
+  </dgm:clrData>
+  <dgm:layoutNode name="compositeShape">
+    <dgm:varLst>
+      <dgm:chMax val="7"/>
+      <dgm:dir/>
+      <dgm:resizeHandles val="exact"/>
+    </dgm:varLst>
+    <dgm:choose name="Name0">
+      <dgm:if name="Name1" axis="ch" ptType="node" func="cnt" op="equ" val="1">
+        <dgm:alg type="composite">
+          <dgm:param type="ar" val="1"/>
+        </dgm:alg>
+      </dgm:if>
+      <dgm:if name="Name2" axis="ch" ptType="node" func="cnt" op="equ" val="2">
+        <dgm:alg type="composite">
+          <dgm:param type="ar" val="1.792"/>
+        </dgm:alg>
+      </dgm:if>
+      <dgm:if name="Name3" axis="ch" ptType="node" func="cnt" op="equ" val="3">
+        <dgm:alg type="composite">
+          <dgm:param type="ar" val="1"/>
+        </dgm:alg>
+      </dgm:if>
+      <dgm:if name="Name4" axis="ch" ptType="node" func="cnt" op="equ" val="4">
+        <dgm:alg type="composite">
+          <dgm:param type="ar" val="1"/>
+        </dgm:alg>
+      </dgm:if>
+      <dgm:if name="Name5" axis="ch" ptType="node" func="cnt" op="equ" val="5">
+        <dgm:alg type="composite">
+          <dgm:param type="ar" val="1.4"/>
+        </dgm:alg>
+      </dgm:if>
+      <dgm:if name="Name6" axis="ch" ptType="node" func="cnt" op="equ" val="6">
+        <dgm:alg type="composite">
+          <dgm:param type="ar" val="1.285"/>
+        </dgm:alg>
+      </dgm:if>
+      <dgm:if name="Name7" axis="ch" ptType="node" func="cnt" op="equ" val="7">
+        <dgm:alg type="composite">
+          <dgm:param type="ar" val="1.359"/>
+        </dgm:alg>
+      </dgm:if>
+      <dgm:else name="Name8">
+        <dgm:alg type="composite">
+          <dgm:param type="ar" val="1.359"/>
+        </dgm:alg>
+      </dgm:else>
+    </dgm:choose>
+    <dgm:shape xmlns:r="http://schemas.openxmlformats.org/officeDocument/2006/relationships" r:blip="">
+      <dgm:adjLst/>
+    </dgm:shape>
+    <dgm:presOf/>
+    <dgm:choose name="Name9">
+      <dgm:if name="Name10" axis="ch" ptType="node" func="cnt" op="equ" val="1">
+        <dgm:constrLst>
+          <dgm:constr type="ctrX" for="ch" forName="circ1TxSh" refType="w" fact="0.5"/>
+          <dgm:constr type="ctrY" for="ch" forName="circ1TxSh" refType="h" fact="0.5"/>
+          <dgm:constr type="w" for="ch" forName="circ1TxSh" refType="w"/>
+          <dgm:constr type="h" for="ch" forName="circ1TxSh" refType="h"/>
+          <dgm:constr type="primFontSz" for="ch" ptType="node" op="equ"/>
+        </dgm:constrLst>
+      </dgm:if>
+      <dgm:if name="Name11" axis="ch" ptType="node" func="cnt" op="equ" val="2">
+        <dgm:constrLst>
+          <dgm:constr type="ctrX" for="ch" forName="circ1" refType="w" fact="0.3"/>
+          <dgm:constr type="ctrY" for="ch" forName="circ1" refType="h" fact="0.5"/>
+          <dgm:constr type="w" for="ch" forName="circ1" refType="w" fact="0.555"/>
+          <dgm:constr type="h" for="ch" forName="circ1" refType="h" fact="0.99456"/>
+          <dgm:constr type="l" for="ch" forName="circ1Tx" refType="w" fact="0.1"/>
+          <dgm:constr type="t" for="ch" forName="circ1Tx" refType="h" fact="0.12"/>
+          <dgm:constr type="w" for="ch" forName="circ1Tx" refType="w" fact="0.32"/>
+          <dgm:constr type="h" for="ch" forName="circ1Tx" refType="h" fact="0.76"/>
+          <dgm:constr type="ctrX" for="ch" forName="circ2" refType="w" fact="0.7"/>
+          <dgm:constr type="ctrY" for="ch" forName="circ2" refType="h" fact="0.5"/>
+          <dgm:constr type="w" for="ch" forName="circ2" refType="w" fact="0.555"/>
+          <dgm:constr type="h" for="ch" forName="circ2" refType="h" fact="0.99456"/>
+          <dgm:constr type="l" for="ch" forName="circ2Tx" refType="w" fact="0.58"/>
+          <dgm:constr type="t" for="ch" forName="circ2Tx" refType="h" fact="0.12"/>
+          <dgm:constr type="w" for="ch" forName="circ2Tx" refType="w" fact="0.32"/>
+          <dgm:constr type="h" for="ch" forName="circ2Tx" refType="h" fact="0.76"/>
+          <dgm:constr type="primFontSz" for="ch" ptType="node" op="equ"/>
+        </dgm:constrLst>
+      </dgm:if>
+      <dgm:if name="Name12" axis="ch" ptType="node" func="cnt" op="equ" val="3">
+        <dgm:constrLst>
+          <dgm:constr type="ctrX" for="ch" forName="circ1" refType="w" fact="0.5"/>
+          <dgm:constr type="ctrY" for="ch" forName="circ1" refType="w" fact="0.25"/>
+          <dgm:constr type="w" for="ch" forName="circ1" refType="w" fact="0.6"/>
+          <dgm:constr type="h" for="ch" forName="circ1" refType="h" fact="0.6"/>
+          <dgm:constr type="l" for="ch" forName="circ1Tx" refType="w" fact="0.28"/>
+          <dgm:constr type="t" for="ch" forName="circ1Tx" refType="h" fact="0.055"/>
+          <dgm:constr type="w" for="ch" forName="circ1Tx" refType="w" fact="0.44"/>
+          <dgm:constr type="h" for="ch" forName="circ1Tx" refType="h" fact="0.27"/>
+          <dgm:constr type="ctrX" for="ch" forName="circ2" refType="w" fact="0.7165"/>
+          <dgm:constr type="ctrY" for="ch" forName="circ2" refType="w" fact="0.625"/>
+          <dgm:constr type="w" for="ch" forName="circ2" refType="w" fact="0.6"/>
+          <dgm:constr type="h" for="ch" forName="circ2" refType="h" fact="0.6"/>
+          <dgm:constr type="l" for="ch" forName="circ2Tx" refType="w" fact="0.6"/>
+          <dgm:constr type="t" for="ch" forName="circ2Tx" refType="h" fact="0.48"/>
+          <dgm:constr type="w" for="ch" forName="circ2Tx" refType="w" fact="0.36"/>
+          <dgm:constr type="h" for="ch" forName="circ2Tx" refType="h" fact="0.33"/>
+          <dgm:constr type="ctrX" for="ch" forName="circ3" refType="w" fact="0.2835"/>
+          <dgm:constr type="ctrY" for="ch" forName="circ3" refType="w" fact="0.625"/>
+          <dgm:constr type="w" for="ch" forName="circ3" refType="w" fact="0.6"/>
+          <dgm:constr type="h" for="ch" forName="circ3" refType="h" fact="0.6"/>
+          <dgm:constr type="l" for="ch" forName="circ3Tx" refType="w" fact="0.04"/>
+          <dgm:constr type="t" for="ch" forName="circ3Tx" refType="h" fact="0.48"/>
+          <dgm:constr type="w" for="ch" forName="circ3Tx" refType="w" fact="0.36"/>
+          <dgm:constr type="h" for="ch" forName="circ3Tx" refType="h" fact="0.33"/>
+          <dgm:constr type="primFontSz" for="ch" ptType="node" op="equ"/>
+        </dgm:constrLst>
+      </dgm:if>
+      <dgm:if name="Name13" axis="ch" ptType="node" func="cnt" op="equ" val="4">
+        <dgm:constrLst>
+          <dgm:constr type="ctrX" for="ch" forName="circ1" refType="w" fact="0.5"/>
+          <dgm:constr type="ctrY" for="ch" forName="circ1" refType="w" fact="0.27"/>
+          <dgm:constr type="w" for="ch" forName="circ1" refType="w" fact="0.52"/>
+          <dgm:constr type="h" for="ch" forName="circ1" refType="h" fact="0.52"/>
+          <dgm:constr type="l" for="ch" forName="circ1Tx" refType="w" fact="0.3"/>
+          <dgm:constr type="t" for="ch" forName="circ1Tx" refType="h" fact="0.08"/>
+          <dgm:constr type="w" for="ch" forName="circ1Tx" refType="w" fact="0.4"/>
+          <dgm:constr type="h" for="ch" forName="circ1Tx" refType="h" fact="0.165"/>
+          <dgm:constr type="ctrX" for="ch" forName="circ2" refType="w" fact="0.73"/>
+          <dgm:constr type="ctrY" for="ch" forName="circ2" refType="w" fact="0.5"/>
+          <dgm:constr type="w" for="ch" forName="circ2" refType="w" fact="0.52"/>
+          <dgm:constr type="h" for="ch" forName="circ2" refType="h" fact="0.52"/>
+          <dgm:constr type="r" for="ch" forName="circ2Tx" refType="w" fact="0.95"/>
+          <dgm:constr type="t" for="ch" forName="circ2Tx" refType="h" fact="0.3"/>
+          <dgm:constr type="w" for="ch" forName="circ2Tx" refType="w" fact="0.2"/>
+          <dgm:constr type="h" for="ch" forName="circ2Tx" refType="h" fact="0.4"/>
+          <dgm:constr type="ctrX" for="ch" forName="circ3" refType="w" fact="0.5"/>
+          <dgm:constr type="ctrY" for="ch" forName="circ3" refType="w" fact="0.73"/>
+          <dgm:constr type="w" for="ch" forName="circ3" refType="w" fact="0.52"/>
+          <dgm:constr type="h" for="ch" forName="circ3" refType="h" fact="0.52"/>
+          <dgm:constr type="l" for="ch" forName="circ3Tx" refType="w" fact="0.3"/>
+          <dgm:constr type="b" for="ch" forName="circ3Tx" refType="h" fact="0.92"/>
+          <dgm:constr type="w" for="ch" forName="circ3Tx" refType="w" fact="0.4"/>
+          <dgm:constr type="h" for="ch" forName="circ3Tx" refType="h" fact="0.165"/>
+          <dgm:constr type="ctrX" for="ch" forName="circ4" refType="w" fact="0.27"/>
+          <dgm:constr type="ctrY" for="ch" forName="circ4" refType="h" fact="0.5"/>
+          <dgm:constr type="w" for="ch" forName="circ4" refType="w" fact="0.52"/>
+          <dgm:constr type="h" for="ch" forName="circ4" refType="h" fact="0.52"/>
+          <dgm:constr type="l" for="ch" forName="circ4Tx" refType="w" fact="0.05"/>
+          <dgm:constr type="t" for="ch" forName="circ4Tx" refType="h" fact="0.3"/>
+          <dgm:constr type="w" for="ch" forName="circ4Tx" refType="w" fact="0.2"/>
+          <dgm:constr type="h" for="ch" forName="circ4Tx" refType="h" fact="0.4"/>
+          <dgm:constr type="primFontSz" for="ch" ptType="node" op="equ"/>
+        </dgm:constrLst>
+      </dgm:if>
+      <dgm:if name="Name14" axis="ch" ptType="node" func="cnt" op="equ" val="5">
+        <dgm:constrLst>
+          <dgm:constr type="ctrX" for="ch" forName="circ1" refType="w" fact="0.5"/>
+          <dgm:constr type="ctrY" for="ch" forName="circ1" refType="h" fact="0.46"/>
+          <dgm:constr type="w" for="ch" forName="circ1" refType="w" fact="0.25"/>
+          <dgm:constr type="h" for="ch" forName="circ1" refType="h" fact="0.35"/>
+          <dgm:constr type="l" for="ch" forName="circ1Tx" refType="w" fact="0.355"/>
+          <dgm:constr type="t" for="ch" forName="circ1Tx"/>
+          <dgm:constr type="w" for="ch" forName="circ1Tx" refType="w" fact="0.29"/>
+          <dgm:constr type="h" for="ch" forName="circ1Tx" refType="h" fact="0.235"/>
+          <dgm:constr type="ctrX" for="ch" forName="circ2" refType="w" fact="0.5951"/>
+          <dgm:constr type="ctrY" for="ch" forName="circ2" refType="h" fact="0.5567"/>
+          <dgm:constr type="w" for="ch" forName="circ2" refType="w" fact="0.25"/>
+          <dgm:constr type="h" for="ch" forName="circ2" refType="h" fact="0.35"/>
+          <dgm:constr type="l" for="ch" forName="circ2Tx" refType="w" fact="0.74"/>
+          <dgm:constr type="t" for="ch" forName="circ2Tx" refType="h" fact="0.31"/>
+          <dgm:constr type="w" for="ch" forName="circ2Tx" refType="w" fact="0.26"/>
+          <dgm:constr type="h" for="ch" forName="circ2Tx" refType="h" fact="0.255"/>
+          <dgm:constr type="ctrX" for="ch" forName="circ3" refType="w" fact="0.5588"/>
+          <dgm:constr type="ctrY" for="ch" forName="circ3" refType="h" fact="0.7133"/>
+          <dgm:constr type="w" for="ch" forName="circ3" refType="w" fact="0.25"/>
+          <dgm:constr type="h" for="ch" forName="circ3" refType="h" fact="0.35"/>
+          <dgm:constr type="l" for="ch" forName="circ3Tx" refType="w" fact="0.7"/>
+          <dgm:constr type="t" for="ch" forName="circ3Tx" refType="h" fact="0.745"/>
+          <dgm:constr type="w" for="ch" forName="circ3Tx" refType="w" fact="0.26"/>
+          <dgm:constr type="h" for="ch" forName="circ3Tx" refType="h" fact="0.255"/>
+          <dgm:constr type="ctrX" for="ch" forName="circ4" refType="w" fact="0.4412"/>
+          <dgm:constr type="ctrY" for="ch" forName="circ4" refType="h" fact="0.7133"/>
+          <dgm:constr type="w" for="ch" forName="circ4" refType="w" fact="0.25"/>
+          <dgm:constr type="h" for="ch" forName="circ4" refType="h" fact="0.35"/>
+          <dgm:constr type="l" for="ch" forName="circ4Tx" refType="w" fact="0.04"/>
+          <dgm:constr type="t" for="ch" forName="circ4Tx" refType="h" fact="0.745"/>
+          <dgm:constr type="w" for="ch" forName="circ4Tx" refType="w" fact="0.26"/>
+          <dgm:constr type="h" for="ch" forName="circ4Tx" refType="h" fact="0.255"/>
+          <dgm:constr type="ctrX" for="ch" forName="circ5" refType="w" fact="0.4049"/>
+          <dgm:constr type="ctrY" for="ch" forName="circ5" refType="h" fact="0.5567"/>
+          <dgm:constr type="w" for="ch" forName="circ5" refType="w" fact="0.25"/>
+          <dgm:constr type="h" for="ch" forName="circ5" refType="h" fact="0.35"/>
+          <dgm:constr type="l" for="ch" forName="circ5Tx"/>
+          <dgm:constr type="t" for="ch" forName="circ5Tx" refType="h" fact="0.31"/>
+          <dgm:constr type="w" for="ch" forName="circ5Tx" refType="w" fact="0.26"/>
+          <dgm:constr type="h" for="ch" forName="circ5Tx" refType="h" fact="0.255"/>
+          <dgm:constr type="primFontSz" for="ch" ptType="node" op="equ"/>
+        </dgm:constrLst>
+      </dgm:if>
+      <dgm:if name="Name15" axis="ch" ptType="node" func="cnt" op="equ" val="6">
+        <dgm:constrLst>
+          <dgm:constr type="ctrX" for="ch" forName="circ1" refType="w" fact="0.5"/>
+          <dgm:constr type="ctrY" for="ch" forName="circ1" refType="h" fact="0.3844"/>
+          <dgm:constr type="w" for="ch" forName="circ1" refType="w" fact="0.24"/>
+          <dgm:constr type="h" for="ch" forName="circ1" refType="h" fact="0.3084"/>
+          <dgm:constr type="l" for="ch" forName="circ1Tx" refType="w" fact="0.35"/>
+          <dgm:constr type="t" for="ch" forName="circ1Tx"/>
+          <dgm:constr type="w" for="ch" forName="circ1Tx" refType="w" fact="0.3"/>
+          <dgm:constr type="h" for="ch" forName="circ1Tx" refType="h" fact="0.21"/>
+          <dgm:constr type="ctrX" for="ch" forName="circ2" refType="w" fact="0.5779"/>
+          <dgm:constr type="ctrY" for="ch" forName="circ2" refType="h" fact="0.4422"/>
+          <dgm:constr type="w" for="ch" forName="circ2" refType="w" fact="0.24"/>
+          <dgm:constr type="h" for="ch" forName="circ2" refType="h" fact="0.3084"/>
+          <dgm:constr type="l" for="ch" forName="circ2Tx" refType="w" fact="0.7157"/>
+          <dgm:constr type="t" for="ch" forName="circ2Tx" refType="h" fact="0.2"/>
+          <dgm:constr type="w" for="ch" forName="circ2Tx" refType="w" fact="0.2843"/>
+          <dgm:constr type="h" for="ch" forName="circ2Tx" refType="h" fact="0.23"/>
+          <dgm:constr type="ctrX" for="ch" forName="circ3" refType="w" fact="0.5779"/>
+          <dgm:constr type="ctrY" for="ch" forName="circ3" refType="h" fact="0.5578"/>
+          <dgm:constr type="w" for="ch" forName="circ3" refType="w" fact="0.24"/>
+          <dgm:constr type="h" for="ch" forName="circ3" refType="h" fact="0.3084"/>
+          <dgm:constr type="l" for="ch" forName="circ3Tx" refType="w" fact="0.7157"/>
+          <dgm:constr type="t" for="ch" forName="circ3Tx" refType="h" fact="0.543"/>
+          <dgm:constr type="w" for="ch" forName="circ3Tx" refType="w" fact="0.2843"/>
+          <dgm:constr type="h" for="ch" forName="circ3Tx" refType="h" fact="0.257"/>
+          <dgm:constr type="ctrX" for="ch" forName="circ4" refType="w" fact="0.5"/>
+          <dgm:constr type="ctrY" for="ch" forName="circ4" refType="h" fact="0.6157"/>
+          <dgm:constr type="w" for="ch" forName="circ4" refType="w" fact="0.24"/>
+          <dgm:constr type="h" for="ch" forName="circ4" refType="h" fact="0.3084"/>
+          <dgm:constr type="l" for="ch" forName="circ4Tx" refType="w" fact="0.35"/>
+          <dgm:constr type="t" for="ch" forName="circ4Tx" refType="h" fact="0.79"/>
+          <dgm:constr type="w" for="ch" forName="circ4Tx" refType="w" fact="0.3"/>
+          <dgm:constr type="h" for="ch" forName="circ4Tx" refType="h" fact="0.21"/>
+          <dgm:constr type="ctrX" for="ch" forName="circ5" refType="w" fact="0.4221"/>
+          <dgm:constr type="ctrY" for="ch" forName="circ5" refType="h" fact="0.5578"/>
+          <dgm:constr type="w" for="ch" forName="circ5" refType="w" fact="0.24"/>
+          <dgm:constr type="h" for="ch" forName="circ5" refType="h" fact="0.3084"/>
+          <dgm:constr type="l" for="ch" forName="circ5Tx" refType="w" fact="0"/>
+          <dgm:constr type="t" for="ch" forName="circ5Tx" refType="h" fact="0.543"/>
+          <dgm:constr type="w" for="ch" forName="circ5Tx" refType="w" fact="0.2843"/>
+          <dgm:constr type="h" for="ch" forName="circ5Tx" refType="h" fact="0.257"/>
+          <dgm:constr type="ctrX" for="ch" forName="circ6" refType="w" fact="0.4221"/>
+          <dgm:constr type="ctrY" for="ch" forName="circ6" refType="h" fact="0.4422"/>
+          <dgm:constr type="w" for="ch" forName="circ6" refType="w" fact="0.24"/>
+          <dgm:constr type="h" for="ch" forName="circ6" refType="h" fact="0.3084"/>
+          <dgm:constr type="l" for="ch" forName="circ6Tx" refType="w" fact="0"/>
+          <dgm:constr type="t" for="ch" forName="circ6Tx" refType="h" fact="0.2"/>
+          <dgm:constr type="w" for="ch" forName="circ6Tx" refType="w" fact="0.2843"/>
+          <dgm:constr type="h" for="ch" forName="circ6Tx" refType="h" fact="0.257"/>
+          <dgm:constr type="primFontSz" for="ch" ptType="node" op="equ"/>
+        </dgm:constrLst>
+      </dgm:if>
+      <dgm:else name="Name16">
+        <dgm:constrLst>
+          <dgm:constr type="ctrX" for="ch" forName="circ1" refType="w" fact="0.5"/>
+          <dgm:constr type="ctrY" for="ch" forName="circ1" refType="h" fact="0.4177"/>
+          <dgm:constr type="w" for="ch" forName="circ1" refType="w" fact="0.24"/>
+          <dgm:constr type="h" for="ch" forName="circ1" refType="h" fact="0.3262"/>
+          <dgm:constr type="l" for="ch" forName="circ1Tx" refType="w" fact="0.3625"/>
+          <dgm:constr type="t" for="ch" forName="circ1Tx"/>
+          <dgm:constr type="w" for="ch" forName="circ1Tx" refType="w" fact="0.275"/>
+          <dgm:constr type="h" for="ch" forName="circ1Tx" refType="h" fact="0.2"/>
+          <dgm:constr type="ctrX" for="ch" forName="circ2" refType="w" fact="0.5704"/>
+          <dgm:constr type="ctrY" for="ch" forName="circ2" refType="h" fact="0.4637"/>
+          <dgm:constr type="w" for="ch" forName="circ2" refType="w" fact="0.24"/>
+          <dgm:constr type="h" for="ch" forName="circ2" refType="h" fact="0.3262"/>
+          <dgm:constr type="l" for="ch" forName="circ2Tx" refType="w" fact="0.72"/>
+          <dgm:constr type="t" for="ch" forName="circ2Tx" refType="h" fact="0.19"/>
+          <dgm:constr type="w" for="ch" forName="circ2Tx" refType="w" fact="0.26"/>
+          <dgm:constr type="h" for="ch" forName="circ2Tx" refType="h" fact="0.22"/>
+          <dgm:constr type="ctrX" for="ch" forName="circ3" refType="w" fact="0.5877"/>
+          <dgm:constr type="ctrY" for="ch" forName="circ3" refType="h" fact="0.5672"/>
+          <dgm:constr type="w" for="ch" forName="circ3" refType="w" fact="0.24"/>
+          <dgm:constr type="h" for="ch" forName="circ3" refType="h" fact="0.3262"/>
+          <dgm:constr type="l" for="ch" forName="circ3Tx" refType="w" fact="0.745"/>
+          <dgm:constr type="t" for="ch" forName="circ3Tx" refType="h" fact="0.47"/>
+          <dgm:constr type="w" for="ch" forName="circ3Tx" refType="w" fact="0.255"/>
+          <dgm:constr type="h" for="ch" forName="circ3Tx" refType="h" fact="0.235"/>
+          <dgm:constr type="ctrX" for="ch" forName="circ4" refType="w" fact="0.539"/>
+          <dgm:constr type="ctrY" for="ch" forName="circ4" refType="h" fact="0.6502"/>
+          <dgm:constr type="w" for="ch" forName="circ4" refType="w" fact="0.24"/>
+          <dgm:constr type="h" for="ch" forName="circ4" refType="h" fact="0.3262"/>
+          <dgm:constr type="l" for="ch" forName="circ4Tx" refType="w" fact="0.635"/>
+          <dgm:constr type="t" for="ch" forName="circ4Tx" refType="h" fact="0.785"/>
+          <dgm:constr type="w" for="ch" forName="circ4Tx" refType="w" fact="0.275"/>
+          <dgm:constr type="h" for="ch" forName="circ4Tx" refType="h" fact="0.215"/>
+          <dgm:constr type="ctrX" for="ch" forName="circ5" refType="w" fact="0.461"/>
+          <dgm:constr type="ctrY" for="ch" forName="circ5" refType="h" fact="0.6502"/>
+          <dgm:constr type="w" for="ch" forName="circ5" refType="w" fact="0.24"/>
+          <dgm:constr type="h" for="ch" forName="circ5" refType="h" fact="0.3262"/>
+          <dgm:constr type="l" for="ch" forName="circ5Tx" refType="w" fact="0.09"/>
+          <dgm:constr type="t" for="ch" forName="circ5Tx" refType="h" fact="0.785"/>
+          <dgm:constr type="w" for="ch" forName="circ5Tx" refType="w" fact="0.275"/>
+          <dgm:constr type="h" for="ch" forName="circ5Tx" refType="h" fact="0.215"/>
+          <dgm:constr type="ctrX" for="ch" forName="circ6" refType="w" fact="0.4123"/>
+          <dgm:constr type="ctrY" for="ch" forName="circ6" refType="h" fact="0.5672"/>
+          <dgm:constr type="w" for="ch" forName="circ6" refType="w" fact="0.24"/>
+          <dgm:constr type="h" for="ch" forName="circ6" refType="h" fact="0.3262"/>
+          <dgm:constr type="l" for="ch" forName="circ6Tx"/>
+          <dgm:constr type="t" for="ch" forName="circ6Tx" refType="h" fact="0.47"/>
+          <dgm:constr type="w" for="ch" forName="circ6Tx" refType="w" fact="0.255"/>
+          <dgm:constr type="h" for="ch" forName="circ6Tx" refType="h" fact="0.235"/>
+          <dgm:constr type="ctrX" for="ch" forName="circ7" refType="w" fact="0.4296"/>
+          <dgm:constr type="ctrY" for="ch" forName="circ7" refType="h" fact="0.4637"/>
+          <dgm:constr type="w" for="ch" forName="circ7" refType="w" fact="0.24"/>
+          <dgm:constr type="h" for="ch" forName="circ7" refType="h" fact="0.3262"/>
+          <dgm:constr type="l" for="ch" forName="circ7Tx" refType="w" fact="0.02"/>
+          <dgm:constr type="t" for="ch" forName="circ7Tx" refType="h" fact="0.19"/>
+          <dgm:constr type="w" for="ch" forName="circ7Tx" refType="w" fact="0.26"/>
+          <dgm:constr type="h" for="ch" forName="circ7Tx" refType="h" fact="0.22"/>
+          <dgm:constr type="primFontSz" for="ch" ptType="node" op="equ"/>
+        </dgm:constrLst>
+      </dgm:else>
+    </dgm:choose>
+    <dgm:ruleLst/>
+    <dgm:forEach name="Name17" axis="ch" ptType="node" cnt="1">
+      <dgm:choose name="Name18">
+        <dgm:if name="Name19" axis="root ch" ptType="all node" func="cnt" op="equ" val="1">
+          <dgm:layoutNode name="circ1TxSh" styleLbl="vennNode1">
+            <dgm:alg type="tx">
+              <dgm:param type="txAnchorHorzCh" val="ctr"/>
+              <dgm:param type="txAnchorVertCh" val="mid"/>
+            </dgm:alg>
+            <dgm:shape xmlns:r="http://schemas.openxmlformats.org/officeDocument/2006/relationships" type="ellipse" r:blip="">
+              <dgm:adjLst/>
+            </dgm:shape>
+            <dgm:choose name="Name20">
+              <dgm:if name="Name21" func="var" arg="dir" op="equ" val="norm">
+                <dgm:choose name="Name22">
+                  <dgm:if name="Name23" axis="root ch" ptType="all node" func="cnt" op="lte" val="4">
+                    <dgm:presOf axis="desOrSelf" ptType="node"/>
+                  </dgm:if>
+                  <dgm:else name="Name24">
+                    <dgm:presOf/>
+                  </dgm:else>
+                </dgm:choose>
+              </dgm:if>
+              <dgm:else name="Name25">
+                <dgm:choose name="Name26">
+                  <dgm:if name="Name27" axis="root ch" ptType="all node" func="cnt" op="equ" val="2">
+                    <dgm:presOf axis="root ch desOrSelf" ptType="all node node" st="1 2 1" cnt="1 1 0"/>
+                  </dgm:if>
+                  <dgm:else name="Name28">
+                    <dgm:presOf axis="desOrSelf" ptType="node"/>
+                  </dgm:else>
+                </dgm:choose>
+              </dgm:else>
+            </dgm:choose>
+            <dgm:constrLst>
+              <dgm:constr type="tMarg"/>
+              <dgm:constr type="bMarg"/>
+              <dgm:constr type="lMarg"/>
+              <dgm:constr type="rMarg"/>
+              <dgm:constr type="primFontSz" val="65"/>
+            </dgm:constrLst>
+            <dgm:ruleLst>
+              <dgm:rule type="primFontSz" val="5" fact="NaN" max="NaN"/>
+            </dgm:ruleLst>
+          </dgm:layoutNode>
+        </dgm:if>
+        <dgm:else name="Name29">
+          <dgm:layoutNode name="circ1" styleLbl="vennNode1">
+            <dgm:alg type="sp"/>
+            <dgm:shape xmlns:r="http://schemas.openxmlformats.org/officeDocument/2006/relationships" type="ellipse" r:blip="">
+              <dgm:adjLst/>
+            </dgm:shape>
+            <dgm:choose name="Name30">
+              <dgm:if name="Name31" func="var" arg="dir" op="equ" val="norm">
+                <dgm:choose name="Name32">
+                  <dgm:if name="Name33" axis="root ch" ptType="all node" func="cnt" op="lte" val="4">
+                    <dgm:presOf axis="desOrSelf" ptType="node"/>
+                  </dgm:if>
+                  <dgm:else name="Name34">
+                    <dgm:presOf/>
+                  </dgm:else>
+                </dgm:choose>
+              </dgm:if>
+              <dgm:else name="Name35">
+                <dgm:choose name="Name36">
+                  <dgm:if name="Name37" axis="root ch" ptType="all node" func="cnt" op="equ" val="2">
+                    <dgm:presOf axis="root ch desOrSelf" ptType="all node node" st="1 2 1" cnt="1 1 0"/>
+                  </dgm:if>
+                  <dgm:else name="Name38">
+                    <dgm:choose name="Name39">
+                      <dgm:if name="Name40" axis="root ch" ptType="all node" func="cnt" op="lte" val="4">
+                        <dgm:presOf axis="desOrSelf" ptType="node"/>
+                      </dgm:if>
+                      <dgm:else name="Name41">
+                        <dgm:presOf/>
+                      </dgm:else>
+                    </dgm:choose>
+                  </dgm:else>
+                </dgm:choose>
+              </dgm:else>
+            </dgm:choose>
+            <dgm:constrLst/>
+            <dgm:ruleLst/>
+          </dgm:layoutNode>
+          <dgm:layoutNode name="circ1Tx" styleLbl="revTx">
+            <dgm:varLst>
+              <dgm:chMax val="0"/>
+              <dgm:chPref val="0"/>
+              <dgm:bulletEnabled val="1"/>
+            </dgm:varLst>
+            <dgm:alg type="tx">
+              <dgm:param type="txAnchorHorzCh" val="ctr"/>
+              <dgm:param type="txAnchorVertCh" val="mid"/>
+            </dgm:alg>
+            <dgm:shape xmlns:r="http://schemas.openxmlformats.org/officeDocument/2006/relationships" type="rect" r:blip="" hideGeom="1">
+              <dgm:adjLst/>
+            </dgm:shape>
+            <dgm:choose name="Name42">
+              <dgm:if name="Name43" func="var" arg="dir" op="equ" val="norm">
+                <dgm:presOf axis="desOrSelf" ptType="node"/>
+              </dgm:if>
+              <dgm:else name="Name44">
+                <dgm:choose name="Name45">
+                  <dgm:if name="Name46" axis="root ch" ptType="all node" func="cnt" op="equ" val="2">
+                    <dgm:presOf axis="root ch desOrSelf" ptType="all node node" st="1 2 1" cnt="1 1 0"/>
+                  </dgm:if>
+                  <dgm:else name="Name47">
+                    <dgm:presOf axis="desOrSelf" ptType="node"/>
+                  </dgm:else>
+                </dgm:choose>
+              </dgm:else>
+            </dgm:choose>
+            <dgm:constrLst>
+              <dgm:constr type="tMarg"/>
+              <dgm:constr type="bMarg"/>
+              <dgm:constr type="lMarg"/>
+              <dgm:constr type="rMarg"/>
+              <dgm:constr type="primFontSz" val="65"/>
+            </dgm:constrLst>
+            <dgm:ruleLst>
+              <dgm:rule type="primFontSz" val="5" fact="NaN" max="NaN"/>
+            </dgm:ruleLst>
+          </dgm:layoutNode>
+        </dgm:else>
+      </dgm:choose>
+    </dgm:forEach>
+    <dgm:forEach name="Name48" axis="ch" ptType="node" st="2" cnt="1">
+      <dgm:layoutNode name="circ2" styleLbl="vennNode1">
+        <dgm:alg type="sp"/>
+        <dgm:shape xmlns:r="http://schemas.openxmlformats.org/officeDocument/2006/relationships" type="ellipse" r:blip="">
+          <dgm:adjLst/>
+        </dgm:shape>
+        <dgm:choose name="Name49">
+          <dgm:if name="Name50" func="var" arg="dir" op="equ" val="norm">
+            <dgm:choose name="Name51">
+              <dgm:if name="Name52" axis="root ch" ptType="all node" func="cnt" op="lte" val="4">
+                <dgm:presOf axis="desOrSelf" ptType="node"/>
+              </dgm:if>
+              <dgm:else name="Name53">
+                <dgm:presOf/>
+              </dgm:else>
+            </dgm:choose>
+          </dgm:if>
+          <dgm:else name="Name54">
+            <dgm:choose name="Name55">
+              <dgm:if name="Name56" axis="root ch" ptType="all node" func="cnt" op="equ" val="2">
+                <dgm:presOf axis="root ch desOrSelf" ptType="all node node" st="1 1 1" cnt="1 1 0"/>
+              </dgm:if>
+              <dgm:if name="Name57" axis="root ch" ptType="all node" func="cnt" op="equ" val="3">
+                <dgm:presOf axis="root ch desOrSelf" ptType="all node node" st="1 3 1" cnt="1 1 0"/>
+              </dgm:if>
+              <dgm:if name="Name58" axis="root ch" ptType="all node" func="cnt" op="equ" val="4">
+                <dgm:presOf axis="root ch desOrSelf" ptType="all node node" st="1 4 1" cnt="1 1 0"/>
+              </dgm:if>
+              <dgm:else name="Name59">
+                <dgm:presOf/>
+              </dgm:else>
+            </dgm:choose>
+          </dgm:else>
+        </dgm:choose>
+        <dgm:constrLst/>
+        <dgm:ruleLst/>
+      </dgm:layoutNode>
+      <dgm:layoutNode name="circ2Tx" styleLbl="revTx">
+        <dgm:varLst>
+          <dgm:chMax val="0"/>
+          <dgm:chPref val="0"/>
+          <dgm:bulletEnabled val="1"/>
+        </dgm:varLst>
+        <dgm:alg type="tx">
+          <dgm:param type="txAnchorHorzCh" val="ctr"/>
+          <dgm:param type="txAnchorVertCh" val="mid"/>
+        </dgm:alg>
+        <dgm:shape xmlns:r="http://schemas.openxmlformats.org/officeDocument/2006/relationships" type="rect" r:blip="" hideGeom="1">
+          <dgm:adjLst/>
+        </dgm:shape>
+        <dgm:choose name="Name60">
+          <dgm:if name="Name61" func="var" arg="dir" op="equ" val="norm">
+            <dgm:presOf axis="desOrSelf" ptType="node"/>
+          </dgm:if>
+          <dgm:else name="Name62">
+            <dgm:choose name="Name63">
+              <dgm:if name="Name64" axis="root ch" ptType="all node" func="cnt" op="equ" val="2">
+                <dgm:presOf axis="root ch desOrSelf" ptType="all node node" st="1 1 1" cnt="1 1 0"/>
+              </dgm:if>
+              <dgm:if name="Name65" axis="root ch" ptType="all node" func="cnt" op="equ" val="3">
+                <dgm:presOf axis="root ch desOrSelf" ptType="all node node" st="1 3 1" cnt="1 1 0"/>
+              </dgm:if>
+              <dgm:if name="Name66" axis="root ch" ptType="all node" func="cnt" op="equ" val="4">
+                <dgm:presOf axis="root ch desOrSelf" ptType="all node node" st="1 4 1" cnt="1 1 0"/>
+              </dgm:if>
+              <dgm:if name="Name67" axis="root ch" ptType="all node" func="cnt" op="equ" val="5">
+                <dgm:presOf axis="root ch desOrSelf" ptType="all node node" st="1 5 1" cnt="1 1 0"/>
+              </dgm:if>
+              <dgm:if name="Name68" axis="root ch" ptType="all node" func="cnt" op="equ" val="6">
+                <dgm:presOf axis="root ch desOrSelf" ptType="all node node" st="1 6 1" cnt="1 1 0"/>
+              </dgm:if>
+              <dgm:else name="Name69">
+                <dgm:presOf axis="root ch desOrSelf" ptType="all node node" st="1 7 1" cnt="1 1 0"/>
+              </dgm:else>
+            </dgm:choose>
+          </dgm:else>
+        </dgm:choose>
+        <dgm:constrLst>
+          <dgm:constr type="tMarg"/>
+          <dgm:constr type="bMarg"/>
+          <dgm:constr type="lMarg"/>
+          <dgm:constr type="rMarg"/>
+          <dgm:constr type="primFontSz" val="65"/>
+        </dgm:constrLst>
+        <dgm:ruleLst>
+          <dgm:rule type="primFontSz" val="5" fact="NaN" max="NaN"/>
+        </dgm:ruleLst>
+      </dgm:layoutNode>
+    </dgm:forEach>
+    <dgm:forEach name="Name70" axis="ch" ptType="node" st="3" cnt="1">
+      <dgm:layoutNode name="circ3" styleLbl="vennNode1">
+        <dgm:alg type="sp"/>
+        <dgm:shape xmlns:r="http://schemas.openxmlformats.org/officeDocument/2006/relationships" type="ellipse" r:blip="">
+          <dgm:adjLst/>
+        </dgm:shape>
+        <dgm:choose name="Name71">
+          <dgm:if name="Name72" func="var" arg="dir" op="equ" val="norm">
+            <dgm:choose name="Name73">
+              <dgm:if name="Name74" axis="root ch" ptType="all node" func="cnt" op="lte" val="4">
+                <dgm:presOf axis="desOrSelf" ptType="node"/>
+              </dgm:if>
+              <dgm:else name="Name75">
+                <dgm:presOf/>
+              </dgm:else>
+            </dgm:choose>
+          </dgm:if>
+          <dgm:else name="Name76">
+            <dgm:choose name="Name77">
+              <dgm:if name="Name78" axis="root ch" ptType="all node" func="cnt" op="equ" val="3">
+                <dgm:presOf axis="root ch desOrSelf" ptType="all node node" st="1 2 1" cnt="1 1 0"/>
+              </dgm:if>
+              <dgm:if name="Name79" axis="root ch" ptType="all node" func="cnt" op="equ" val="4">
+                <dgm:presOf axis="root ch desOrSelf" ptType="all node node" st="1 3 1" cnt="1 1 0"/>
+              </dgm:if>
+              <dgm:else name="Name80">
+                <dgm:presOf/>
+              </dgm:else>
+            </dgm:choose>
+          </dgm:else>
+        </dgm:choose>
+        <dgm:constrLst/>
+        <dgm:ruleLst/>
+      </dgm:layoutNode>
+      <dgm:layoutNode name="circ3Tx" styleLbl="revTx">
+        <dgm:varLst>
+          <dgm:chMax val="0"/>
+          <dgm:chPref val="0"/>
+          <dgm:bulletEnabled val="1"/>
+        </dgm:varLst>
+        <dgm:alg type="tx">
+          <dgm:param type="txAnchorHorzCh" val="ctr"/>
+          <dgm:param type="txAnchorVertCh" val="mid"/>
+        </dgm:alg>
+        <dgm:shape xmlns:r="http://schemas.openxmlformats.org/officeDocument/2006/relationships" type="rect" r:blip="" hideGeom="1">
+          <dgm:adjLst/>
+        </dgm:shape>
+        <dgm:choose name="Name81">
+          <dgm:if name="Name82" func="var" arg="dir" op="equ" val="norm">
+            <dgm:presOf axis="desOrSelf" ptType="node"/>
+          </dgm:if>
+          <dgm:else name="Name83">
+            <dgm:choose name="Name84">
+              <dgm:if name="Name85" axis="root ch" ptType="all node" func="cnt" op="equ" val="3">
+                <dgm:presOf axis="root ch desOrSelf" ptType="all node node" st="1 2 1" cnt="1 1 0"/>
+              </dgm:if>
+              <dgm:if name="Name86" axis="root ch" ptType="all node" func="cnt" op="equ" val="4">
+                <dgm:presOf axis="root ch desOrSelf" ptType="all node node" st="1 3 1" cnt="1 1 0"/>
+              </dgm:if>
+              <dgm:if name="Name87" axis="root ch" ptType="all node" func="cnt" op="equ" val="5">
+                <dgm:presOf axis="root ch desOrSelf" ptType="all node node" st="1 4 1" cnt="1 1 0"/>
+              </dgm:if>
+              <dgm:if name="Name88" axis="root ch" ptType="all node" func="cnt" op="equ" val="6">
+                <dgm:presOf axis="root ch desOrSelf" ptType="all node node" st="1 5 1" cnt="1 1 0"/>
+              </dgm:if>
+              <dgm:else name="Name89">
+                <dgm:presOf axis="root ch desOrSelf" ptType="all node node" st="1 6 1" cnt="1 1 0"/>
+              </dgm:else>
+            </dgm:choose>
+          </dgm:else>
+        </dgm:choose>
+        <dgm:constrLst>
+          <dgm:constr type="tMarg"/>
+          <dgm:constr type="bMarg"/>
+          <dgm:constr type="lMarg"/>
+          <dgm:constr type="rMarg"/>
+          <dgm:constr type="primFontSz" val="65"/>
+        </dgm:constrLst>
+        <dgm:ruleLst>
+          <dgm:rule type="primFontSz" val="5" fact="NaN" max="NaN"/>
+        </dgm:ruleLst>
+      </dgm:layoutNode>
+    </dgm:forEach>
+    <dgm:forEach name="Name90" axis="ch" ptType="node" st="4" cnt="1">
+      <dgm:layoutNode name="circ4" styleLbl="vennNode1">
+        <dgm:alg type="sp"/>
+        <dgm:shape xmlns:r="http://schemas.openxmlformats.org/officeDocument/2006/relationships" type="ellipse" r:blip="">
+          <dgm:adjLst/>
+        </dgm:shape>
+        <dgm:choose name="Name91">
+          <dgm:if name="Name92" func="var" arg="dir" op="equ" val="norm">
+            <dgm:choose name="Name93">
+              <dgm:if name="Name94" axis="root ch" ptType="all node" func="cnt" op="lte" val="4">
+                <dgm:presOf axis="desOrSelf" ptType="node"/>
+              </dgm:if>
+              <dgm:else name="Name95">
+                <dgm:presOf/>
+              </dgm:else>
+            </dgm:choose>
+          </dgm:if>
+          <dgm:else name="Name96">
+            <dgm:choose name="Name97">
+              <dgm:if name="Name98" axis="root ch" ptType="all node" func="cnt" op="equ" val="4">
+                <dgm:presOf axis="root ch desOrSelf" ptType="all node node" st="1 2 1" cnt="1 1 0"/>
+              </dgm:if>
+              <dgm:else name="Name99">
+                <dgm:presOf/>
+              </dgm:else>
+            </dgm:choose>
+          </dgm:else>
+        </dgm:choose>
+        <dgm:constrLst/>
+        <dgm:ruleLst/>
+      </dgm:layoutNode>
+      <dgm:layoutNode name="circ4Tx" styleLbl="revTx">
+        <dgm:varLst>
+          <dgm:chMax val="0"/>
+          <dgm:chPref val="0"/>
+          <dgm:bulletEnabled val="1"/>
+        </dgm:varLst>
+        <dgm:alg type="tx">
+          <dgm:param type="txAnchorHorzCh" val="ctr"/>
+          <dgm:param type="txAnchorVertCh" val="mid"/>
+        </dgm:alg>
+        <dgm:shape xmlns:r="http://schemas.openxmlformats.org/officeDocument/2006/relationships" type="rect" r:blip="" hideGeom="1">
+          <dgm:adjLst/>
+        </dgm:shape>
+        <dgm:choose name="Name100">
+          <dgm:if name="Name101" func="var" arg="dir" op="equ" val="norm">
+            <dgm:presOf axis="desOrSelf" ptType="node"/>
+          </dgm:if>
+          <dgm:else name="Name102">
+            <dgm:choose name="Name103">
+              <dgm:if name="Name104" axis="root ch" ptType="all node" func="cnt" op="equ" val="4">
+                <dgm:presOf axis="root ch desOrSelf" ptType="all node node" st="1 2 1" cnt="1 1 0"/>
+              </dgm:if>
+              <dgm:if name="Name105" axis="root ch" ptType="all node" func="cnt" op="equ" val="5">
+                <dgm:presOf axis="root ch desOrSelf" ptType="all node node" st="1 3 1" cnt="1 1 0"/>
+              </dgm:if>
+              <dgm:if name="Name106" axis="root ch" ptType="all node" func="cnt" op="equ" val="6">
+                <dgm:presOf axis="root ch desOrSelf" ptType="all node node" st="1 4 1" cnt="1 1 0"/>
+              </dgm:if>
+              <dgm:else name="Name107">
+                <dgm:presOf axis="root ch desOrSelf" ptType="all node node" st="1 5 1" cnt="1 1 0"/>
+              </dgm:else>
+            </dgm:choose>
+          </dgm:else>
+        </dgm:choose>
+        <dgm:constrLst>
+          <dgm:constr type="tMarg"/>
+          <dgm:constr type="bMarg"/>
+          <dgm:constr type="lMarg"/>
+          <dgm:constr type="rMarg"/>
+          <dgm:constr type="primFontSz" val="65"/>
+        </dgm:constrLst>
+        <dgm:ruleLst>
+          <dgm:rule type="primFontSz" val="5" fact="NaN" max="NaN"/>
+        </dgm:ruleLst>
+      </dgm:layoutNode>
+    </dgm:forEach>
+    <dgm:forEach name="Name108" axis="ch" ptType="node" st="5" cnt="1">
+      <dgm:layoutNode name="circ5" styleLbl="vennNode1">
+        <dgm:alg type="sp"/>
+        <dgm:shape xmlns:r="http://schemas.openxmlformats.org/officeDocument/2006/relationships" type="ellipse" r:blip="">
+          <dgm:adjLst/>
+        </dgm:shape>
+        <dgm:presOf/>
+        <dgm:constrLst/>
+        <dgm:ruleLst/>
+      </dgm:layoutNode>
+      <dgm:layoutNode name="circ5Tx" styleLbl="revTx">
+        <dgm:varLst>
+          <dgm:chMax val="0"/>
+          <dgm:chPref val="0"/>
+          <dgm:bulletEnabled val="1"/>
+        </dgm:varLst>
+        <dgm:alg type="tx">
+          <dgm:param type="txAnchorHorzCh" val="ctr"/>
+          <dgm:param type="txAnchorVertCh" val="mid"/>
+        </dgm:alg>
+        <dgm:shape xmlns:r="http://schemas.openxmlformats.org/officeDocument/2006/relationships" type="rect" r:blip="" hideGeom="1">
+          <dgm:adjLst/>
+        </dgm:shape>
+        <dgm:choose name="Name109">
+          <dgm:if name="Name110" func="var" arg="dir" op="equ" val="norm">
+            <dgm:presOf axis="desOrSelf" ptType="node"/>
+          </dgm:if>
+          <dgm:else name="Name111">
+            <dgm:choose name="Name112">
+              <dgm:if name="Name113" axis="root ch" ptType="all node" func="cnt" op="equ" val="5">
+                <dgm:presOf axis="root ch desOrSelf" ptType="all node node" st="1 2 1" cnt="1 1 0"/>
+              </dgm:if>
+              <dgm:if name="Name114" axis="root ch" ptType="all node" func="cnt" op="equ" val="6">
+                <dgm:presOf axis="root ch desOrSelf" ptType="all node node" st="1 3 1" cnt="1 1 0"/>
+              </dgm:if>
+              <dgm:else name="Name115">
+                <dgm:presOf axis="root ch desOrSelf" ptType="all node node" st="1 4 1" cnt="1 1 0"/>
+              </dgm:else>
+            </dgm:choose>
+          </dgm:else>
+        </dgm:choose>
+        <dgm:constrLst>
+          <dgm:constr type="tMarg"/>
+          <dgm:constr type="bMarg"/>
+          <dgm:constr type="lMarg"/>
+          <dgm:constr type="rMarg"/>
+          <dgm:constr type="primFontSz" val="65"/>
+        </dgm:constrLst>
+        <dgm:ruleLst>
+          <dgm:rule type="primFontSz" val="5" fact="NaN" max="NaN"/>
+        </dgm:ruleLst>
+      </dgm:layoutNode>
+    </dgm:forEach>
+    <dgm:forEach name="Name116" axis="ch" ptType="node" st="6" cnt="1">
+      <dgm:layoutNode name="circ6" styleLbl="vennNode1">
+        <dgm:alg type="sp"/>
+        <dgm:shape xmlns:r="http://schemas.openxmlformats.org/officeDocument/2006/relationships" type="ellipse" r:blip="">
+          <dgm:adjLst/>
+        </dgm:shape>
+        <dgm:presOf/>
+        <dgm:constrLst/>
+        <dgm:ruleLst/>
+      </dgm:layoutNode>
+      <dgm:layoutNode name="circ6Tx" styleLbl="revTx">
+        <dgm:varLst>
+          <dgm:chMax val="0"/>
+          <dgm:chPref val="0"/>
+          <dgm:bulletEnabled val="1"/>
+        </dgm:varLst>
+        <dgm:alg type="tx">
+          <dgm:param type="txAnchorHorzCh" val="ctr"/>
+          <dgm:param type="txAnchorVertCh" val="mid"/>
+        </dgm:alg>
+        <dgm:shape xmlns:r="http://schemas.openxmlformats.org/officeDocument/2006/relationships" type="rect" r:blip="" hideGeom="1">
+          <dgm:adjLst/>
+        </dgm:shape>
+        <dgm:choose name="Name117">
+          <dgm:if name="Name118" func="var" arg="dir" op="equ" val="norm">
+            <dgm:presOf axis="desOrSelf" ptType="node"/>
+          </dgm:if>
+          <dgm:else name="Name119">
+            <dgm:choose name="Name120">
+              <dgm:if name="Name121" axis="root ch" ptType="all node" func="cnt" op="equ" val="6">
+                <dgm:presOf axis="root ch desOrSelf" ptType="all node node" st="1 2 1" cnt="1 1 0"/>
+              </dgm:if>
+              <dgm:else name="Name122">
+                <dgm:presOf axis="root ch desOrSelf" ptType="all node node" st="1 3 1" cnt="1 1 0"/>
+              </dgm:else>
+            </dgm:choose>
+          </dgm:else>
+        </dgm:choose>
+        <dgm:constrLst>
+          <dgm:constr type="tMarg"/>
+          <dgm:constr type="bMarg"/>
+          <dgm:constr type="lMarg"/>
+          <dgm:constr type="rMarg"/>
+          <dgm:constr type="primFontSz" val="65"/>
+        </dgm:constrLst>
+        <dgm:ruleLst>
+          <dgm:rule type="primFontSz" val="5" fact="NaN" max="NaN"/>
+        </dgm:ruleLst>
+      </dgm:layoutNode>
+    </dgm:forEach>
+    <dgm:forEach name="Name123" axis="ch" ptType="node" st="7" cnt="1">
+      <dgm:layoutNode name="circ7" styleLbl="vennNode1">
+        <dgm:alg type="sp"/>
+        <dgm:shape xmlns:r="http://schemas.openxmlformats.org/officeDocument/2006/relationships" type="ellipse" r:blip="">
+          <dgm:adjLst/>
+        </dgm:shape>
+        <dgm:presOf/>
+        <dgm:constrLst/>
+        <dgm:ruleLst/>
+      </dgm:layoutNode>
+      <dgm:layoutNode name="circ7Tx" styleLbl="revTx">
+        <dgm:varLst>
+          <dgm:chMax val="0"/>
+          <dgm:chPref val="0"/>
+          <dgm:bulletEnabled val="1"/>
+        </dgm:varLst>
+        <dgm:alg type="tx">
+          <dgm:param type="txAnchorHorzCh" val="ctr"/>
+          <dgm:param type="txAnchorVertCh" val="mid"/>
+        </dgm:alg>
+        <dgm:shape xmlns:r="http://schemas.openxmlformats.org/officeDocument/2006/relationships" type="rect" r:blip="" hideGeom="1">
+          <dgm:adjLst/>
+        </dgm:shape>
+        <dgm:choose name="Name124">
+          <dgm:if name="Name125" func="var" arg="dir" op="equ" val="norm">
+            <dgm:presOf axis="desOrSelf" ptType="node"/>
+          </dgm:if>
+          <dgm:else name="Name126">
+            <dgm:presOf axis="root ch desOrSelf" ptType="all node node" st="1 2 1" cnt="1 1 0"/>
+          </dgm:else>
+        </dgm:choose>
+        <dgm:constrLst>
+          <dgm:constr type="tMarg"/>
+          <dgm:constr type="bMarg"/>
+          <dgm:constr type="lMarg"/>
+          <dgm:constr type="rMarg"/>
+          <dgm:constr type="primFontSz" val="65"/>
+        </dgm:constrLst>
+        <dgm:ruleLst>
+          <dgm:rule type="primFontSz" val="5" fact="NaN" max="NaN"/>
+        </dgm:ruleLst>
+      </dgm:layoutNode>
+    </dgm:forEach>
+  </dgm:layoutNode>
+</dgm:layoutDef>
+</file>
+
+<file path=ppt/diagrams/layout2.xml><?xml version="1.0" encoding="utf-8"?>
 <dgm:layoutDef xmlns:dgm="http://schemas.openxmlformats.org/drawingml/2006/diagram" xmlns:a="http://schemas.openxmlformats.org/drawingml/2006/main" uniqueId="urn:microsoft.com/office/officeart/2005/8/layout/venn1">
   <dgm:title val=""/>
   <dgm:desc val=""/>
@@ -3233,6 +4901,1040 @@
 </dgm:styleDef>
 </file>
 
+<file path=ppt/diagrams/quickStyle2.xml><?xml version="1.0" encoding="utf-8"?>
+<dgm:styleDef xmlns:dgm="http://schemas.openxmlformats.org/drawingml/2006/diagram" xmlns:a="http://schemas.openxmlformats.org/drawingml/2006/main" uniqueId="urn:microsoft.com/office/officeart/2005/8/quickstyle/simple1">
+  <dgm:title val=""/>
+  <dgm:desc val=""/>
+  <dgm:catLst>
+    <dgm:cat type="simple" pri="10100"/>
+  </dgm:catLst>
+  <dgm:scene3d>
+    <a:camera prst="orthographicFront"/>
+    <a:lightRig rig="threePt" dir="t"/>
+  </dgm:scene3d>
+  <dgm:styleLbl name="node0">
+    <dgm:scene3d>
+      <a:camera prst="orthographicFront"/>
+      <a:lightRig rig="threePt" dir="t"/>
+    </dgm:scene3d>
+    <dgm:sp3d/>
+    <dgm:txPr/>
+    <dgm:style>
+      <a:lnRef idx="2">
+        <a:scrgbClr r="0" g="0" b="0"/>
+      </a:lnRef>
+      <a:fillRef idx="1">
+        <a:scrgbClr r="0" g="0" b="0"/>
+      </a:fillRef>
+      <a:effectRef idx="0">
+        <a:scrgbClr r="0" g="0" b="0"/>
+      </a:effectRef>
+      <a:fontRef idx="minor">
+        <a:schemeClr val="lt1"/>
+      </a:fontRef>
+    </dgm:style>
+  </dgm:styleLbl>
+  <dgm:styleLbl name="lnNode1">
+    <dgm:scene3d>
+      <a:camera prst="orthographicFront"/>
+      <a:lightRig rig="threePt" dir="t"/>
+    </dgm:scene3d>
+    <dgm:sp3d/>
+    <dgm:txPr/>
+    <dgm:style>
+      <a:lnRef idx="2">
+        <a:scrgbClr r="0" g="0" b="0"/>
+      </a:lnRef>
+      <a:fillRef idx="1">
+        <a:scrgbClr r="0" g="0" b="0"/>
+      </a:fillRef>
+      <a:effectRef idx="0">
+        <a:scrgbClr r="0" g="0" b="0"/>
+      </a:effectRef>
+      <a:fontRef idx="minor">
+        <a:schemeClr val="lt1"/>
+      </a:fontRef>
+    </dgm:style>
+  </dgm:styleLbl>
+  <dgm:styleLbl name="vennNode1">
+    <dgm:scene3d>
+      <a:camera prst="orthographicFront"/>
+      <a:lightRig rig="threePt" dir="t"/>
+    </dgm:scene3d>
+    <dgm:sp3d/>
+    <dgm:txPr/>
+    <dgm:style>
+      <a:lnRef idx="2">
+        <a:scrgbClr r="0" g="0" b="0"/>
+      </a:lnRef>
+      <a:fillRef idx="1">
+        <a:scrgbClr r="0" g="0" b="0"/>
+      </a:fillRef>
+      <a:effectRef idx="0">
+        <a:scrgbClr r="0" g="0" b="0"/>
+      </a:effectRef>
+      <a:fontRef idx="minor">
+        <a:schemeClr val="tx1"/>
+      </a:fontRef>
+    </dgm:style>
+  </dgm:styleLbl>
+  <dgm:styleLbl name="alignNode1">
+    <dgm:scene3d>
+      <a:camera prst="orthographicFront"/>
+      <a:lightRig rig="threePt" dir="t"/>
+    </dgm:scene3d>
+    <dgm:sp3d/>
+    <dgm:txPr/>
+    <dgm:style>
+      <a:lnRef idx="2">
+        <a:scrgbClr r="0" g="0" b="0"/>
+      </a:lnRef>
+      <a:fillRef idx="1">
+        <a:scrgbClr r="0" g="0" b="0"/>
+      </a:fillRef>
+      <a:effectRef idx="0">
+        <a:scrgbClr r="0" g="0" b="0"/>
+      </a:effectRef>
+      <a:fontRef idx="minor">
+        <a:schemeClr val="lt1"/>
+      </a:fontRef>
+    </dgm:style>
+  </dgm:styleLbl>
+  <dgm:styleLbl name="node1">
+    <dgm:scene3d>
+      <a:camera prst="orthographicFront"/>
+      <a:lightRig rig="threePt" dir="t"/>
+    </dgm:scene3d>
+    <dgm:sp3d/>
+    <dgm:txPr/>
+    <dgm:style>
+      <a:lnRef idx="2">
+        <a:scrgbClr r="0" g="0" b="0"/>
+      </a:lnRef>
+      <a:fillRef idx="1">
+        <a:scrgbClr r="0" g="0" b="0"/>
+      </a:fillRef>
+      <a:effectRef idx="0">
+        <a:scrgbClr r="0" g="0" b="0"/>
+      </a:effectRef>
+      <a:fontRef idx="minor">
+        <a:schemeClr val="lt1"/>
+      </a:fontRef>
+    </dgm:style>
+  </dgm:styleLbl>
+  <dgm:styleLbl name="node2">
+    <dgm:scene3d>
+      <a:camera prst="orthographicFront"/>
+      <a:lightRig rig="threePt" dir="t"/>
+    </dgm:scene3d>
+    <dgm:sp3d/>
+    <dgm:txPr/>
+    <dgm:style>
+      <a:lnRef idx="2">
+        <a:scrgbClr r="0" g="0" b="0"/>
+      </a:lnRef>
+      <a:fillRef idx="1">
+        <a:scrgbClr r="0" g="0" b="0"/>
+      </a:fillRef>
+      <a:effectRef idx="0">
+        <a:scrgbClr r="0" g="0" b="0"/>
+      </a:effectRef>
+      <a:fontRef idx="minor">
+        <a:schemeClr val="lt1"/>
+      </a:fontRef>
+    </dgm:style>
+  </dgm:styleLbl>
+  <dgm:styleLbl name="node3">
+    <dgm:scene3d>
+      <a:camera prst="orthographicFront"/>
+      <a:lightRig rig="threePt" dir="t"/>
+    </dgm:scene3d>
+    <dgm:sp3d/>
+    <dgm:txPr/>
+    <dgm:style>
+      <a:lnRef idx="2">
+        <a:scrgbClr r="0" g="0" b="0"/>
+      </a:lnRef>
+      <a:fillRef idx="1">
+        <a:scrgbClr r="0" g="0" b="0"/>
+      </a:fillRef>
+      <a:effectRef idx="0">
+        <a:scrgbClr r="0" g="0" b="0"/>
+      </a:effectRef>
+      <a:fontRef idx="minor">
+        <a:schemeClr val="lt1"/>
+      </a:fontRef>
+    </dgm:style>
+  </dgm:styleLbl>
+  <dgm:styleLbl name="node4">
+    <dgm:scene3d>
+      <a:camera prst="orthographicFront"/>
+      <a:lightRig rig="threePt" dir="t"/>
+    </dgm:scene3d>
+    <dgm:sp3d/>
+    <dgm:txPr/>
+    <dgm:style>
+      <a:lnRef idx="2">
+        <a:scrgbClr r="0" g="0" b="0"/>
+      </a:lnRef>
+      <a:fillRef idx="1">
+        <a:scrgbClr r="0" g="0" b="0"/>
+      </a:fillRef>
+      <a:effectRef idx="0">
+        <a:scrgbClr r="0" g="0" b="0"/>
+      </a:effectRef>
+      <a:fontRef idx="minor">
+        <a:schemeClr val="lt1"/>
+      </a:fontRef>
+    </dgm:style>
+  </dgm:styleLbl>
+  <dgm:styleLbl name="fgImgPlace1">
+    <dgm:scene3d>
+      <a:camera prst="orthographicFront"/>
+      <a:lightRig rig="threePt" dir="t"/>
+    </dgm:scene3d>
+    <dgm:sp3d/>
+    <dgm:txPr/>
+    <dgm:style>
+      <a:lnRef idx="2">
+        <a:scrgbClr r="0" g="0" b="0"/>
+      </a:lnRef>
+      <a:fillRef idx="1">
+        <a:scrgbClr r="0" g="0" b="0"/>
+      </a:fillRef>
+      <a:effectRef idx="0">
+        <a:scrgbClr r="0" g="0" b="0"/>
+      </a:effectRef>
+      <a:fontRef idx="minor"/>
+    </dgm:style>
+  </dgm:styleLbl>
+  <dgm:styleLbl name="alignImgPlace1">
+    <dgm:scene3d>
+      <a:camera prst="orthographicFront"/>
+      <a:lightRig rig="threePt" dir="t"/>
+    </dgm:scene3d>
+    <dgm:sp3d/>
+    <dgm:txPr/>
+    <dgm:style>
+      <a:lnRef idx="2">
+        <a:scrgbClr r="0" g="0" b="0"/>
+      </a:lnRef>
+      <a:fillRef idx="1">
+        <a:scrgbClr r="0" g="0" b="0"/>
+      </a:fillRef>
+      <a:effectRef idx="0">
+        <a:scrgbClr r="0" g="0" b="0"/>
+      </a:effectRef>
+      <a:fontRef idx="minor"/>
+    </dgm:style>
+  </dgm:styleLbl>
+  <dgm:styleLbl name="bgImgPlace1">
+    <dgm:scene3d>
+      <a:camera prst="orthographicFront"/>
+      <a:lightRig rig="threePt" dir="t"/>
+    </dgm:scene3d>
+    <dgm:sp3d/>
+    <dgm:txPr/>
+    <dgm:style>
+      <a:lnRef idx="2">
+        <a:scrgbClr r="0" g="0" b="0"/>
+      </a:lnRef>
+      <a:fillRef idx="1">
+        <a:scrgbClr r="0" g="0" b="0"/>
+      </a:fillRef>
+      <a:effectRef idx="0">
+        <a:scrgbClr r="0" g="0" b="0"/>
+      </a:effectRef>
+      <a:fontRef idx="minor"/>
+    </dgm:style>
+  </dgm:styleLbl>
+  <dgm:styleLbl name="sibTrans2D1">
+    <dgm:scene3d>
+      <a:camera prst="orthographicFront"/>
+      <a:lightRig rig="threePt" dir="t"/>
+    </dgm:scene3d>
+    <dgm:sp3d/>
+    <dgm:txPr/>
+    <dgm:style>
+      <a:lnRef idx="0">
+        <a:scrgbClr r="0" g="0" b="0"/>
+      </a:lnRef>
+      <a:fillRef idx="1">
+        <a:scrgbClr r="0" g="0" b="0"/>
+      </a:fillRef>
+      <a:effectRef idx="0">
+        <a:scrgbClr r="0" g="0" b="0"/>
+      </a:effectRef>
+      <a:fontRef idx="minor">
+        <a:schemeClr val="lt1"/>
+      </a:fontRef>
+    </dgm:style>
+  </dgm:styleLbl>
+  <dgm:styleLbl name="fgSibTrans2D1">
+    <dgm:scene3d>
+      <a:camera prst="orthographicFront"/>
+      <a:lightRig rig="threePt" dir="t"/>
+    </dgm:scene3d>
+    <dgm:sp3d/>
+    <dgm:txPr/>
+    <dgm:style>
+      <a:lnRef idx="0">
+        <a:scrgbClr r="0" g="0" b="0"/>
+      </a:lnRef>
+      <a:fillRef idx="1">
+        <a:scrgbClr r="0" g="0" b="0"/>
+      </a:fillRef>
+      <a:effectRef idx="0">
+        <a:scrgbClr r="0" g="0" b="0"/>
+      </a:effectRef>
+      <a:fontRef idx="minor">
+        <a:schemeClr val="lt1"/>
+      </a:fontRef>
+    </dgm:style>
+  </dgm:styleLbl>
+  <dgm:styleLbl name="bgSibTrans2D1">
+    <dgm:scene3d>
+      <a:camera prst="orthographicFront"/>
+      <a:lightRig rig="threePt" dir="t"/>
+    </dgm:scene3d>
+    <dgm:sp3d/>
+    <dgm:txPr/>
+    <dgm:style>
+      <a:lnRef idx="0">
+        <a:scrgbClr r="0" g="0" b="0"/>
+      </a:lnRef>
+      <a:fillRef idx="1">
+        <a:scrgbClr r="0" g="0" b="0"/>
+      </a:fillRef>
+      <a:effectRef idx="0">
+        <a:scrgbClr r="0" g="0" b="0"/>
+      </a:effectRef>
+      <a:fontRef idx="minor">
+        <a:schemeClr val="lt1"/>
+      </a:fontRef>
+    </dgm:style>
+  </dgm:styleLbl>
+  <dgm:styleLbl name="sibTrans1D1">
+    <dgm:scene3d>
+      <a:camera prst="orthographicFront"/>
+      <a:lightRig rig="threePt" dir="t"/>
+    </dgm:scene3d>
+    <dgm:sp3d/>
+    <dgm:txPr/>
+    <dgm:style>
+      <a:lnRef idx="1">
+        <a:scrgbClr r="0" g="0" b="0"/>
+      </a:lnRef>
+      <a:fillRef idx="0">
+        <a:scrgbClr r="0" g="0" b="0"/>
+      </a:fillRef>
+      <a:effectRef idx="0">
+        <a:scrgbClr r="0" g="0" b="0"/>
+      </a:effectRef>
+      <a:fontRef idx="minor"/>
+    </dgm:style>
+  </dgm:styleLbl>
+  <dgm:styleLbl name="callout">
+    <dgm:scene3d>
+      <a:camera prst="orthographicFront"/>
+      <a:lightRig rig="threePt" dir="t"/>
+    </dgm:scene3d>
+    <dgm:sp3d/>
+    <dgm:txPr/>
+    <dgm:style>
+      <a:lnRef idx="2">
+        <a:scrgbClr r="0" g="0" b="0"/>
+      </a:lnRef>
+      <a:fillRef idx="1">
+        <a:scrgbClr r="0" g="0" b="0"/>
+      </a:fillRef>
+      <a:effectRef idx="0">
+        <a:scrgbClr r="0" g="0" b="0"/>
+      </a:effectRef>
+      <a:fontRef idx="minor"/>
+    </dgm:style>
+  </dgm:styleLbl>
+  <dgm:styleLbl name="asst0">
+    <dgm:scene3d>
+      <a:camera prst="orthographicFront"/>
+      <a:lightRig rig="threePt" dir="t"/>
+    </dgm:scene3d>
+    <dgm:sp3d/>
+    <dgm:txPr/>
+    <dgm:style>
+      <a:lnRef idx="2">
+        <a:scrgbClr r="0" g="0" b="0"/>
+      </a:lnRef>
+      <a:fillRef idx="1">
+        <a:scrgbClr r="0" g="0" b="0"/>
+      </a:fillRef>
+      <a:effectRef idx="0">
+        <a:scrgbClr r="0" g="0" b="0"/>
+      </a:effectRef>
+      <a:fontRef idx="minor">
+        <a:schemeClr val="lt1"/>
+      </a:fontRef>
+    </dgm:style>
+  </dgm:styleLbl>
+  <dgm:styleLbl name="asst1">
+    <dgm:scene3d>
+      <a:camera prst="orthographicFront"/>
+      <a:lightRig rig="threePt" dir="t"/>
+    </dgm:scene3d>
+    <dgm:sp3d/>
+    <dgm:txPr/>
+    <dgm:style>
+      <a:lnRef idx="2">
+        <a:scrgbClr r="0" g="0" b="0"/>
+      </a:lnRef>
+      <a:fillRef idx="1">
+        <a:scrgbClr r="0" g="0" b="0"/>
+      </a:fillRef>
+      <a:effectRef idx="0">
+        <a:scrgbClr r="0" g="0" b="0"/>
+      </a:effectRef>
+      <a:fontRef idx="minor">
+        <a:schemeClr val="lt1"/>
+      </a:fontRef>
+    </dgm:style>
+  </dgm:styleLbl>
+  <dgm:styleLbl name="asst2">
+    <dgm:scene3d>
+      <a:camera prst="orthographicFront"/>
+      <a:lightRig rig="threePt" dir="t"/>
+    </dgm:scene3d>
+    <dgm:sp3d/>
+    <dgm:txPr/>
+    <dgm:style>
+      <a:lnRef idx="2">
+        <a:scrgbClr r="0" g="0" b="0"/>
+      </a:lnRef>
+      <a:fillRef idx="1">
+        <a:scrgbClr r="0" g="0" b="0"/>
+      </a:fillRef>
+      <a:effectRef idx="0">
+        <a:scrgbClr r="0" g="0" b="0"/>
+      </a:effectRef>
+      <a:fontRef idx="minor">
+        <a:schemeClr val="lt1"/>
+      </a:fontRef>
+    </dgm:style>
+  </dgm:styleLbl>
+  <dgm:styleLbl name="asst3">
+    <dgm:scene3d>
+      <a:camera prst="orthographicFront"/>
+      <a:lightRig rig="threePt" dir="t"/>
+    </dgm:scene3d>
+    <dgm:sp3d/>
+    <dgm:txPr/>
+    <dgm:style>
+      <a:lnRef idx="2">
+        <a:scrgbClr r="0" g="0" b="0"/>
+      </a:lnRef>
+      <a:fillRef idx="1">
+        <a:scrgbClr r="0" g="0" b="0"/>
+      </a:fillRef>
+      <a:effectRef idx="0">
+        <a:scrgbClr r="0" g="0" b="0"/>
+      </a:effectRef>
+      <a:fontRef idx="minor">
+        <a:schemeClr val="lt1"/>
+      </a:fontRef>
+    </dgm:style>
+  </dgm:styleLbl>
+  <dgm:styleLbl name="asst4">
+    <dgm:scene3d>
+      <a:camera prst="orthographicFront"/>
+      <a:lightRig rig="threePt" dir="t"/>
+    </dgm:scene3d>
+    <dgm:sp3d/>
+    <dgm:txPr/>
+    <dgm:style>
+      <a:lnRef idx="2">
+        <a:scrgbClr r="0" g="0" b="0"/>
+      </a:lnRef>
+      <a:fillRef idx="1">
+        <a:scrgbClr r="0" g="0" b="0"/>
+      </a:fillRef>
+      <a:effectRef idx="0">
+        <a:scrgbClr r="0" g="0" b="0"/>
+      </a:effectRef>
+      <a:fontRef idx="minor">
+        <a:schemeClr val="lt1"/>
+      </a:fontRef>
+    </dgm:style>
+  </dgm:styleLbl>
+  <dgm:styleLbl name="parChTrans2D1">
+    <dgm:scene3d>
+      <a:camera prst="orthographicFront"/>
+      <a:lightRig rig="threePt" dir="t"/>
+    </dgm:scene3d>
+    <dgm:sp3d/>
+    <dgm:txPr/>
+    <dgm:style>
+      <a:lnRef idx="2">
+        <a:scrgbClr r="0" g="0" b="0"/>
+      </a:lnRef>
+      <a:fillRef idx="1">
+        <a:scrgbClr r="0" g="0" b="0"/>
+      </a:fillRef>
+      <a:effectRef idx="0">
+        <a:scrgbClr r="0" g="0" b="0"/>
+      </a:effectRef>
+      <a:fontRef idx="minor">
+        <a:schemeClr val="lt1"/>
+      </a:fontRef>
+    </dgm:style>
+  </dgm:styleLbl>
+  <dgm:styleLbl name="parChTrans2D2">
+    <dgm:scene3d>
+      <a:camera prst="orthographicFront"/>
+      <a:lightRig rig="threePt" dir="t"/>
+    </dgm:scene3d>
+    <dgm:sp3d/>
+    <dgm:txPr/>
+    <dgm:style>
+      <a:lnRef idx="2">
+        <a:scrgbClr r="0" g="0" b="0"/>
+      </a:lnRef>
+      <a:fillRef idx="1">
+        <a:scrgbClr r="0" g="0" b="0"/>
+      </a:fillRef>
+      <a:effectRef idx="0">
+        <a:scrgbClr r="0" g="0" b="0"/>
+      </a:effectRef>
+      <a:fontRef idx="minor">
+        <a:schemeClr val="lt1"/>
+      </a:fontRef>
+    </dgm:style>
+  </dgm:styleLbl>
+  <dgm:styleLbl name="parChTrans2D3">
+    <dgm:scene3d>
+      <a:camera prst="orthographicFront"/>
+      <a:lightRig rig="threePt" dir="t"/>
+    </dgm:scene3d>
+    <dgm:sp3d/>
+    <dgm:txPr/>
+    <dgm:style>
+      <a:lnRef idx="2">
+        <a:scrgbClr r="0" g="0" b="0"/>
+      </a:lnRef>
+      <a:fillRef idx="1">
+        <a:scrgbClr r="0" g="0" b="0"/>
+      </a:fillRef>
+      <a:effectRef idx="0">
+        <a:scrgbClr r="0" g="0" b="0"/>
+      </a:effectRef>
+      <a:fontRef idx="minor">
+        <a:schemeClr val="lt1"/>
+      </a:fontRef>
+    </dgm:style>
+  </dgm:styleLbl>
+  <dgm:styleLbl name="parChTrans2D4">
+    <dgm:scene3d>
+      <a:camera prst="orthographicFront"/>
+      <a:lightRig rig="threePt" dir="t"/>
+    </dgm:scene3d>
+    <dgm:sp3d/>
+    <dgm:txPr/>
+    <dgm:style>
+      <a:lnRef idx="2">
+        <a:scrgbClr r="0" g="0" b="0"/>
+      </a:lnRef>
+      <a:fillRef idx="1">
+        <a:scrgbClr r="0" g="0" b="0"/>
+      </a:fillRef>
+      <a:effectRef idx="0">
+        <a:scrgbClr r="0" g="0" b="0"/>
+      </a:effectRef>
+      <a:fontRef idx="minor">
+        <a:schemeClr val="lt1"/>
+      </a:fontRef>
+    </dgm:style>
+  </dgm:styleLbl>
+  <dgm:styleLbl name="parChTrans1D1">
+    <dgm:scene3d>
+      <a:camera prst="orthographicFront"/>
+      <a:lightRig rig="threePt" dir="t"/>
+    </dgm:scene3d>
+    <dgm:sp3d/>
+    <dgm:txPr/>
+    <dgm:style>
+      <a:lnRef idx="2">
+        <a:scrgbClr r="0" g="0" b="0"/>
+      </a:lnRef>
+      <a:fillRef idx="0">
+        <a:scrgbClr r="0" g="0" b="0"/>
+      </a:fillRef>
+      <a:effectRef idx="0">
+        <a:scrgbClr r="0" g="0" b="0"/>
+      </a:effectRef>
+      <a:fontRef idx="minor"/>
+    </dgm:style>
+  </dgm:styleLbl>
+  <dgm:styleLbl name="parChTrans1D2">
+    <dgm:scene3d>
+      <a:camera prst="orthographicFront"/>
+      <a:lightRig rig="threePt" dir="t"/>
+    </dgm:scene3d>
+    <dgm:sp3d/>
+    <dgm:txPr/>
+    <dgm:style>
+      <a:lnRef idx="2">
+        <a:scrgbClr r="0" g="0" b="0"/>
+      </a:lnRef>
+      <a:fillRef idx="0">
+        <a:scrgbClr r="0" g="0" b="0"/>
+      </a:fillRef>
+      <a:effectRef idx="0">
+        <a:scrgbClr r="0" g="0" b="0"/>
+      </a:effectRef>
+      <a:fontRef idx="minor"/>
+    </dgm:style>
+  </dgm:styleLbl>
+  <dgm:styleLbl name="parChTrans1D3">
+    <dgm:scene3d>
+      <a:camera prst="orthographicFront"/>
+      <a:lightRig rig="threePt" dir="t"/>
+    </dgm:scene3d>
+    <dgm:sp3d/>
+    <dgm:txPr/>
+    <dgm:style>
+      <a:lnRef idx="2">
+        <a:scrgbClr r="0" g="0" b="0"/>
+      </a:lnRef>
+      <a:fillRef idx="0">
+        <a:scrgbClr r="0" g="0" b="0"/>
+      </a:fillRef>
+      <a:effectRef idx="0">
+        <a:scrgbClr r="0" g="0" b="0"/>
+      </a:effectRef>
+      <a:fontRef idx="minor"/>
+    </dgm:style>
+  </dgm:styleLbl>
+  <dgm:styleLbl name="parChTrans1D4">
+    <dgm:scene3d>
+      <a:camera prst="orthographicFront"/>
+      <a:lightRig rig="threePt" dir="t"/>
+    </dgm:scene3d>
+    <dgm:sp3d/>
+    <dgm:txPr/>
+    <dgm:style>
+      <a:lnRef idx="2">
+        <a:scrgbClr r="0" g="0" b="0"/>
+      </a:lnRef>
+      <a:fillRef idx="0">
+        <a:scrgbClr r="0" g="0" b="0"/>
+      </a:fillRef>
+      <a:effectRef idx="0">
+        <a:scrgbClr r="0" g="0" b="0"/>
+      </a:effectRef>
+      <a:fontRef idx="minor"/>
+    </dgm:style>
+  </dgm:styleLbl>
+  <dgm:styleLbl name="fgAcc1">
+    <dgm:scene3d>
+      <a:camera prst="orthographicFront"/>
+      <a:lightRig rig="threePt" dir="t"/>
+    </dgm:scene3d>
+    <dgm:sp3d/>
+    <dgm:txPr/>
+    <dgm:style>
+      <a:lnRef idx="2">
+        <a:scrgbClr r="0" g="0" b="0"/>
+      </a:lnRef>
+      <a:fillRef idx="1">
+        <a:scrgbClr r="0" g="0" b="0"/>
+      </a:fillRef>
+      <a:effectRef idx="0">
+        <a:scrgbClr r="0" g="0" b="0"/>
+      </a:effectRef>
+      <a:fontRef idx="minor"/>
+    </dgm:style>
+  </dgm:styleLbl>
+  <dgm:styleLbl name="conFgAcc1">
+    <dgm:scene3d>
+      <a:camera prst="orthographicFront"/>
+      <a:lightRig rig="threePt" dir="t"/>
+    </dgm:scene3d>
+    <dgm:sp3d/>
+    <dgm:txPr/>
+    <dgm:style>
+      <a:lnRef idx="2">
+        <a:scrgbClr r="0" g="0" b="0"/>
+      </a:lnRef>
+      <a:fillRef idx="1">
+        <a:scrgbClr r="0" g="0" b="0"/>
+      </a:fillRef>
+      <a:effectRef idx="0">
+        <a:scrgbClr r="0" g="0" b="0"/>
+      </a:effectRef>
+      <a:fontRef idx="minor"/>
+    </dgm:style>
+  </dgm:styleLbl>
+  <dgm:styleLbl name="alignAcc1">
+    <dgm:scene3d>
+      <a:camera prst="orthographicFront"/>
+      <a:lightRig rig="threePt" dir="t"/>
+    </dgm:scene3d>
+    <dgm:sp3d/>
+    <dgm:txPr/>
+    <dgm:style>
+      <a:lnRef idx="2">
+        <a:scrgbClr r="0" g="0" b="0"/>
+      </a:lnRef>
+      <a:fillRef idx="1">
+        <a:scrgbClr r="0" g="0" b="0"/>
+      </a:fillRef>
+      <a:effectRef idx="0">
+        <a:scrgbClr r="0" g="0" b="0"/>
+      </a:effectRef>
+      <a:fontRef idx="minor"/>
+    </dgm:style>
+  </dgm:styleLbl>
+  <dgm:styleLbl name="trAlignAcc1">
+    <dgm:scene3d>
+      <a:camera prst="orthographicFront"/>
+      <a:lightRig rig="threePt" dir="t"/>
+    </dgm:scene3d>
+    <dgm:sp3d/>
+    <dgm:txPr/>
+    <dgm:style>
+      <a:lnRef idx="1">
+        <a:scrgbClr r="0" g="0" b="0"/>
+      </a:lnRef>
+      <a:fillRef idx="1">
+        <a:scrgbClr r="0" g="0" b="0"/>
+      </a:fillRef>
+      <a:effectRef idx="0">
+        <a:scrgbClr r="0" g="0" b="0"/>
+      </a:effectRef>
+      <a:fontRef idx="minor"/>
+    </dgm:style>
+  </dgm:styleLbl>
+  <dgm:styleLbl name="bgAcc1">
+    <dgm:scene3d>
+      <a:camera prst="orthographicFront"/>
+      <a:lightRig rig="threePt" dir="t"/>
+    </dgm:scene3d>
+    <dgm:sp3d/>
+    <dgm:txPr/>
+    <dgm:style>
+      <a:lnRef idx="2">
+        <a:scrgbClr r="0" g="0" b="0"/>
+      </a:lnRef>
+      <a:fillRef idx="1">
+        <a:scrgbClr r="0" g="0" b="0"/>
+      </a:fillRef>
+      <a:effectRef idx="0">
+        <a:scrgbClr r="0" g="0" b="0"/>
+      </a:effectRef>
+      <a:fontRef idx="minor"/>
+    </dgm:style>
+  </dgm:styleLbl>
+  <dgm:styleLbl name="solidFgAcc1">
+    <dgm:scene3d>
+      <a:camera prst="orthographicFront"/>
+      <a:lightRig rig="threePt" dir="t"/>
+    </dgm:scene3d>
+    <dgm:sp3d/>
+    <dgm:txPr/>
+    <dgm:style>
+      <a:lnRef idx="2">
+        <a:scrgbClr r="0" g="0" b="0"/>
+      </a:lnRef>
+      <a:fillRef idx="1">
+        <a:scrgbClr r="0" g="0" b="0"/>
+      </a:fillRef>
+      <a:effectRef idx="0">
+        <a:scrgbClr r="0" g="0" b="0"/>
+      </a:effectRef>
+      <a:fontRef idx="minor"/>
+    </dgm:style>
+  </dgm:styleLbl>
+  <dgm:styleLbl name="solidAlignAcc1">
+    <dgm:scene3d>
+      <a:camera prst="orthographicFront"/>
+      <a:lightRig rig="threePt" dir="t"/>
+    </dgm:scene3d>
+    <dgm:sp3d/>
+    <dgm:txPr/>
+    <dgm:style>
+      <a:lnRef idx="2">
+        <a:scrgbClr r="0" g="0" b="0"/>
+      </a:lnRef>
+      <a:fillRef idx="1">
+        <a:scrgbClr r="0" g="0" b="0"/>
+      </a:fillRef>
+      <a:effectRef idx="0">
+        <a:scrgbClr r="0" g="0" b="0"/>
+      </a:effectRef>
+      <a:fontRef idx="minor"/>
+    </dgm:style>
+  </dgm:styleLbl>
+  <dgm:styleLbl name="solidBgAcc1">
+    <dgm:scene3d>
+      <a:camera prst="orthographicFront"/>
+      <a:lightRig rig="threePt" dir="t"/>
+    </dgm:scene3d>
+    <dgm:sp3d/>
+    <dgm:txPr/>
+    <dgm:style>
+      <a:lnRef idx="2">
+        <a:scrgbClr r="0" g="0" b="0"/>
+      </a:lnRef>
+      <a:fillRef idx="1">
+        <a:scrgbClr r="0" g="0" b="0"/>
+      </a:fillRef>
+      <a:effectRef idx="0">
+        <a:scrgbClr r="0" g="0" b="0"/>
+      </a:effectRef>
+      <a:fontRef idx="minor"/>
+    </dgm:style>
+  </dgm:styleLbl>
+  <dgm:styleLbl name="fgAccFollowNode1">
+    <dgm:scene3d>
+      <a:camera prst="orthographicFront"/>
+      <a:lightRig rig="threePt" dir="t"/>
+    </dgm:scene3d>
+    <dgm:sp3d/>
+    <dgm:txPr/>
+    <dgm:style>
+      <a:lnRef idx="2">
+        <a:scrgbClr r="0" g="0" b="0"/>
+      </a:lnRef>
+      <a:fillRef idx="1">
+        <a:scrgbClr r="0" g="0" b="0"/>
+      </a:fillRef>
+      <a:effectRef idx="0">
+        <a:scrgbClr r="0" g="0" b="0"/>
+      </a:effectRef>
+      <a:fontRef idx="minor"/>
+    </dgm:style>
+  </dgm:styleLbl>
+  <dgm:styleLbl name="alignAccFollowNode1">
+    <dgm:scene3d>
+      <a:camera prst="orthographicFront"/>
+      <a:lightRig rig="threePt" dir="t"/>
+    </dgm:scene3d>
+    <dgm:sp3d/>
+    <dgm:txPr/>
+    <dgm:style>
+      <a:lnRef idx="2">
+        <a:scrgbClr r="0" g="0" b="0"/>
+      </a:lnRef>
+      <a:fillRef idx="1">
+        <a:scrgbClr r="0" g="0" b="0"/>
+      </a:fillRef>
+      <a:effectRef idx="0">
+        <a:scrgbClr r="0" g="0" b="0"/>
+      </a:effectRef>
+      <a:fontRef idx="minor"/>
+    </dgm:style>
+  </dgm:styleLbl>
+  <dgm:styleLbl name="bgAccFollowNode1">
+    <dgm:scene3d>
+      <a:camera prst="orthographicFront"/>
+      <a:lightRig rig="threePt" dir="t"/>
+    </dgm:scene3d>
+    <dgm:sp3d/>
+    <dgm:txPr/>
+    <dgm:style>
+      <a:lnRef idx="2">
+        <a:scrgbClr r="0" g="0" b="0"/>
+      </a:lnRef>
+      <a:fillRef idx="1">
+        <a:scrgbClr r="0" g="0" b="0"/>
+      </a:fillRef>
+      <a:effectRef idx="0">
+        <a:scrgbClr r="0" g="0" b="0"/>
+      </a:effectRef>
+      <a:fontRef idx="minor"/>
+    </dgm:style>
+  </dgm:styleLbl>
+  <dgm:styleLbl name="fgAcc0">
+    <dgm:scene3d>
+      <a:camera prst="orthographicFront"/>
+      <a:lightRig rig="threePt" dir="t"/>
+    </dgm:scene3d>
+    <dgm:sp3d/>
+    <dgm:txPr/>
+    <dgm:style>
+      <a:lnRef idx="2">
+        <a:scrgbClr r="0" g="0" b="0"/>
+      </a:lnRef>
+      <a:fillRef idx="1">
+        <a:scrgbClr r="0" g="0" b="0"/>
+      </a:fillRef>
+      <a:effectRef idx="0">
+        <a:scrgbClr r="0" g="0" b="0"/>
+      </a:effectRef>
+      <a:fontRef idx="minor"/>
+    </dgm:style>
+  </dgm:styleLbl>
+  <dgm:styleLbl name="fgAcc2">
+    <dgm:scene3d>
+      <a:camera prst="orthographicFront"/>
+      <a:lightRig rig="threePt" dir="t"/>
+    </dgm:scene3d>
+    <dgm:sp3d/>
+    <dgm:txPr/>
+    <dgm:style>
+      <a:lnRef idx="2">
+        <a:scrgbClr r="0" g="0" b="0"/>
+      </a:lnRef>
+      <a:fillRef idx="1">
+        <a:scrgbClr r="0" g="0" b="0"/>
+      </a:fillRef>
+      <a:effectRef idx="0">
+        <a:scrgbClr r="0" g="0" b="0"/>
+      </a:effectRef>
+      <a:fontRef idx="minor"/>
+    </dgm:style>
+  </dgm:styleLbl>
+  <dgm:styleLbl name="fgAcc3">
+    <dgm:scene3d>
+      <a:camera prst="orthographicFront"/>
+      <a:lightRig rig="threePt" dir="t"/>
+    </dgm:scene3d>
+    <dgm:sp3d/>
+    <dgm:txPr/>
+    <dgm:style>
+      <a:lnRef idx="2">
+        <a:scrgbClr r="0" g="0" b="0"/>
+      </a:lnRef>
+      <a:fillRef idx="1">
+        <a:scrgbClr r="0" g="0" b="0"/>
+      </a:fillRef>
+      <a:effectRef idx="0">
+        <a:scrgbClr r="0" g="0" b="0"/>
+      </a:effectRef>
+      <a:fontRef idx="minor"/>
+    </dgm:style>
+  </dgm:styleLbl>
+  <dgm:styleLbl name="fgAcc4">
+    <dgm:scene3d>
+      <a:camera prst="orthographicFront"/>
+      <a:lightRig rig="threePt" dir="t"/>
+    </dgm:scene3d>
+    <dgm:sp3d/>
+    <dgm:txPr/>
+    <dgm:style>
+      <a:lnRef idx="2">
+        <a:scrgbClr r="0" g="0" b="0"/>
+      </a:lnRef>
+      <a:fillRef idx="1">
+        <a:scrgbClr r="0" g="0" b="0"/>
+      </a:fillRef>
+      <a:effectRef idx="0">
+        <a:scrgbClr r="0" g="0" b="0"/>
+      </a:effectRef>
+      <a:fontRef idx="minor"/>
+    </dgm:style>
+  </dgm:styleLbl>
+  <dgm:styleLbl name="bgShp">
+    <dgm:scene3d>
+      <a:camera prst="orthographicFront"/>
+      <a:lightRig rig="threePt" dir="t"/>
+    </dgm:scene3d>
+    <dgm:sp3d/>
+    <dgm:txPr/>
+    <dgm:style>
+      <a:lnRef idx="0">
+        <a:scrgbClr r="0" g="0" b="0"/>
+      </a:lnRef>
+      <a:fillRef idx="1">
+        <a:scrgbClr r="0" g="0" b="0"/>
+      </a:fillRef>
+      <a:effectRef idx="0">
+        <a:scrgbClr r="0" g="0" b="0"/>
+      </a:effectRef>
+      <a:fontRef idx="minor"/>
+    </dgm:style>
+  </dgm:styleLbl>
+  <dgm:styleLbl name="dkBgShp">
+    <dgm:scene3d>
+      <a:camera prst="orthographicFront"/>
+      <a:lightRig rig="threePt" dir="t"/>
+    </dgm:scene3d>
+    <dgm:sp3d/>
+    <dgm:txPr/>
+    <dgm:style>
+      <a:lnRef idx="0">
+        <a:scrgbClr r="0" g="0" b="0"/>
+      </a:lnRef>
+      <a:fillRef idx="1">
+        <a:scrgbClr r="0" g="0" b="0"/>
+      </a:fillRef>
+      <a:effectRef idx="0">
+        <a:scrgbClr r="0" g="0" b="0"/>
+      </a:effectRef>
+      <a:fontRef idx="minor"/>
+    </dgm:style>
+  </dgm:styleLbl>
+  <dgm:styleLbl name="trBgShp">
+    <dgm:scene3d>
+      <a:camera prst="orthographicFront"/>
+      <a:lightRig rig="threePt" dir="t"/>
+    </dgm:scene3d>
+    <dgm:sp3d/>
+    <dgm:txPr/>
+    <dgm:style>
+      <a:lnRef idx="0">
+        <a:scrgbClr r="0" g="0" b="0"/>
+      </a:lnRef>
+      <a:fillRef idx="1">
+        <a:scrgbClr r="0" g="0" b="0"/>
+      </a:fillRef>
+      <a:effectRef idx="0">
+        <a:scrgbClr r="0" g="0" b="0"/>
+      </a:effectRef>
+      <a:fontRef idx="minor"/>
+    </dgm:style>
+  </dgm:styleLbl>
+  <dgm:styleLbl name="fgShp">
+    <dgm:scene3d>
+      <a:camera prst="orthographicFront"/>
+      <a:lightRig rig="threePt" dir="t"/>
+    </dgm:scene3d>
+    <dgm:sp3d/>
+    <dgm:txPr/>
+    <dgm:style>
+      <a:lnRef idx="2">
+        <a:scrgbClr r="0" g="0" b="0"/>
+      </a:lnRef>
+      <a:fillRef idx="1">
+        <a:scrgbClr r="0" g="0" b="0"/>
+      </a:fillRef>
+      <a:effectRef idx="0">
+        <a:scrgbClr r="0" g="0" b="0"/>
+      </a:effectRef>
+      <a:fontRef idx="minor"/>
+    </dgm:style>
+  </dgm:styleLbl>
+  <dgm:styleLbl name="revTx">
+    <dgm:scene3d>
+      <a:camera prst="orthographicFront"/>
+      <a:lightRig rig="threePt" dir="t"/>
+    </dgm:scene3d>
+    <dgm:sp3d/>
+    <dgm:txPr/>
+    <dgm:style>
+      <a:lnRef idx="0">
+        <a:scrgbClr r="0" g="0" b="0"/>
+      </a:lnRef>
+      <a:fillRef idx="0">
+        <a:scrgbClr r="0" g="0" b="0"/>
+      </a:fillRef>
+      <a:effectRef idx="0">
+        <a:scrgbClr r="0" g="0" b="0"/>
+      </a:effectRef>
+      <a:fontRef idx="minor"/>
+    </dgm:style>
+  </dgm:styleLbl>
+</dgm:styleDef>
+</file>
+
 <file path=ppt/notesMasters/notesMaster1.xml><?xml version="1.0" encoding="utf-8"?>
 <p:notesMaster xmlns:a="http://schemas.openxmlformats.org/drawingml/2006/main" xmlns:r="http://schemas.openxmlformats.org/officeDocument/2006/relationships" xmlns:p="http://schemas.openxmlformats.org/presentationml/2006/main">
   <p:cSld>
@@ -4025,7 +6727,7 @@
     </p:spTree>
     <p:extLst>
       <p:ext uri="{BB962C8B-B14F-4D97-AF65-F5344CB8AC3E}">
-        <p14:creationId xmlns:p14="http://schemas.microsoft.com/office/powerpoint/2010/main" val="180167228"/>
+        <p14:creationId xmlns:p14="http://schemas.microsoft.com/office/powerpoint/2010/main" val="1930793142"/>
       </p:ext>
     </p:extLst>
   </p:cSld>
@@ -4173,7 +6875,7 @@
     </p:spTree>
     <p:extLst>
       <p:ext uri="{BB962C8B-B14F-4D97-AF65-F5344CB8AC3E}">
-        <p14:creationId xmlns:p14="http://schemas.microsoft.com/office/powerpoint/2010/main" val="980666859"/>
+        <p14:creationId xmlns:p14="http://schemas.microsoft.com/office/powerpoint/2010/main" val="180167228"/>
       </p:ext>
     </p:extLst>
   </p:cSld>
@@ -4227,7 +6929,11 @@
           <a:bodyPr/>
           <a:lstStyle/>
           <a:p>
-            <a:endParaRPr lang="en-US"/>
+            <a:pPr marL="0" indent="0">
+              <a:buFontTx/>
+              <a:buNone/>
+            </a:pPr>
+            <a:endParaRPr lang="en-US" dirty="0"/>
           </a:p>
         </p:txBody>
       </p:sp>
@@ -4296,6 +7002,150 @@
                 <a:defRPr/>
               </a:pPr>
               <a:t>6</a:t>
+            </a:fld>
+            <a:endParaRPr kumimoji="0" lang="en-US" sz="1200" b="0" i="0" u="none" strike="noStrike" kern="1200" cap="none" spc="0" normalizeH="0" baseline="0" noProof="0">
+              <a:ln>
+                <a:noFill/>
+              </a:ln>
+              <a:solidFill>
+                <a:prstClr val="black"/>
+              </a:solidFill>
+              <a:effectLst/>
+              <a:uLnTx/>
+              <a:uFillTx/>
+              <a:latin typeface="Calibri" panose="020F0502020204030204"/>
+              <a:ea typeface="+mn-ea"/>
+              <a:cs typeface="+mn-cs"/>
+            </a:endParaRPr>
+          </a:p>
+        </p:txBody>
+      </p:sp>
+    </p:spTree>
+    <p:extLst>
+      <p:ext uri="{BB962C8B-B14F-4D97-AF65-F5344CB8AC3E}">
+        <p14:creationId xmlns:p14="http://schemas.microsoft.com/office/powerpoint/2010/main" val="980666859"/>
+      </p:ext>
+    </p:extLst>
+  </p:cSld>
+  <p:clrMapOvr>
+    <a:masterClrMapping/>
+  </p:clrMapOvr>
+</p:notes>
+</file>
+
+<file path=ppt/notesSlides/notesSlide6.xml><?xml version="1.0" encoding="utf-8"?>
+<p:notes xmlns:a="http://schemas.openxmlformats.org/drawingml/2006/main" xmlns:r="http://schemas.openxmlformats.org/officeDocument/2006/relationships" xmlns:p="http://schemas.openxmlformats.org/presentationml/2006/main">
+  <p:cSld>
+    <p:spTree>
+      <p:nvGrpSpPr>
+        <p:cNvPr id="1" name=""/>
+        <p:cNvGrpSpPr/>
+        <p:nvPr/>
+      </p:nvGrpSpPr>
+      <p:grpSpPr>
+        <a:xfrm>
+          <a:off x="0" y="0"/>
+          <a:ext cx="0" cy="0"/>
+          <a:chOff x="0" y="0"/>
+          <a:chExt cx="0" cy="0"/>
+        </a:xfrm>
+      </p:grpSpPr>
+      <p:sp>
+        <p:nvSpPr>
+          <p:cNvPr id="2" name="Slide Image Placeholder 1"/>
+          <p:cNvSpPr>
+            <a:spLocks noGrp="1" noRot="1" noChangeAspect="1"/>
+          </p:cNvSpPr>
+          <p:nvPr>
+            <p:ph type="sldImg"/>
+          </p:nvPr>
+        </p:nvSpPr>
+        <p:spPr/>
+      </p:sp>
+      <p:sp>
+        <p:nvSpPr>
+          <p:cNvPr id="3" name="Notes Placeholder 2"/>
+          <p:cNvSpPr>
+            <a:spLocks noGrp="1"/>
+          </p:cNvSpPr>
+          <p:nvPr>
+            <p:ph type="body" idx="1"/>
+          </p:nvPr>
+        </p:nvSpPr>
+        <p:spPr/>
+        <p:txBody>
+          <a:bodyPr/>
+          <a:lstStyle/>
+          <a:p>
+            <a:endParaRPr lang="en-US"/>
+          </a:p>
+        </p:txBody>
+      </p:sp>
+      <p:sp>
+        <p:nvSpPr>
+          <p:cNvPr id="4" name="Slide Number Placeholder 3"/>
+          <p:cNvSpPr>
+            <a:spLocks noGrp="1"/>
+          </p:cNvSpPr>
+          <p:nvPr>
+            <p:ph type="sldNum" sz="quarter" idx="10"/>
+          </p:nvPr>
+        </p:nvSpPr>
+        <p:spPr/>
+        <p:txBody>
+          <a:bodyPr/>
+          <a:lstStyle/>
+          <a:p>
+            <a:pPr marL="0" marR="0" lvl="0" indent="0" algn="r" defTabSz="457200" rtl="0" eaLnBrk="1" fontAlgn="auto" latinLnBrk="0" hangingPunct="1">
+              <a:lnSpc>
+                <a:spcPct val="100000"/>
+              </a:lnSpc>
+              <a:spcBef>
+                <a:spcPts val="0"/>
+              </a:spcBef>
+              <a:spcAft>
+                <a:spcPts val="0"/>
+              </a:spcAft>
+              <a:buClrTx/>
+              <a:buSzTx/>
+              <a:buFontTx/>
+              <a:buNone/>
+              <a:tabLst/>
+              <a:defRPr/>
+            </a:pPr>
+            <a:fld id="{16A87904-88DE-4022-A424-ACD2E6FC1751}" type="slidenum">
+              <a:rPr kumimoji="0" lang="en-US" sz="1200" b="0" i="0" u="none" strike="noStrike" kern="1200" cap="none" spc="0" normalizeH="0" baseline="0" noProof="0" smtClean="0">
+                <a:ln>
+                  <a:noFill/>
+                </a:ln>
+                <a:solidFill>
+                  <a:prstClr val="black"/>
+                </a:solidFill>
+                <a:effectLst/>
+                <a:uLnTx/>
+                <a:uFillTx/>
+                <a:latin typeface="Calibri" panose="020F0502020204030204"/>
+                <a:ea typeface="+mn-ea"/>
+                <a:cs typeface="+mn-cs"/>
+              </a:rPr>
+              <a:pPr marL="0" marR="0" lvl="0" indent="0" algn="r" defTabSz="457200" rtl="0" eaLnBrk="1" fontAlgn="auto" latinLnBrk="0" hangingPunct="1">
+                <a:lnSpc>
+                  <a:spcPct val="100000"/>
+                </a:lnSpc>
+                <a:spcBef>
+                  <a:spcPts val="0"/>
+                </a:spcBef>
+                <a:spcAft>
+                  <a:spcPts val="0"/>
+                </a:spcAft>
+                <a:buClrTx/>
+                <a:buSzTx/>
+                <a:buFontTx/>
+                <a:buNone/>
+                <a:tabLst/>
+                <a:defRPr/>
+              </a:pPr>
+              <a:t>7</a:t>
             </a:fld>
             <a:endParaRPr kumimoji="0" lang="en-US" sz="1200" b="0" i="0" u="none" strike="noStrike" kern="1200" cap="none" spc="0" normalizeH="0" baseline="0" noProof="0">
               <a:ln>
@@ -11389,6 +14239,20 @@
             </a:r>
           </a:p>
           <a:p>
+            <a:pPr lvl="1"/>
+            <a:r>
+              <a:rPr lang="en-US" dirty="0"/>
+              <a:t>Docker</a:t>
+            </a:r>
+          </a:p>
+          <a:p>
+            <a:pPr lvl="1"/>
+            <a:r>
+              <a:rPr lang="en-US" dirty="0"/>
+              <a:t>GitHub</a:t>
+            </a:r>
+          </a:p>
+          <a:p>
             <a:r>
               <a:rPr lang="en-US" dirty="0"/>
               <a:t>Demo</a:t>
@@ -11658,6 +14522,128 @@
                       </p:childTnLst>
                     </p:cTn>
                   </p:par>
+                  <p:par>
+                    <p:cTn id="23" fill="hold">
+                      <p:stCondLst>
+                        <p:cond delay="indefinite"/>
+                      </p:stCondLst>
+                      <p:childTnLst>
+                        <p:par>
+                          <p:cTn id="24" fill="hold">
+                            <p:stCondLst>
+                              <p:cond delay="0"/>
+                            </p:stCondLst>
+                            <p:childTnLst>
+                              <p:par>
+                                <p:cTn id="25" presetID="10" presetClass="entr" presetSubtype="0" fill="hold" nodeType="clickEffect">
+                                  <p:stCondLst>
+                                    <p:cond delay="0"/>
+                                  </p:stCondLst>
+                                  <p:childTnLst>
+                                    <p:set>
+                                      <p:cBhvr>
+                                        <p:cTn id="26" dur="1" fill="hold">
+                                          <p:stCondLst>
+                                            <p:cond delay="0"/>
+                                          </p:stCondLst>
+                                        </p:cTn>
+                                        <p:tgtEl>
+                                          <p:spTgt spid="3">
+                                            <p:txEl>
+                                              <p:pRg st="4" end="4"/>
+                                            </p:txEl>
+                                          </p:spTgt>
+                                        </p:tgtEl>
+                                        <p:attrNameLst>
+                                          <p:attrName>style.visibility</p:attrName>
+                                        </p:attrNameLst>
+                                      </p:cBhvr>
+                                      <p:to>
+                                        <p:strVal val="visible"/>
+                                      </p:to>
+                                    </p:set>
+                                    <p:animEffect transition="in" filter="fade">
+                                      <p:cBhvr>
+                                        <p:cTn id="27" dur="500"/>
+                                        <p:tgtEl>
+                                          <p:spTgt spid="3">
+                                            <p:txEl>
+                                              <p:pRg st="4" end="4"/>
+                                            </p:txEl>
+                                          </p:spTgt>
+                                        </p:tgtEl>
+                                      </p:cBhvr>
+                                    </p:animEffect>
+                                  </p:childTnLst>
+                                </p:cTn>
+                              </p:par>
+                            </p:childTnLst>
+                          </p:cTn>
+                        </p:par>
+                      </p:childTnLst>
+                    </p:cTn>
+                  </p:par>
+                  <p:par>
+                    <p:cTn id="28" fill="hold">
+                      <p:stCondLst>
+                        <p:cond delay="indefinite"/>
+                      </p:stCondLst>
+                      <p:childTnLst>
+                        <p:par>
+                          <p:cTn id="29" fill="hold">
+                            <p:stCondLst>
+                              <p:cond delay="0"/>
+                            </p:stCondLst>
+                            <p:childTnLst>
+                              <p:par>
+                                <p:cTn id="30" presetID="10" presetClass="entr" presetSubtype="0" fill="hold" nodeType="clickEffect">
+                                  <p:stCondLst>
+                                    <p:cond delay="0"/>
+                                  </p:stCondLst>
+                                  <p:childTnLst>
+                                    <p:set>
+                                      <p:cBhvr>
+                                        <p:cTn id="31" dur="1" fill="hold">
+                                          <p:stCondLst>
+                                            <p:cond delay="0"/>
+                                          </p:stCondLst>
+                                        </p:cTn>
+                                        <p:tgtEl>
+                                          <p:spTgt spid="3">
+                                            <p:txEl>
+                                              <p:pRg st="5" end="5"/>
+                                            </p:txEl>
+                                          </p:spTgt>
+                                        </p:tgtEl>
+                                        <p:attrNameLst>
+                                          <p:attrName>style.visibility</p:attrName>
+                                        </p:attrNameLst>
+                                      </p:cBhvr>
+                                      <p:to>
+                                        <p:strVal val="visible"/>
+                                      </p:to>
+                                    </p:set>
+                                    <p:animEffect transition="in" filter="fade">
+                                      <p:cBhvr>
+                                        <p:cTn id="32" dur="500"/>
+                                        <p:tgtEl>
+                                          <p:spTgt spid="3">
+                                            <p:txEl>
+                                              <p:pRg st="5" end="5"/>
+                                            </p:txEl>
+                                          </p:spTgt>
+                                        </p:tgtEl>
+                                      </p:cBhvr>
+                                    </p:animEffect>
+                                  </p:childTnLst>
+                                </p:cTn>
+                              </p:par>
+                            </p:childTnLst>
+                          </p:cTn>
+                        </p:par>
+                      </p:childTnLst>
+                    </p:cTn>
+                  </p:par>
                 </p:childTnLst>
               </p:cTn>
               <p:prevCondLst>
@@ -11799,6 +14785,42 @@
           <a:chExt cx="0" cy="0"/>
         </a:xfrm>
       </p:grpSpPr>
+      <p:pic>
+        <p:nvPicPr>
+          <p:cNvPr id="12" name="Picture 11" descr="A picture containing silhouette&#10;&#10;Description generated with high confidence">
+            <a:extLst>
+              <a:ext uri="{FF2B5EF4-FFF2-40B4-BE49-F238E27FC236}">
+                <a16:creationId xmlns:a16="http://schemas.microsoft.com/office/drawing/2014/main" id="{A267C8E7-7DAB-46DE-942E-3F82694E391C}"/>
+              </a:ext>
+            </a:extLst>
+          </p:cNvPr>
+          <p:cNvPicPr>
+            <a:picLocks noChangeAspect="1"/>
+          </p:cNvPicPr>
+          <p:nvPr/>
+        </p:nvPicPr>
+        <p:blipFill>
+          <a:blip r:embed="rId3">
+            <a:extLst>
+              <a:ext uri="{28A0092B-C50C-407E-A947-70E740481C1C}">
+                <a14:useLocalDpi xmlns:a14="http://schemas.microsoft.com/office/drawing/2010/main" val="0"/>
+              </a:ext>
+            </a:extLst>
+          </a:blip>
+          <a:stretch>
+            <a:fillRect/>
+          </a:stretch>
+        </p:blipFill>
+        <p:spPr>
+          <a:xfrm>
+            <a:off x="9127347" y="1880950"/>
+            <a:ext cx="1919834" cy="1919834"/>
+          </a:xfrm>
+          <a:prstGeom prst="rect">
+            <a:avLst/>
+          </a:prstGeom>
+        </p:spPr>
+      </p:pic>
       <p:sp>
         <p:nvSpPr>
           <p:cNvPr id="2" name="Title 1"/>
@@ -11816,60 +14838,384 @@
           <a:p>
             <a:r>
               <a:rPr lang="en-US" dirty="0"/>
-              <a:t>The fallacy of right-click </a:t>
-            </a:r>
-            <a:r>
-              <a:rPr lang="en-US" b="1" dirty="0"/>
-              <a:t>&gt;</a:t>
-            </a:r>
-            <a:r>
-              <a:rPr lang="en-US" dirty="0"/>
-              <a:t> Publish</a:t>
+              <a:t>The DevOps pipeline</a:t>
             </a:r>
           </a:p>
         </p:txBody>
       </p:sp>
-      <p:sp>
-        <p:nvSpPr>
-          <p:cNvPr id="8" name="Content Placeholder 7">
+      <p:graphicFrame>
+        <p:nvGraphicFramePr>
+          <p:cNvPr id="4" name="Content Placeholder 3">
             <a:extLst>
               <a:ext uri="{FF2B5EF4-FFF2-40B4-BE49-F238E27FC236}">
-                <a16:creationId xmlns:a16="http://schemas.microsoft.com/office/drawing/2014/main" id="{82D45ADE-3199-401A-A793-28F246C9D503}"/>
+                <a16:creationId xmlns:a16="http://schemas.microsoft.com/office/drawing/2014/main" id="{DEECE7DD-4BB0-4D2E-B637-9401DC4C7FC7}"/>
               </a:ext>
             </a:extLst>
           </p:cNvPr>
-          <p:cNvSpPr>
-            <a:spLocks noGrp="1"/>
-          </p:cNvSpPr>
+          <p:cNvGraphicFramePr>
+            <a:graphicFrameLocks noGrp="1"/>
+          </p:cNvGraphicFramePr>
           <p:nvPr>
             <p:ph idx="1"/>
+            <p:extLst/>
           </p:nvPr>
-        </p:nvSpPr>
-        <p:spPr/>
+        </p:nvGraphicFramePr>
+        <p:xfrm>
+          <a:off x="838200" y="1825625"/>
+          <a:ext cx="10515600" cy="4351338"/>
+        </p:xfrm>
+        <a:graphic>
+          <a:graphicData uri="http://schemas.openxmlformats.org/drawingml/2006/diagram">
+            <dgm:relIds xmlns:dgm="http://schemas.openxmlformats.org/drawingml/2006/diagram" xmlns:r="http://schemas.openxmlformats.org/officeDocument/2006/relationships" r:dm="rId4" r:lo="rId5" r:qs="rId6" r:cs="rId7"/>
+          </a:graphicData>
+        </a:graphic>
+      </p:graphicFrame>
+      <p:sp>
+        <p:nvSpPr>
+          <p:cNvPr id="6" name="Rectangle 5">
+            <a:extLst>
+              <a:ext uri="{FF2B5EF4-FFF2-40B4-BE49-F238E27FC236}">
+                <a16:creationId xmlns:a16="http://schemas.microsoft.com/office/drawing/2014/main" id="{7C94C8A2-9B83-45C9-AC02-909C01F26971}"/>
+              </a:ext>
+            </a:extLst>
+          </p:cNvPr>
+          <p:cNvSpPr/>
+          <p:nvPr/>
+        </p:nvSpPr>
+        <p:spPr>
+          <a:xfrm>
+            <a:off x="1247804" y="2748271"/>
+            <a:ext cx="341313" cy="341313"/>
+          </a:xfrm>
+          <a:prstGeom prst="rect">
+            <a:avLst/>
+          </a:prstGeom>
+        </p:spPr>
+        <p:style>
+          <a:lnRef idx="1">
+            <a:schemeClr val="accent2"/>
+          </a:lnRef>
+          <a:fillRef idx="2">
+            <a:schemeClr val="accent2"/>
+          </a:fillRef>
+          <a:effectRef idx="1">
+            <a:schemeClr val="accent2"/>
+          </a:effectRef>
+          <a:fontRef idx="minor">
+            <a:schemeClr val="dk1"/>
+          </a:fontRef>
+        </p:style>
         <p:txBody>
-          <a:bodyPr/>
+          <a:bodyPr rtlCol="0" anchor="ctr"/>
           <a:lstStyle/>
           <a:p>
+            <a:pPr algn="ctr"/>
+            <a:endParaRPr lang="en-US"/>
+          </a:p>
+        </p:txBody>
+      </p:sp>
+      <p:sp>
+        <p:nvSpPr>
+          <p:cNvPr id="7" name="Cylinder 6">
+            <a:extLst>
+              <a:ext uri="{FF2B5EF4-FFF2-40B4-BE49-F238E27FC236}">
+                <a16:creationId xmlns:a16="http://schemas.microsoft.com/office/drawing/2014/main" id="{2779294D-2C8E-4F81-A7F9-36C2D9CD0C28}"/>
+              </a:ext>
+            </a:extLst>
+          </p:cNvPr>
+          <p:cNvSpPr/>
+          <p:nvPr/>
+        </p:nvSpPr>
+        <p:spPr>
+          <a:xfrm rot="5400000">
+            <a:off x="4941283" y="1993882"/>
+            <a:ext cx="1020148" cy="1850089"/>
+          </a:xfrm>
+          <a:prstGeom prst="can">
+            <a:avLst/>
+          </a:prstGeom>
+        </p:spPr>
+        <p:style>
+          <a:lnRef idx="2">
+            <a:schemeClr val="accent1">
+              <a:shade val="50000"/>
+            </a:schemeClr>
+          </a:lnRef>
+          <a:fillRef idx="1">
+            <a:schemeClr val="accent1"/>
+          </a:fillRef>
+          <a:effectRef idx="0">
+            <a:schemeClr val="accent1"/>
+          </a:effectRef>
+          <a:fontRef idx="minor">
+            <a:schemeClr val="lt1"/>
+          </a:fontRef>
+        </p:style>
+        <p:txBody>
+          <a:bodyPr vert="vert270" rtlCol="0" anchor="ctr"/>
+          <a:lstStyle/>
+          <a:p>
+            <a:pPr algn="ctr"/>
             <a:r>
               <a:rPr lang="en-US" dirty="0"/>
-              <a:t>Doesn’t scale beyond 1 person</a:t>
-            </a:r>
-          </a:p>
-          <a:p>
-            <a:endParaRPr lang="en-US" dirty="0"/>
+              <a:t>Build tasks</a:t>
+            </a:r>
+          </a:p>
+        </p:txBody>
+      </p:sp>
+      <p:sp>
+        <p:nvSpPr>
+          <p:cNvPr id="9" name="Cylinder 8">
+            <a:extLst>
+              <a:ext uri="{FF2B5EF4-FFF2-40B4-BE49-F238E27FC236}">
+                <a16:creationId xmlns:a16="http://schemas.microsoft.com/office/drawing/2014/main" id="{AFC05F2D-434D-4936-B725-640C4025DF0A}"/>
+              </a:ext>
+            </a:extLst>
+          </p:cNvPr>
+          <p:cNvSpPr/>
+          <p:nvPr/>
+        </p:nvSpPr>
+        <p:spPr>
+          <a:xfrm rot="5400000">
+            <a:off x="7278761" y="1993881"/>
+            <a:ext cx="1020148" cy="1850089"/>
+          </a:xfrm>
+          <a:prstGeom prst="can">
+            <a:avLst/>
+          </a:prstGeom>
+        </p:spPr>
+        <p:style>
+          <a:lnRef idx="2">
+            <a:schemeClr val="accent1">
+              <a:shade val="50000"/>
+            </a:schemeClr>
+          </a:lnRef>
+          <a:fillRef idx="1">
+            <a:schemeClr val="accent1"/>
+          </a:fillRef>
+          <a:effectRef idx="0">
+            <a:schemeClr val="accent1"/>
+          </a:effectRef>
+          <a:fontRef idx="minor">
+            <a:schemeClr val="lt1"/>
+          </a:fontRef>
+        </p:style>
+        <p:txBody>
+          <a:bodyPr vert="vert270" rtlCol="0" anchor="ctr"/>
+          <a:lstStyle/>
+          <a:p>
+            <a:pPr algn="ctr"/>
+            <a:r>
+              <a:rPr lang="en-US" dirty="0"/>
+              <a:t>Release tasks</a:t>
+            </a:r>
+          </a:p>
+        </p:txBody>
+      </p:sp>
+      <p:pic>
+        <p:nvPicPr>
+          <p:cNvPr id="10" name="Picture 9">
+            <a:extLst>
+              <a:ext uri="{FF2B5EF4-FFF2-40B4-BE49-F238E27FC236}">
+                <a16:creationId xmlns:a16="http://schemas.microsoft.com/office/drawing/2014/main" id="{7DEBBDC2-21C6-4E7C-B128-996B4B9D01ED}"/>
+              </a:ext>
+            </a:extLst>
+          </p:cNvPr>
+          <p:cNvPicPr>
+            <a:picLocks noChangeAspect="1"/>
+          </p:cNvPicPr>
+          <p:nvPr/>
+        </p:nvPicPr>
+        <p:blipFill>
+          <a:blip r:embed="rId9">
+            <a:extLst>
+              <a:ext uri="{28A0092B-C50C-407E-A947-70E740481C1C}">
+                <a14:useLocalDpi xmlns:a14="http://schemas.microsoft.com/office/drawing/2010/main" val="0"/>
+              </a:ext>
+            </a:extLst>
+          </a:blip>
+          <a:stretch>
+            <a:fillRect/>
+          </a:stretch>
+        </p:blipFill>
+        <p:spPr>
+          <a:xfrm>
+            <a:off x="9264765" y="2528780"/>
+            <a:ext cx="780290" cy="780290"/>
+          </a:xfrm>
+          <a:prstGeom prst="rect">
+            <a:avLst/>
+          </a:prstGeom>
+        </p:spPr>
+      </p:pic>
+      <p:pic>
+        <p:nvPicPr>
+          <p:cNvPr id="14" name="Picture 13">
+            <a:extLst>
+              <a:ext uri="{FF2B5EF4-FFF2-40B4-BE49-F238E27FC236}">
+                <a16:creationId xmlns:a16="http://schemas.microsoft.com/office/drawing/2014/main" id="{F8CD2DF3-48CF-447F-891B-3CB716627BC2}"/>
+              </a:ext>
+            </a:extLst>
+          </p:cNvPr>
+          <p:cNvPicPr>
+            <a:picLocks noChangeAspect="1"/>
+          </p:cNvPicPr>
+          <p:nvPr/>
+        </p:nvPicPr>
+        <p:blipFill>
+          <a:blip r:embed="rId10">
+            <a:extLst>
+              <a:ext uri="{28A0092B-C50C-407E-A947-70E740481C1C}">
+                <a14:useLocalDpi xmlns:a14="http://schemas.microsoft.com/office/drawing/2010/main" val="0"/>
+              </a:ext>
+            </a:extLst>
+          </a:blip>
+          <a:stretch>
+            <a:fillRect/>
+          </a:stretch>
+        </p:blipFill>
+        <p:spPr>
+          <a:xfrm>
+            <a:off x="838200" y="2408851"/>
+            <a:ext cx="1160519" cy="1160519"/>
+          </a:xfrm>
+          <a:prstGeom prst="rect">
+            <a:avLst/>
+          </a:prstGeom>
+        </p:spPr>
+      </p:pic>
+      <p:sp>
+        <p:nvSpPr>
+          <p:cNvPr id="5" name="Cylinder 4">
+            <a:extLst>
+              <a:ext uri="{FF2B5EF4-FFF2-40B4-BE49-F238E27FC236}">
+                <a16:creationId xmlns:a16="http://schemas.microsoft.com/office/drawing/2014/main" id="{AB05CA3F-0447-4578-9249-7EB1F46EBB6F}"/>
+              </a:ext>
+            </a:extLst>
+          </p:cNvPr>
+          <p:cNvSpPr/>
+          <p:nvPr/>
+        </p:nvSpPr>
+        <p:spPr>
+          <a:xfrm rot="5400000">
+            <a:off x="2603805" y="1993883"/>
+            <a:ext cx="1020148" cy="1850089"/>
+          </a:xfrm>
+          <a:prstGeom prst="can">
+            <a:avLst/>
+          </a:prstGeom>
+        </p:spPr>
+        <p:style>
+          <a:lnRef idx="2">
+            <a:schemeClr val="accent1">
+              <a:shade val="50000"/>
+            </a:schemeClr>
+          </a:lnRef>
+          <a:fillRef idx="1">
+            <a:schemeClr val="accent1"/>
+          </a:fillRef>
+          <a:effectRef idx="0">
+            <a:schemeClr val="accent1"/>
+          </a:effectRef>
+          <a:fontRef idx="minor">
+            <a:schemeClr val="lt1"/>
+          </a:fontRef>
+        </p:style>
+        <p:txBody>
+          <a:bodyPr vert="vert270" rtlCol="0" anchor="ctr"/>
+          <a:lstStyle/>
+          <a:p>
+            <a:pPr algn="ctr"/>
+            <a:r>
+              <a:rPr lang="en-US" dirty="0"/>
+              <a:t>Git repo</a:t>
+            </a:r>
           </a:p>
         </p:txBody>
       </p:sp>
     </p:spTree>
     <p:extLst>
       <p:ext uri="{BB962C8B-B14F-4D97-AF65-F5344CB8AC3E}">
-        <p14:creationId xmlns:p14="http://schemas.microsoft.com/office/powerpoint/2010/main" val="4142902708"/>
+        <p14:creationId xmlns:p14="http://schemas.microsoft.com/office/powerpoint/2010/main" val="2789539021"/>
       </p:ext>
     </p:extLst>
   </p:cSld>
   <p:clrMapOvr>
     <a:masterClrMapping/>
   </p:clrMapOvr>
+  <p:timing>
+    <p:tnLst>
+      <p:par>
+        <p:cTn id="1" dur="indefinite" restart="never" nodeType="tmRoot">
+          <p:childTnLst>
+            <p:seq concurrent="1" nextAc="seek">
+              <p:cTn id="2" dur="indefinite" nodeType="mainSeq">
+                <p:childTnLst>
+                  <p:par>
+                    <p:cTn id="3" fill="hold">
+                      <p:stCondLst>
+                        <p:cond delay="indefinite"/>
+                      </p:stCondLst>
+                      <p:childTnLst>
+                        <p:par>
+                          <p:cTn id="4" fill="hold">
+                            <p:stCondLst>
+                              <p:cond delay="0"/>
+                            </p:stCondLst>
+                            <p:childTnLst>
+                              <p:par>
+                                <p:cTn id="5" presetID="42" presetClass="path" presetSubtype="0" accel="50000" decel="50000" fill="hold" grpId="0" nodeType="clickEffect">
+                                  <p:stCondLst>
+                                    <p:cond delay="0"/>
+                                  </p:stCondLst>
+                                  <p:childTnLst>
+                                    <p:animMotion origin="layout" path="M 3.95833E-6 -2.96296E-6 L 0.62942 -0.0037 " pathEditMode="relative" rAng="0" ptsTypes="AA">
+                                      <p:cBhvr>
+                                        <p:cTn id="6" dur="2000" fill="hold"/>
+                                        <p:tgtEl>
+                                          <p:spTgt spid="6"/>
+                                        </p:tgtEl>
+                                        <p:attrNameLst>
+                                          <p:attrName>ppt_x</p:attrName>
+                                          <p:attrName>ppt_y</p:attrName>
+                                        </p:attrNameLst>
+                                      </p:cBhvr>
+                                      <p:rCtr x="31471" y="-185"/>
+                                    </p:animMotion>
+                                  </p:childTnLst>
+                                </p:cTn>
+                              </p:par>
+                            </p:childTnLst>
+                          </p:cTn>
+                        </p:par>
+                      </p:childTnLst>
+                    </p:cTn>
+                  </p:par>
+                </p:childTnLst>
+              </p:cTn>
+              <p:prevCondLst>
+                <p:cond evt="onPrev" delay="0">
+                  <p:tgtEl>
+                    <p:sldTgt/>
+                  </p:tgtEl>
+                </p:cond>
+              </p:prevCondLst>
+              <p:nextCondLst>
+                <p:cond evt="onNext" delay="0">
+                  <p:tgtEl>
+                    <p:sldTgt/>
+                  </p:tgtEl>
+                </p:cond>
+              </p:nextCondLst>
+            </p:seq>
+          </p:childTnLst>
+        </p:cTn>
+      </p:par>
+    </p:tnLst>
+    <p:bldLst>
+      <p:bldP spid="6" grpId="0" animBg="1"/>
+    </p:bldLst>
+  </p:timing>
 </p:sld>
 </file>
 
@@ -11915,7 +15261,15 @@
           <a:p>
             <a:r>
               <a:rPr lang="en-US" dirty="0"/>
-              <a:t>Azure DevOps Services</a:t>
+              <a:t>The fallacy of right-click </a:t>
+            </a:r>
+            <a:r>
+              <a:rPr lang="en-US" b="1" dirty="0"/>
+              <a:t>&gt;</a:t>
+            </a:r>
+            <a:r>
+              <a:rPr lang="en-US" dirty="0"/>
+              <a:t> Publish</a:t>
             </a:r>
           </a:p>
         </p:txBody>
@@ -11941,6 +15295,148 @@
           <a:bodyPr/>
           <a:lstStyle/>
           <a:p>
+            <a:r>
+              <a:rPr lang="en-US" dirty="0"/>
+              <a:t>Doesn’t scale beyond 1 person</a:t>
+            </a:r>
+          </a:p>
+          <a:p>
+            <a:r>
+              <a:rPr lang="en-US" dirty="0"/>
+              <a:t>Local dependencies may differ from prod</a:t>
+            </a:r>
+          </a:p>
+          <a:p>
+            <a:r>
+              <a:rPr lang="en-US" dirty="0"/>
+              <a:t>Steps are forgotten</a:t>
+            </a:r>
+          </a:p>
+          <a:p>
+            <a:endParaRPr lang="en-US" dirty="0"/>
+          </a:p>
+          <a:p>
+            <a:endParaRPr lang="en-US" dirty="0"/>
+          </a:p>
+        </p:txBody>
+      </p:sp>
+      <p:pic>
+        <p:nvPicPr>
+          <p:cNvPr id="4" name="Picture 3" descr="A close up of a sign&#10;&#10;Description generated with very high confidence">
+            <a:extLst>
+              <a:ext uri="{FF2B5EF4-FFF2-40B4-BE49-F238E27FC236}">
+                <a16:creationId xmlns:a16="http://schemas.microsoft.com/office/drawing/2014/main" id="{6A9BACBD-F1A7-49FD-9BF2-8CC0146F8CBB}"/>
+              </a:ext>
+            </a:extLst>
+          </p:cNvPr>
+          <p:cNvPicPr>
+            <a:picLocks noChangeAspect="1"/>
+          </p:cNvPicPr>
+          <p:nvPr/>
+        </p:nvPicPr>
+        <p:blipFill>
+          <a:blip r:embed="rId3">
+            <a:extLst>
+              <a:ext uri="{28A0092B-C50C-407E-A947-70E740481C1C}">
+                <a14:useLocalDpi xmlns:a14="http://schemas.microsoft.com/office/drawing/2010/main" val="0"/>
+              </a:ext>
+            </a:extLst>
+          </a:blip>
+          <a:stretch>
+            <a:fillRect/>
+          </a:stretch>
+        </p:blipFill>
+        <p:spPr>
+          <a:xfrm>
+            <a:off x="7952900" y="1825625"/>
+            <a:ext cx="3400900" cy="2953162"/>
+          </a:xfrm>
+          <a:prstGeom prst="rect">
+            <a:avLst/>
+          </a:prstGeom>
+        </p:spPr>
+      </p:pic>
+    </p:spTree>
+    <p:extLst>
+      <p:ext uri="{BB962C8B-B14F-4D97-AF65-F5344CB8AC3E}">
+        <p14:creationId xmlns:p14="http://schemas.microsoft.com/office/powerpoint/2010/main" val="4142902708"/>
+      </p:ext>
+    </p:extLst>
+  </p:cSld>
+  <p:clrMapOvr>
+    <a:masterClrMapping/>
+  </p:clrMapOvr>
+</p:sld>
+</file>
+
+<file path=ppt/slides/slide6.xml><?xml version="1.0" encoding="utf-8"?>
+<p:sld xmlns:a="http://schemas.openxmlformats.org/drawingml/2006/main" xmlns:r="http://schemas.openxmlformats.org/officeDocument/2006/relationships" xmlns:p="http://schemas.openxmlformats.org/presentationml/2006/main">
+  <p:cSld>
+    <p:bg>
+      <p:bgPr>
+        <a:solidFill>
+          <a:srgbClr val="505050"/>
+        </a:solidFill>
+        <a:effectLst/>
+      </p:bgPr>
+    </p:bg>
+    <p:spTree>
+      <p:nvGrpSpPr>
+        <p:cNvPr id="1" name=""/>
+        <p:cNvGrpSpPr/>
+        <p:nvPr/>
+      </p:nvGrpSpPr>
+      <p:grpSpPr>
+        <a:xfrm>
+          <a:off x="0" y="0"/>
+          <a:ext cx="0" cy="0"/>
+          <a:chOff x="0" y="0"/>
+          <a:chExt cx="0" cy="0"/>
+        </a:xfrm>
+      </p:grpSpPr>
+      <p:sp>
+        <p:nvSpPr>
+          <p:cNvPr id="2" name="Title 1"/>
+          <p:cNvSpPr>
+            <a:spLocks noGrp="1"/>
+          </p:cNvSpPr>
+          <p:nvPr>
+            <p:ph type="title"/>
+          </p:nvPr>
+        </p:nvSpPr>
+        <p:spPr/>
+        <p:txBody>
+          <a:bodyPr/>
+          <a:lstStyle/>
+          <a:p>
+            <a:r>
+              <a:rPr lang="en-US" dirty="0"/>
+              <a:t>Azure DevOps Services</a:t>
+            </a:r>
+          </a:p>
+        </p:txBody>
+      </p:sp>
+      <p:sp>
+        <p:nvSpPr>
+          <p:cNvPr id="8" name="Content Placeholder 7">
+            <a:extLst>
+              <a:ext uri="{FF2B5EF4-FFF2-40B4-BE49-F238E27FC236}">
+                <a16:creationId xmlns:a16="http://schemas.microsoft.com/office/drawing/2014/main" id="{82D45ADE-3199-401A-A793-28F246C9D503}"/>
+              </a:ext>
+            </a:extLst>
+          </p:cNvPr>
+          <p:cNvSpPr>
+            <a:spLocks noGrp="1"/>
+          </p:cNvSpPr>
+          <p:nvPr>
+            <p:ph idx="1"/>
+          </p:nvPr>
+        </p:nvSpPr>
+        <p:spPr/>
+        <p:txBody>
+          <a:bodyPr/>
+          <a:lstStyle/>
+          <a:p>
             <a:endParaRPr lang="en-US" dirty="0"/>
           </a:p>
         </p:txBody>
@@ -11958,7 +15454,7 @@
 </p:sld>
 </file>
 
-<file path=ppt/slides/slide6.xml><?xml version="1.0" encoding="utf-8"?>
+<file path=ppt/slides/slide7.xml><?xml version="1.0" encoding="utf-8"?>
 <p:sld xmlns:a="http://schemas.openxmlformats.org/drawingml/2006/main" xmlns:r="http://schemas.openxmlformats.org/officeDocument/2006/relationships" xmlns:p="http://schemas.openxmlformats.org/presentationml/2006/main">
   <p:cSld>
     <p:bg>

--- a/DevOps in the Cloud.pptx
+++ b/DevOps in the Cloud.pptx
@@ -1871,7 +1871,7 @@
       </dsp:nvSpPr>
       <dsp:spPr>
         <a:xfrm>
-          <a:off x="3952398" y="54391"/>
+          <a:off x="1285398" y="54391"/>
           <a:ext cx="2610802" cy="2610802"/>
         </a:xfrm>
         <a:prstGeom prst="ellipse">
@@ -1939,7 +1939,7 @@
         </a:p>
       </dsp:txBody>
       <dsp:txXfrm>
-        <a:off x="4300505" y="511282"/>
+        <a:off x="1633505" y="511282"/>
         <a:ext cx="1914588" cy="1174861"/>
       </dsp:txXfrm>
     </dsp:sp>
@@ -1950,7 +1950,7 @@
       </dsp:nvSpPr>
       <dsp:spPr>
         <a:xfrm>
-          <a:off x="4894463" y="1686143"/>
+          <a:off x="2227463" y="1686143"/>
           <a:ext cx="2610802" cy="2610802"/>
         </a:xfrm>
         <a:prstGeom prst="ellipse">
@@ -2018,7 +2018,7 @@
         </a:p>
       </dsp:txBody>
       <dsp:txXfrm>
-        <a:off x="5692933" y="2360600"/>
+        <a:off x="3025933" y="2360600"/>
         <a:ext cx="1566481" cy="1435941"/>
       </dsp:txXfrm>
     </dsp:sp>
@@ -2029,7 +2029,7 @@
       </dsp:nvSpPr>
       <dsp:spPr>
         <a:xfrm>
-          <a:off x="3010333" y="1686143"/>
+          <a:off x="343333" y="1686143"/>
           <a:ext cx="2610802" cy="2610802"/>
         </a:xfrm>
         <a:prstGeom prst="ellipse">
@@ -2097,7 +2097,7 @@
         </a:p>
       </dsp:txBody>
       <dsp:txXfrm>
-        <a:off x="3256184" y="2360600"/>
+        <a:off x="589184" y="2360600"/>
         <a:ext cx="1566481" cy="1435941"/>
       </dsp:txXfrm>
     </dsp:sp>
@@ -6472,23 +6472,17 @@
           <a:bodyPr/>
           <a:lstStyle/>
           <a:p>
-            <a:pPr marL="171450" indent="-171450">
+            <a:pPr marL="171450" lvl="0" indent="-171450">
               <a:buFontTx/>
               <a:buChar char="-"/>
             </a:pPr>
             <a:r>
-              <a:rPr lang="en-US" dirty="0"/>
-              <a:t>Union of people, process, &amp; products to enable continuous delivery of value to end users</a:t>
+              <a:rPr lang="en-US"/>
+              <a:t>People </a:t>
             </a:r>
-          </a:p>
-          <a:p>
-            <a:pPr marL="628650" lvl="1" indent="-171450">
-              <a:buFontTx/>
-              <a:buChar char="-"/>
-            </a:pPr>
             <a:r>
               <a:rPr lang="en-US" dirty="0"/>
-              <a:t>Stated a different way: People following a process enabled by products to deliver value to end users</a:t>
+              <a:t>following a process enabled by products to deliver value to end users</a:t>
             </a:r>
           </a:p>
         </p:txBody>
@@ -14729,17 +14723,17 @@
             <a:graphicFrameLocks noGrp="1"/>
           </p:cNvGraphicFramePr>
           <p:nvPr>
-            <p:ph idx="1"/>
+            <p:ph sz="half" idx="1"/>
             <p:extLst>
               <p:ext uri="{D42A27DB-BD31-4B8C-83A1-F6EECF244321}">
-                <p14:modId xmlns:p14="http://schemas.microsoft.com/office/powerpoint/2010/main" val="1232551702"/>
+                <p14:modId xmlns:p14="http://schemas.microsoft.com/office/powerpoint/2010/main" val="892234332"/>
               </p:ext>
             </p:extLst>
           </p:nvPr>
         </p:nvGraphicFramePr>
         <p:xfrm>
           <a:off x="838200" y="1825625"/>
-          <a:ext cx="10515600" cy="4351338"/>
+          <a:ext cx="5181600" cy="4351338"/>
         </p:xfrm>
         <a:graphic>
           <a:graphicData uri="http://schemas.openxmlformats.org/drawingml/2006/diagram">
@@ -14747,6 +14741,777 @@
           </a:graphicData>
         </a:graphic>
       </p:graphicFrame>
+      <p:sp>
+        <p:nvSpPr>
+          <p:cNvPr id="3" name="TextBox 2">
+            <a:extLst>
+              <a:ext uri="{FF2B5EF4-FFF2-40B4-BE49-F238E27FC236}">
+                <a16:creationId xmlns:a16="http://schemas.microsoft.com/office/drawing/2014/main" id="{C2312A35-4D6F-4BBB-B67C-895E9E232FFA}"/>
+              </a:ext>
+            </a:extLst>
+          </p:cNvPr>
+          <p:cNvSpPr txBox="1"/>
+          <p:nvPr/>
+        </p:nvSpPr>
+        <p:spPr>
+          <a:xfrm>
+            <a:off x="2175913" y="1772538"/>
+            <a:ext cx="2446714" cy="1743958"/>
+          </a:xfrm>
+          <a:prstGeom prst="rect">
+            <a:avLst/>
+          </a:prstGeom>
+          <a:noFill/>
+        </p:spPr>
+        <p:txBody>
+          <a:bodyPr wrap="square" rtlCol="0">
+            <a:prstTxWarp prst="textCircle">
+              <a:avLst/>
+            </a:prstTxWarp>
+            <a:spAutoFit/>
+          </a:bodyPr>
+          <a:lstStyle/>
+          <a:p>
+            <a:r>
+              <a:rPr lang="en-US" dirty="0"/>
+              <a:t>Developers, Operations, QA</a:t>
+            </a:r>
+          </a:p>
+        </p:txBody>
+      </p:sp>
+      <p:sp>
+        <p:nvSpPr>
+          <p:cNvPr id="5" name="TextBox 4">
+            <a:extLst>
+              <a:ext uri="{FF2B5EF4-FFF2-40B4-BE49-F238E27FC236}">
+                <a16:creationId xmlns:a16="http://schemas.microsoft.com/office/drawing/2014/main" id="{E448FFDA-AF8E-41D6-A119-CF30821B7757}"/>
+              </a:ext>
+            </a:extLst>
+          </p:cNvPr>
+          <p:cNvSpPr txBox="1"/>
+          <p:nvPr/>
+        </p:nvSpPr>
+        <p:spPr>
+          <a:xfrm rot="5400000">
+            <a:off x="3832810" y="4074804"/>
+            <a:ext cx="2405675" cy="1495068"/>
+          </a:xfrm>
+          <a:prstGeom prst="rect">
+            <a:avLst/>
+          </a:prstGeom>
+          <a:noFill/>
+        </p:spPr>
+        <p:txBody>
+          <a:bodyPr wrap="square" rtlCol="0">
+            <a:prstTxWarp prst="textCircle">
+              <a:avLst/>
+            </a:prstTxWarp>
+            <a:spAutoFit/>
+          </a:bodyPr>
+          <a:lstStyle/>
+          <a:p>
+            <a:r>
+              <a:rPr lang="en-US" dirty="0"/>
+              <a:t>Azure DevOps Services</a:t>
+            </a:r>
+          </a:p>
+        </p:txBody>
+      </p:sp>
+      <p:sp>
+        <p:nvSpPr>
+          <p:cNvPr id="6" name="TextBox 5">
+            <a:extLst>
+              <a:ext uri="{FF2B5EF4-FFF2-40B4-BE49-F238E27FC236}">
+                <a16:creationId xmlns:a16="http://schemas.microsoft.com/office/drawing/2014/main" id="{E7B3B1E0-22A2-4637-9224-87BFFBE7397D}"/>
+              </a:ext>
+            </a:extLst>
+          </p:cNvPr>
+          <p:cNvSpPr txBox="1"/>
+          <p:nvPr/>
+        </p:nvSpPr>
+        <p:spPr>
+          <a:xfrm rot="18824451">
+            <a:off x="862047" y="3548309"/>
+            <a:ext cx="2647691" cy="2091336"/>
+          </a:xfrm>
+          <a:prstGeom prst="rect">
+            <a:avLst/>
+          </a:prstGeom>
+          <a:noFill/>
+        </p:spPr>
+        <p:txBody>
+          <a:bodyPr wrap="square" rtlCol="0">
+            <a:prstTxWarp prst="textCircle">
+              <a:avLst/>
+            </a:prstTxWarp>
+            <a:spAutoFit/>
+          </a:bodyPr>
+          <a:lstStyle/>
+          <a:p>
+            <a:r>
+              <a:rPr lang="en-US" dirty="0"/>
+              <a:t>Continuous Build &amp; Delivery</a:t>
+            </a:r>
+          </a:p>
+        </p:txBody>
+      </p:sp>
+      <p:sp>
+        <p:nvSpPr>
+          <p:cNvPr id="7" name="TextBox 6">
+            <a:extLst>
+              <a:ext uri="{FF2B5EF4-FFF2-40B4-BE49-F238E27FC236}">
+                <a16:creationId xmlns:a16="http://schemas.microsoft.com/office/drawing/2014/main" id="{56A55CAC-2610-475B-9761-16B699995CEF}"/>
+              </a:ext>
+            </a:extLst>
+          </p:cNvPr>
+          <p:cNvSpPr txBox="1"/>
+          <p:nvPr/>
+        </p:nvSpPr>
+        <p:spPr>
+          <a:xfrm>
+            <a:off x="2946678" y="4034298"/>
+            <a:ext cx="964642" cy="369332"/>
+          </a:xfrm>
+          <a:prstGeom prst="rect">
+            <a:avLst/>
+          </a:prstGeom>
+          <a:noFill/>
+        </p:spPr>
+        <p:txBody>
+          <a:bodyPr wrap="square" rtlCol="0">
+            <a:spAutoFit/>
+          </a:bodyPr>
+          <a:lstStyle/>
+          <a:p>
+            <a:r>
+              <a:rPr lang="en-US" b="1" dirty="0"/>
+              <a:t>DevOps</a:t>
+            </a:r>
+          </a:p>
+        </p:txBody>
+      </p:sp>
+      <p:pic>
+        <p:nvPicPr>
+          <p:cNvPr id="1026" name="Picture 2" descr="Donovan Brown">
+            <a:extLst>
+              <a:ext uri="{FF2B5EF4-FFF2-40B4-BE49-F238E27FC236}">
+                <a16:creationId xmlns:a16="http://schemas.microsoft.com/office/drawing/2014/main" id="{E8860BAC-F343-49E8-A76D-07F6AAB06496}"/>
+              </a:ext>
+            </a:extLst>
+          </p:cNvPr>
+          <p:cNvPicPr>
+            <a:picLocks noChangeAspect="1" noChangeArrowheads="1"/>
+          </p:cNvPicPr>
+          <p:nvPr/>
+        </p:nvPicPr>
+        <p:blipFill>
+          <a:blip r:embed="rId8">
+            <a:extLst>
+              <a:ext uri="{28A0092B-C50C-407E-A947-70E740481C1C}">
+                <a14:useLocalDpi xmlns:a14="http://schemas.microsoft.com/office/drawing/2010/main" val="0"/>
+              </a:ext>
+            </a:extLst>
+          </a:blip>
+          <a:srcRect/>
+          <a:stretch>
+            <a:fillRect/>
+          </a:stretch>
+        </p:blipFill>
+        <p:spPr bwMode="auto">
+          <a:xfrm>
+            <a:off x="9646417" y="3152229"/>
+            <a:ext cx="1629508" cy="1629508"/>
+          </a:xfrm>
+          <a:prstGeom prst="ellipse">
+            <a:avLst/>
+          </a:prstGeom>
+          <a:ln>
+            <a:noFill/>
+          </a:ln>
+          <a:effectLst>
+            <a:softEdge rad="112500"/>
+          </a:effectLst>
+          <a:extLst>
+            <a:ext uri="{909E8E84-426E-40DD-AFC4-6F175D3DCCD1}">
+              <a14:hiddenFill xmlns:a14="http://schemas.microsoft.com/office/drawing/2010/main">
+                <a:solidFill>
+                  <a:srgbClr val="FFFFFF"/>
+                </a:solidFill>
+              </a14:hiddenFill>
+            </a:ext>
+          </a:extLst>
+        </p:spPr>
+      </p:pic>
+      <p:sp>
+        <p:nvSpPr>
+          <p:cNvPr id="12" name="Rectangle 11">
+            <a:extLst>
+              <a:ext uri="{FF2B5EF4-FFF2-40B4-BE49-F238E27FC236}">
+                <a16:creationId xmlns:a16="http://schemas.microsoft.com/office/drawing/2014/main" id="{40183298-9CB5-4564-88BB-FE19932405EF}"/>
+              </a:ext>
+            </a:extLst>
+          </p:cNvPr>
+          <p:cNvSpPr/>
+          <p:nvPr/>
+        </p:nvSpPr>
+        <p:spPr>
+          <a:xfrm>
+            <a:off x="5388588" y="2228671"/>
+            <a:ext cx="6343821" cy="1200329"/>
+          </a:xfrm>
+          <a:prstGeom prst="rect">
+            <a:avLst/>
+          </a:prstGeom>
+        </p:spPr>
+        <p:txBody>
+          <a:bodyPr wrap="square">
+            <a:spAutoFit/>
+          </a:bodyPr>
+          <a:lstStyle>
+            <a:defPPr>
+              <a:defRPr lang="fr-FR"/>
+            </a:defPPr>
+            <a:lvl1pPr marL="0" algn="l" defTabSz="914354" rtl="0" eaLnBrk="1" latinLnBrk="0" hangingPunct="1">
+              <a:defRPr sz="1800" kern="1200">
+                <a:solidFill>
+                  <a:schemeClr val="tx1"/>
+                </a:solidFill>
+                <a:latin typeface="+mn-lt"/>
+                <a:ea typeface="+mn-ea"/>
+                <a:cs typeface="+mn-cs"/>
+              </a:defRPr>
+            </a:lvl1pPr>
+            <a:lvl2pPr marL="457178" algn="l" defTabSz="914354" rtl="0" eaLnBrk="1" latinLnBrk="0" hangingPunct="1">
+              <a:defRPr sz="1800" kern="1200">
+                <a:solidFill>
+                  <a:schemeClr val="tx1"/>
+                </a:solidFill>
+                <a:latin typeface="+mn-lt"/>
+                <a:ea typeface="+mn-ea"/>
+                <a:cs typeface="+mn-cs"/>
+              </a:defRPr>
+            </a:lvl2pPr>
+            <a:lvl3pPr marL="914354" algn="l" defTabSz="914354" rtl="0" eaLnBrk="1" latinLnBrk="0" hangingPunct="1">
+              <a:defRPr sz="1800" kern="1200">
+                <a:solidFill>
+                  <a:schemeClr val="tx1"/>
+                </a:solidFill>
+                <a:latin typeface="+mn-lt"/>
+                <a:ea typeface="+mn-ea"/>
+                <a:cs typeface="+mn-cs"/>
+              </a:defRPr>
+            </a:lvl3pPr>
+            <a:lvl4pPr marL="1371532" algn="l" defTabSz="914354" rtl="0" eaLnBrk="1" latinLnBrk="0" hangingPunct="1">
+              <a:defRPr sz="1800" kern="1200">
+                <a:solidFill>
+                  <a:schemeClr val="tx1"/>
+                </a:solidFill>
+                <a:latin typeface="+mn-lt"/>
+                <a:ea typeface="+mn-ea"/>
+                <a:cs typeface="+mn-cs"/>
+              </a:defRPr>
+            </a:lvl4pPr>
+            <a:lvl5pPr marL="1828709" algn="l" defTabSz="914354" rtl="0" eaLnBrk="1" latinLnBrk="0" hangingPunct="1">
+              <a:defRPr sz="1800" kern="1200">
+                <a:solidFill>
+                  <a:schemeClr val="tx1"/>
+                </a:solidFill>
+                <a:latin typeface="+mn-lt"/>
+                <a:ea typeface="+mn-ea"/>
+                <a:cs typeface="+mn-cs"/>
+              </a:defRPr>
+            </a:lvl5pPr>
+            <a:lvl6pPr marL="2285886" algn="l" defTabSz="914354" rtl="0" eaLnBrk="1" latinLnBrk="0" hangingPunct="1">
+              <a:defRPr sz="1800" kern="1200">
+                <a:solidFill>
+                  <a:schemeClr val="tx1"/>
+                </a:solidFill>
+                <a:latin typeface="+mn-lt"/>
+                <a:ea typeface="+mn-ea"/>
+                <a:cs typeface="+mn-cs"/>
+              </a:defRPr>
+            </a:lvl6pPr>
+            <a:lvl7pPr marL="2743062" algn="l" defTabSz="914354" rtl="0" eaLnBrk="1" latinLnBrk="0" hangingPunct="1">
+              <a:defRPr sz="1800" kern="1200">
+                <a:solidFill>
+                  <a:schemeClr val="tx1"/>
+                </a:solidFill>
+                <a:latin typeface="+mn-lt"/>
+                <a:ea typeface="+mn-ea"/>
+                <a:cs typeface="+mn-cs"/>
+              </a:defRPr>
+            </a:lvl7pPr>
+            <a:lvl8pPr marL="3200240" algn="l" defTabSz="914354" rtl="0" eaLnBrk="1" latinLnBrk="0" hangingPunct="1">
+              <a:defRPr sz="1800" kern="1200">
+                <a:solidFill>
+                  <a:schemeClr val="tx1"/>
+                </a:solidFill>
+                <a:latin typeface="+mn-lt"/>
+                <a:ea typeface="+mn-ea"/>
+                <a:cs typeface="+mn-cs"/>
+              </a:defRPr>
+            </a:lvl8pPr>
+            <a:lvl9pPr marL="3657418" algn="l" defTabSz="914354" rtl="0" eaLnBrk="1" latinLnBrk="0" hangingPunct="1">
+              <a:defRPr sz="1800" kern="1200">
+                <a:solidFill>
+                  <a:schemeClr val="tx1"/>
+                </a:solidFill>
+                <a:latin typeface="+mn-lt"/>
+                <a:ea typeface="+mn-ea"/>
+                <a:cs typeface="+mn-cs"/>
+              </a:defRPr>
+            </a:lvl9pPr>
+          </a:lstStyle>
+          <a:p>
+            <a:r>
+              <a:rPr lang="en-US" sz="2400" dirty="0"/>
+              <a:t>…the union of people, process, and products to enable continuous delivery of value to our end users. </a:t>
+            </a:r>
+            <a:r>
+              <a:rPr lang="en-US" sz="2400" b="1" dirty="0"/>
+              <a:t>– Donovan Brown, Microsoft</a:t>
+            </a:r>
+          </a:p>
+        </p:txBody>
+      </p:sp>
+      <p:grpSp>
+        <p:nvGrpSpPr>
+          <p:cNvPr id="13" name="Group 12">
+            <a:extLst>
+              <a:ext uri="{FF2B5EF4-FFF2-40B4-BE49-F238E27FC236}">
+                <a16:creationId xmlns:a16="http://schemas.microsoft.com/office/drawing/2014/main" id="{9030E3C5-3B46-4B96-9163-782A3A0D4DDB}"/>
+              </a:ext>
+            </a:extLst>
+          </p:cNvPr>
+          <p:cNvGrpSpPr/>
+          <p:nvPr/>
+        </p:nvGrpSpPr>
+        <p:grpSpPr>
+          <a:xfrm>
+            <a:off x="5232841" y="1243474"/>
+            <a:ext cx="946967" cy="1036600"/>
+            <a:chOff x="4360803" y="1688277"/>
+            <a:chExt cx="1169762" cy="1013297"/>
+          </a:xfrm>
+          <a:solidFill>
+            <a:sysClr val="window" lastClr="FFFFFF">
+              <a:alpha val="30000"/>
+            </a:sysClr>
+          </a:solidFill>
+        </p:grpSpPr>
+        <p:sp>
+          <p:nvSpPr>
+            <p:cNvPr id="14" name="Freeform: Shape 13">
+              <a:extLst>
+                <a:ext uri="{FF2B5EF4-FFF2-40B4-BE49-F238E27FC236}">
+                  <a16:creationId xmlns:a16="http://schemas.microsoft.com/office/drawing/2014/main" id="{FD0AA3AF-6A86-4D9B-BEBF-E438B89C1B36}"/>
+                </a:ext>
+              </a:extLst>
+            </p:cNvPr>
+            <p:cNvSpPr/>
+            <p:nvPr/>
+          </p:nvSpPr>
+          <p:spPr>
+            <a:xfrm>
+              <a:off x="4360803" y="1688277"/>
+              <a:ext cx="540177" cy="1013297"/>
+            </a:xfrm>
+            <a:custGeom>
+              <a:avLst/>
+              <a:gdLst/>
+              <a:ahLst/>
+              <a:cxnLst/>
+              <a:rect l="l" t="t" r="r" b="b"/>
+              <a:pathLst>
+                <a:path w="540177" h="1013297">
+                  <a:moveTo>
+                    <a:pt x="423449" y="0"/>
+                  </a:moveTo>
+                  <a:lnTo>
+                    <a:pt x="540177" y="221038"/>
+                  </a:lnTo>
+                  <a:cubicBezTo>
+                    <a:pt x="444973" y="265742"/>
+                    <a:pt x="379159" y="310239"/>
+                    <a:pt x="342733" y="354530"/>
+                  </a:cubicBezTo>
+                  <a:cubicBezTo>
+                    <a:pt x="306307" y="398820"/>
+                    <a:pt x="286025" y="451182"/>
+                    <a:pt x="281886" y="511616"/>
+                  </a:cubicBezTo>
+                  <a:lnTo>
+                    <a:pt x="540177" y="511616"/>
+                  </a:lnTo>
+                  <a:lnTo>
+                    <a:pt x="540177" y="1013297"/>
+                  </a:lnTo>
+                  <a:lnTo>
+                    <a:pt x="0" y="1013297"/>
+                  </a:lnTo>
+                  <a:lnTo>
+                    <a:pt x="0" y="597299"/>
+                  </a:lnTo>
+                  <a:cubicBezTo>
+                    <a:pt x="0" y="444145"/>
+                    <a:pt x="31873" y="323278"/>
+                    <a:pt x="95618" y="234697"/>
+                  </a:cubicBezTo>
+                  <a:cubicBezTo>
+                    <a:pt x="159363" y="146117"/>
+                    <a:pt x="268640" y="67884"/>
+                    <a:pt x="423449" y="0"/>
+                  </a:cubicBezTo>
+                  <a:close/>
+                </a:path>
+              </a:pathLst>
+            </a:custGeom>
+            <a:grpFill/>
+            <a:ln w="25400" cap="flat" cmpd="sng" algn="ctr">
+              <a:noFill/>
+              <a:prstDash val="solid"/>
+            </a:ln>
+            <a:effectLst/>
+          </p:spPr>
+          <p:txBody>
+            <a:bodyPr rtlCol="0" anchor="ctr"/>
+            <a:lstStyle>
+              <a:defPPr>
+                <a:defRPr lang="fr-FR"/>
+              </a:defPPr>
+              <a:lvl1pPr marL="0" algn="l" defTabSz="914354" rtl="0" eaLnBrk="1" latinLnBrk="0" hangingPunct="1">
+                <a:defRPr sz="1800" kern="1200">
+                  <a:solidFill>
+                    <a:schemeClr val="lt1"/>
+                  </a:solidFill>
+                  <a:latin typeface="+mn-lt"/>
+                  <a:ea typeface="+mn-ea"/>
+                  <a:cs typeface="+mn-cs"/>
+                </a:defRPr>
+              </a:lvl1pPr>
+              <a:lvl2pPr marL="457178" algn="l" defTabSz="914354" rtl="0" eaLnBrk="1" latinLnBrk="0" hangingPunct="1">
+                <a:defRPr sz="1800" kern="1200">
+                  <a:solidFill>
+                    <a:schemeClr val="lt1"/>
+                  </a:solidFill>
+                  <a:latin typeface="+mn-lt"/>
+                  <a:ea typeface="+mn-ea"/>
+                  <a:cs typeface="+mn-cs"/>
+                </a:defRPr>
+              </a:lvl2pPr>
+              <a:lvl3pPr marL="914354" algn="l" defTabSz="914354" rtl="0" eaLnBrk="1" latinLnBrk="0" hangingPunct="1">
+                <a:defRPr sz="1800" kern="1200">
+                  <a:solidFill>
+                    <a:schemeClr val="lt1"/>
+                  </a:solidFill>
+                  <a:latin typeface="+mn-lt"/>
+                  <a:ea typeface="+mn-ea"/>
+                  <a:cs typeface="+mn-cs"/>
+                </a:defRPr>
+              </a:lvl3pPr>
+              <a:lvl4pPr marL="1371532" algn="l" defTabSz="914354" rtl="0" eaLnBrk="1" latinLnBrk="0" hangingPunct="1">
+                <a:defRPr sz="1800" kern="1200">
+                  <a:solidFill>
+                    <a:schemeClr val="lt1"/>
+                  </a:solidFill>
+                  <a:latin typeface="+mn-lt"/>
+                  <a:ea typeface="+mn-ea"/>
+                  <a:cs typeface="+mn-cs"/>
+                </a:defRPr>
+              </a:lvl4pPr>
+              <a:lvl5pPr marL="1828709" algn="l" defTabSz="914354" rtl="0" eaLnBrk="1" latinLnBrk="0" hangingPunct="1">
+                <a:defRPr sz="1800" kern="1200">
+                  <a:solidFill>
+                    <a:schemeClr val="lt1"/>
+                  </a:solidFill>
+                  <a:latin typeface="+mn-lt"/>
+                  <a:ea typeface="+mn-ea"/>
+                  <a:cs typeface="+mn-cs"/>
+                </a:defRPr>
+              </a:lvl5pPr>
+              <a:lvl6pPr marL="2285886" algn="l" defTabSz="914354" rtl="0" eaLnBrk="1" latinLnBrk="0" hangingPunct="1">
+                <a:defRPr sz="1800" kern="1200">
+                  <a:solidFill>
+                    <a:schemeClr val="lt1"/>
+                  </a:solidFill>
+                  <a:latin typeface="+mn-lt"/>
+                  <a:ea typeface="+mn-ea"/>
+                  <a:cs typeface="+mn-cs"/>
+                </a:defRPr>
+              </a:lvl6pPr>
+              <a:lvl7pPr marL="2743062" algn="l" defTabSz="914354" rtl="0" eaLnBrk="1" latinLnBrk="0" hangingPunct="1">
+                <a:defRPr sz="1800" kern="1200">
+                  <a:solidFill>
+                    <a:schemeClr val="lt1"/>
+                  </a:solidFill>
+                  <a:latin typeface="+mn-lt"/>
+                  <a:ea typeface="+mn-ea"/>
+                  <a:cs typeface="+mn-cs"/>
+                </a:defRPr>
+              </a:lvl7pPr>
+              <a:lvl8pPr marL="3200240" algn="l" defTabSz="914354" rtl="0" eaLnBrk="1" latinLnBrk="0" hangingPunct="1">
+                <a:defRPr sz="1800" kern="1200">
+                  <a:solidFill>
+                    <a:schemeClr val="lt1"/>
+                  </a:solidFill>
+                  <a:latin typeface="+mn-lt"/>
+                  <a:ea typeface="+mn-ea"/>
+                  <a:cs typeface="+mn-cs"/>
+                </a:defRPr>
+              </a:lvl8pPr>
+              <a:lvl9pPr marL="3657418" algn="l" defTabSz="914354" rtl="0" eaLnBrk="1" latinLnBrk="0" hangingPunct="1">
+                <a:defRPr sz="1800" kern="1200">
+                  <a:solidFill>
+                    <a:schemeClr val="lt1"/>
+                  </a:solidFill>
+                  <a:latin typeface="+mn-lt"/>
+                  <a:ea typeface="+mn-ea"/>
+                  <a:cs typeface="+mn-cs"/>
+                </a:defRPr>
+              </a:lvl9pPr>
+            </a:lstStyle>
+            <a:p>
+              <a:pPr marL="0" marR="0" lvl="0" indent="0" algn="ctr" defTabSz="914354" rtl="0" eaLnBrk="1" fontAlgn="auto" latinLnBrk="0" hangingPunct="1">
+                <a:lnSpc>
+                  <a:spcPct val="100000"/>
+                </a:lnSpc>
+                <a:spcBef>
+                  <a:spcPts val="0"/>
+                </a:spcBef>
+                <a:spcAft>
+                  <a:spcPts val="0"/>
+                </a:spcAft>
+                <a:buClrTx/>
+                <a:buSzTx/>
+                <a:buFontTx/>
+                <a:buNone/>
+                <a:tabLst/>
+                <a:defRPr/>
+              </a:pPr>
+              <a:endParaRPr kumimoji="0" lang="en-US" sz="1800" b="0" i="0" u="none" strike="noStrike" kern="1200" cap="none" spc="0" normalizeH="0" baseline="0" noProof="0">
+                <a:ln>
+                  <a:noFill/>
+                </a:ln>
+                <a:solidFill>
+                  <a:sysClr val="window" lastClr="FFFFFF"/>
+                </a:solidFill>
+                <a:effectLst/>
+                <a:uLnTx/>
+                <a:uFillTx/>
+                <a:latin typeface="Calibri"/>
+                <a:ea typeface="+mn-ea"/>
+                <a:cs typeface="+mn-cs"/>
+              </a:endParaRPr>
+            </a:p>
+          </p:txBody>
+        </p:sp>
+        <p:sp>
+          <p:nvSpPr>
+            <p:cNvPr id="15" name="Freeform: Shape 14">
+              <a:extLst>
+                <a:ext uri="{FF2B5EF4-FFF2-40B4-BE49-F238E27FC236}">
+                  <a16:creationId xmlns:a16="http://schemas.microsoft.com/office/drawing/2014/main" id="{0AADDD05-E61A-4A67-BEED-F02D5733803E}"/>
+                </a:ext>
+              </a:extLst>
+            </p:cNvPr>
+            <p:cNvSpPr/>
+            <p:nvPr/>
+          </p:nvSpPr>
+          <p:spPr>
+            <a:xfrm>
+              <a:off x="4990388" y="1688277"/>
+              <a:ext cx="540177" cy="1013297"/>
+            </a:xfrm>
+            <a:custGeom>
+              <a:avLst/>
+              <a:gdLst/>
+              <a:ahLst/>
+              <a:cxnLst/>
+              <a:rect l="l" t="t" r="r" b="b"/>
+              <a:pathLst>
+                <a:path w="540177" h="1013297">
+                  <a:moveTo>
+                    <a:pt x="423449" y="0"/>
+                  </a:moveTo>
+                  <a:lnTo>
+                    <a:pt x="540177" y="221038"/>
+                  </a:lnTo>
+                  <a:cubicBezTo>
+                    <a:pt x="444973" y="265742"/>
+                    <a:pt x="379158" y="310239"/>
+                    <a:pt x="342733" y="354530"/>
+                  </a:cubicBezTo>
+                  <a:cubicBezTo>
+                    <a:pt x="306307" y="398820"/>
+                    <a:pt x="286025" y="451182"/>
+                    <a:pt x="281885" y="511616"/>
+                  </a:cubicBezTo>
+                  <a:lnTo>
+                    <a:pt x="540177" y="511616"/>
+                  </a:lnTo>
+                  <a:lnTo>
+                    <a:pt x="540177" y="1013297"/>
+                  </a:lnTo>
+                  <a:lnTo>
+                    <a:pt x="0" y="1013297"/>
+                  </a:lnTo>
+                  <a:lnTo>
+                    <a:pt x="0" y="597299"/>
+                  </a:lnTo>
+                  <a:cubicBezTo>
+                    <a:pt x="0" y="444145"/>
+                    <a:pt x="31873" y="323278"/>
+                    <a:pt x="95618" y="234697"/>
+                  </a:cubicBezTo>
+                  <a:cubicBezTo>
+                    <a:pt x="159363" y="146117"/>
+                    <a:pt x="268640" y="67884"/>
+                    <a:pt x="423449" y="0"/>
+                  </a:cubicBezTo>
+                  <a:close/>
+                </a:path>
+              </a:pathLst>
+            </a:custGeom>
+            <a:grpFill/>
+            <a:ln w="25400" cap="flat" cmpd="sng" algn="ctr">
+              <a:noFill/>
+              <a:prstDash val="solid"/>
+            </a:ln>
+            <a:effectLst/>
+          </p:spPr>
+          <p:txBody>
+            <a:bodyPr rtlCol="0" anchor="ctr"/>
+            <a:lstStyle>
+              <a:defPPr>
+                <a:defRPr lang="fr-FR"/>
+              </a:defPPr>
+              <a:lvl1pPr marL="0" algn="l" defTabSz="914354" rtl="0" eaLnBrk="1" latinLnBrk="0" hangingPunct="1">
+                <a:defRPr sz="1800" kern="1200">
+                  <a:solidFill>
+                    <a:schemeClr val="lt1"/>
+                  </a:solidFill>
+                  <a:latin typeface="+mn-lt"/>
+                  <a:ea typeface="+mn-ea"/>
+                  <a:cs typeface="+mn-cs"/>
+                </a:defRPr>
+              </a:lvl1pPr>
+              <a:lvl2pPr marL="457178" algn="l" defTabSz="914354" rtl="0" eaLnBrk="1" latinLnBrk="0" hangingPunct="1">
+                <a:defRPr sz="1800" kern="1200">
+                  <a:solidFill>
+                    <a:schemeClr val="lt1"/>
+                  </a:solidFill>
+                  <a:latin typeface="+mn-lt"/>
+                  <a:ea typeface="+mn-ea"/>
+                  <a:cs typeface="+mn-cs"/>
+                </a:defRPr>
+              </a:lvl2pPr>
+              <a:lvl3pPr marL="914354" algn="l" defTabSz="914354" rtl="0" eaLnBrk="1" latinLnBrk="0" hangingPunct="1">
+                <a:defRPr sz="1800" kern="1200">
+                  <a:solidFill>
+                    <a:schemeClr val="lt1"/>
+                  </a:solidFill>
+                  <a:latin typeface="+mn-lt"/>
+                  <a:ea typeface="+mn-ea"/>
+                  <a:cs typeface="+mn-cs"/>
+                </a:defRPr>
+              </a:lvl3pPr>
+              <a:lvl4pPr marL="1371532" algn="l" defTabSz="914354" rtl="0" eaLnBrk="1" latinLnBrk="0" hangingPunct="1">
+                <a:defRPr sz="1800" kern="1200">
+                  <a:solidFill>
+                    <a:schemeClr val="lt1"/>
+                  </a:solidFill>
+                  <a:latin typeface="+mn-lt"/>
+                  <a:ea typeface="+mn-ea"/>
+                  <a:cs typeface="+mn-cs"/>
+                </a:defRPr>
+              </a:lvl4pPr>
+              <a:lvl5pPr marL="1828709" algn="l" defTabSz="914354" rtl="0" eaLnBrk="1" latinLnBrk="0" hangingPunct="1">
+                <a:defRPr sz="1800" kern="1200">
+                  <a:solidFill>
+                    <a:schemeClr val="lt1"/>
+                  </a:solidFill>
+                  <a:latin typeface="+mn-lt"/>
+                  <a:ea typeface="+mn-ea"/>
+                  <a:cs typeface="+mn-cs"/>
+                </a:defRPr>
+              </a:lvl5pPr>
+              <a:lvl6pPr marL="2285886" algn="l" defTabSz="914354" rtl="0" eaLnBrk="1" latinLnBrk="0" hangingPunct="1">
+                <a:defRPr sz="1800" kern="1200">
+                  <a:solidFill>
+                    <a:schemeClr val="lt1"/>
+                  </a:solidFill>
+                  <a:latin typeface="+mn-lt"/>
+                  <a:ea typeface="+mn-ea"/>
+                  <a:cs typeface="+mn-cs"/>
+                </a:defRPr>
+              </a:lvl6pPr>
+              <a:lvl7pPr marL="2743062" algn="l" defTabSz="914354" rtl="0" eaLnBrk="1" latinLnBrk="0" hangingPunct="1">
+                <a:defRPr sz="1800" kern="1200">
+                  <a:solidFill>
+                    <a:schemeClr val="lt1"/>
+                  </a:solidFill>
+                  <a:latin typeface="+mn-lt"/>
+                  <a:ea typeface="+mn-ea"/>
+                  <a:cs typeface="+mn-cs"/>
+                </a:defRPr>
+              </a:lvl7pPr>
+              <a:lvl8pPr marL="3200240" algn="l" defTabSz="914354" rtl="0" eaLnBrk="1" latinLnBrk="0" hangingPunct="1">
+                <a:defRPr sz="1800" kern="1200">
+                  <a:solidFill>
+                    <a:schemeClr val="lt1"/>
+                  </a:solidFill>
+                  <a:latin typeface="+mn-lt"/>
+                  <a:ea typeface="+mn-ea"/>
+                  <a:cs typeface="+mn-cs"/>
+                </a:defRPr>
+              </a:lvl8pPr>
+              <a:lvl9pPr marL="3657418" algn="l" defTabSz="914354" rtl="0" eaLnBrk="1" latinLnBrk="0" hangingPunct="1">
+                <a:defRPr sz="1800" kern="1200">
+                  <a:solidFill>
+                    <a:schemeClr val="lt1"/>
+                  </a:solidFill>
+                  <a:latin typeface="+mn-lt"/>
+                  <a:ea typeface="+mn-ea"/>
+                  <a:cs typeface="+mn-cs"/>
+                </a:defRPr>
+              </a:lvl9pPr>
+            </a:lstStyle>
+            <a:p>
+              <a:pPr marL="0" marR="0" lvl="0" indent="0" algn="ctr" defTabSz="914354" rtl="0" eaLnBrk="1" fontAlgn="auto" latinLnBrk="0" hangingPunct="1">
+                <a:lnSpc>
+                  <a:spcPct val="100000"/>
+                </a:lnSpc>
+                <a:spcBef>
+                  <a:spcPts val="0"/>
+                </a:spcBef>
+                <a:spcAft>
+                  <a:spcPts val="0"/>
+                </a:spcAft>
+                <a:buClrTx/>
+                <a:buSzTx/>
+                <a:buFontTx/>
+                <a:buNone/>
+                <a:tabLst/>
+                <a:defRPr/>
+              </a:pPr>
+              <a:endParaRPr kumimoji="0" lang="en-US" sz="1800" b="0" i="0" u="none" strike="noStrike" kern="1200" cap="none" spc="0" normalizeH="0" baseline="0" noProof="0">
+                <a:ln>
+                  <a:noFill/>
+                </a:ln>
+                <a:solidFill>
+                  <a:sysClr val="window" lastClr="FFFFFF"/>
+                </a:solidFill>
+                <a:effectLst/>
+                <a:uLnTx/>
+                <a:uFillTx/>
+                <a:latin typeface="Calibri"/>
+                <a:ea typeface="+mn-ea"/>
+                <a:cs typeface="+mn-cs"/>
+              </a:endParaRPr>
+            </a:p>
+          </p:txBody>
+        </p:sp>
+      </p:grpSp>
     </p:spTree>
     <p:extLst>
       <p:ext uri="{BB962C8B-B14F-4D97-AF65-F5344CB8AC3E}">
@@ -14757,6 +15522,362 @@
   <p:clrMapOvr>
     <a:masterClrMapping/>
   </p:clrMapOvr>
+  <p:timing>
+    <p:tnLst>
+      <p:par>
+        <p:cTn id="1" dur="indefinite" restart="never" nodeType="tmRoot">
+          <p:childTnLst>
+            <p:seq concurrent="1" nextAc="seek">
+              <p:cTn id="2" dur="indefinite" nodeType="mainSeq">
+                <p:childTnLst>
+                  <p:par>
+                    <p:cTn id="3" fill="hold">
+                      <p:stCondLst>
+                        <p:cond delay="indefinite"/>
+                      </p:stCondLst>
+                      <p:childTnLst>
+                        <p:par>
+                          <p:cTn id="4" fill="hold">
+                            <p:stCondLst>
+                              <p:cond delay="0"/>
+                            </p:stCondLst>
+                            <p:childTnLst>
+                              <p:par>
+                                <p:cTn id="5" presetID="10" presetClass="entr" presetSubtype="0" fill="hold" nodeType="clickEffect">
+                                  <p:stCondLst>
+                                    <p:cond delay="0"/>
+                                  </p:stCondLst>
+                                  <p:childTnLst>
+                                    <p:set>
+                                      <p:cBhvr>
+                                        <p:cTn id="6" dur="1" fill="hold">
+                                          <p:stCondLst>
+                                            <p:cond delay="0"/>
+                                          </p:stCondLst>
+                                        </p:cTn>
+                                        <p:tgtEl>
+                                          <p:spTgt spid="13"/>
+                                        </p:tgtEl>
+                                        <p:attrNameLst>
+                                          <p:attrName>style.visibility</p:attrName>
+                                        </p:attrNameLst>
+                                      </p:cBhvr>
+                                      <p:to>
+                                        <p:strVal val="visible"/>
+                                      </p:to>
+                                    </p:set>
+                                    <p:animEffect transition="in" filter="fade">
+                                      <p:cBhvr>
+                                        <p:cTn id="7" dur="500"/>
+                                        <p:tgtEl>
+                                          <p:spTgt spid="13"/>
+                                        </p:tgtEl>
+                                      </p:cBhvr>
+                                    </p:animEffect>
+                                  </p:childTnLst>
+                                </p:cTn>
+                              </p:par>
+                              <p:par>
+                                <p:cTn id="8" presetID="10" presetClass="entr" presetSubtype="0" fill="hold" grpId="0" nodeType="withEffect">
+                                  <p:stCondLst>
+                                    <p:cond delay="0"/>
+                                  </p:stCondLst>
+                                  <p:childTnLst>
+                                    <p:set>
+                                      <p:cBhvr>
+                                        <p:cTn id="9" dur="1" fill="hold">
+                                          <p:stCondLst>
+                                            <p:cond delay="0"/>
+                                          </p:stCondLst>
+                                        </p:cTn>
+                                        <p:tgtEl>
+                                          <p:spTgt spid="12"/>
+                                        </p:tgtEl>
+                                        <p:attrNameLst>
+                                          <p:attrName>style.visibility</p:attrName>
+                                        </p:attrNameLst>
+                                      </p:cBhvr>
+                                      <p:to>
+                                        <p:strVal val="visible"/>
+                                      </p:to>
+                                    </p:set>
+                                    <p:animEffect transition="in" filter="fade">
+                                      <p:cBhvr>
+                                        <p:cTn id="10" dur="500"/>
+                                        <p:tgtEl>
+                                          <p:spTgt spid="12"/>
+                                        </p:tgtEl>
+                                      </p:cBhvr>
+                                    </p:animEffect>
+                                  </p:childTnLst>
+                                </p:cTn>
+                              </p:par>
+                              <p:par>
+                                <p:cTn id="11" presetID="10" presetClass="entr" presetSubtype="0" fill="hold" nodeType="withEffect">
+                                  <p:stCondLst>
+                                    <p:cond delay="0"/>
+                                  </p:stCondLst>
+                                  <p:childTnLst>
+                                    <p:set>
+                                      <p:cBhvr>
+                                        <p:cTn id="12" dur="1" fill="hold">
+                                          <p:stCondLst>
+                                            <p:cond delay="0"/>
+                                          </p:stCondLst>
+                                        </p:cTn>
+                                        <p:tgtEl>
+                                          <p:spTgt spid="1026"/>
+                                        </p:tgtEl>
+                                        <p:attrNameLst>
+                                          <p:attrName>style.visibility</p:attrName>
+                                        </p:attrNameLst>
+                                      </p:cBhvr>
+                                      <p:to>
+                                        <p:strVal val="visible"/>
+                                      </p:to>
+                                    </p:set>
+                                    <p:animEffect transition="in" filter="fade">
+                                      <p:cBhvr>
+                                        <p:cTn id="13" dur="500"/>
+                                        <p:tgtEl>
+                                          <p:spTgt spid="1026"/>
+                                        </p:tgtEl>
+                                      </p:cBhvr>
+                                    </p:animEffect>
+                                  </p:childTnLst>
+                                </p:cTn>
+                              </p:par>
+                            </p:childTnLst>
+                          </p:cTn>
+                        </p:par>
+                      </p:childTnLst>
+                    </p:cTn>
+                  </p:par>
+                  <p:par>
+                    <p:cTn id="14" fill="hold">
+                      <p:stCondLst>
+                        <p:cond delay="indefinite"/>
+                      </p:stCondLst>
+                      <p:childTnLst>
+                        <p:par>
+                          <p:cTn id="15" fill="hold">
+                            <p:stCondLst>
+                              <p:cond delay="0"/>
+                            </p:stCondLst>
+                            <p:childTnLst>
+                              <p:par>
+                                <p:cTn id="16" presetID="10" presetClass="entr" presetSubtype="0" fill="hold" grpId="0" nodeType="clickEffect">
+                                  <p:stCondLst>
+                                    <p:cond delay="0"/>
+                                  </p:stCondLst>
+                                  <p:childTnLst>
+                                    <p:set>
+                                      <p:cBhvr>
+                                        <p:cTn id="17" dur="1" fill="hold">
+                                          <p:stCondLst>
+                                            <p:cond delay="0"/>
+                                          </p:stCondLst>
+                                        </p:cTn>
+                                        <p:tgtEl>
+                                          <p:spTgt spid="5"/>
+                                        </p:tgtEl>
+                                        <p:attrNameLst>
+                                          <p:attrName>style.visibility</p:attrName>
+                                        </p:attrNameLst>
+                                      </p:cBhvr>
+                                      <p:to>
+                                        <p:strVal val="visible"/>
+                                      </p:to>
+                                    </p:set>
+                                    <p:animEffect transition="in" filter="fade">
+                                      <p:cBhvr>
+                                        <p:cTn id="18" dur="500"/>
+                                        <p:tgtEl>
+                                          <p:spTgt spid="5"/>
+                                        </p:tgtEl>
+                                      </p:cBhvr>
+                                    </p:animEffect>
+                                  </p:childTnLst>
+                                </p:cTn>
+                              </p:par>
+                              <p:par>
+                                <p:cTn id="19" presetID="10" presetClass="entr" presetSubtype="0" fill="hold" grpId="0" nodeType="withEffect">
+                                  <p:stCondLst>
+                                    <p:cond delay="0"/>
+                                  </p:stCondLst>
+                                  <p:childTnLst>
+                                    <p:set>
+                                      <p:cBhvr>
+                                        <p:cTn id="20" dur="1" fill="hold">
+                                          <p:stCondLst>
+                                            <p:cond delay="0"/>
+                                          </p:stCondLst>
+                                        </p:cTn>
+                                        <p:tgtEl>
+                                          <p:spTgt spid="6"/>
+                                        </p:tgtEl>
+                                        <p:attrNameLst>
+                                          <p:attrName>style.visibility</p:attrName>
+                                        </p:attrNameLst>
+                                      </p:cBhvr>
+                                      <p:to>
+                                        <p:strVal val="visible"/>
+                                      </p:to>
+                                    </p:set>
+                                    <p:animEffect transition="in" filter="fade">
+                                      <p:cBhvr>
+                                        <p:cTn id="21" dur="500"/>
+                                        <p:tgtEl>
+                                          <p:spTgt spid="6"/>
+                                        </p:tgtEl>
+                                      </p:cBhvr>
+                                    </p:animEffect>
+                                  </p:childTnLst>
+                                </p:cTn>
+                              </p:par>
+                              <p:par>
+                                <p:cTn id="22" presetID="10" presetClass="entr" presetSubtype="0" fill="hold" grpId="0" nodeType="withEffect">
+                                  <p:stCondLst>
+                                    <p:cond delay="0"/>
+                                  </p:stCondLst>
+                                  <p:childTnLst>
+                                    <p:set>
+                                      <p:cBhvr>
+                                        <p:cTn id="23" dur="1" fill="hold">
+                                          <p:stCondLst>
+                                            <p:cond delay="0"/>
+                                          </p:stCondLst>
+                                        </p:cTn>
+                                        <p:tgtEl>
+                                          <p:spTgt spid="3"/>
+                                        </p:tgtEl>
+                                        <p:attrNameLst>
+                                          <p:attrName>style.visibility</p:attrName>
+                                        </p:attrNameLst>
+                                      </p:cBhvr>
+                                      <p:to>
+                                        <p:strVal val="visible"/>
+                                      </p:to>
+                                    </p:set>
+                                    <p:animEffect transition="in" filter="fade">
+                                      <p:cBhvr>
+                                        <p:cTn id="24" dur="500"/>
+                                        <p:tgtEl>
+                                          <p:spTgt spid="3"/>
+                                        </p:tgtEl>
+                                      </p:cBhvr>
+                                    </p:animEffect>
+                                  </p:childTnLst>
+                                </p:cTn>
+                              </p:par>
+                              <p:par>
+                                <p:cTn id="25" presetID="10" presetClass="entr" presetSubtype="0" fill="hold" grpId="0" nodeType="withEffect">
+                                  <p:stCondLst>
+                                    <p:cond delay="0"/>
+                                  </p:stCondLst>
+                                  <p:childTnLst>
+                                    <p:set>
+                                      <p:cBhvr>
+                                        <p:cTn id="26" dur="1" fill="hold">
+                                          <p:stCondLst>
+                                            <p:cond delay="0"/>
+                                          </p:stCondLst>
+                                        </p:cTn>
+                                        <p:tgtEl>
+                                          <p:spTgt spid="4"/>
+                                        </p:tgtEl>
+                                        <p:attrNameLst>
+                                          <p:attrName>style.visibility</p:attrName>
+                                        </p:attrNameLst>
+                                      </p:cBhvr>
+                                      <p:to>
+                                        <p:strVal val="visible"/>
+                                      </p:to>
+                                    </p:set>
+                                    <p:animEffect transition="in" filter="fade">
+                                      <p:cBhvr>
+                                        <p:cTn id="27" dur="500"/>
+                                        <p:tgtEl>
+                                          <p:spTgt spid="4"/>
+                                        </p:tgtEl>
+                                      </p:cBhvr>
+                                    </p:animEffect>
+                                  </p:childTnLst>
+                                </p:cTn>
+                              </p:par>
+                              <p:par>
+                                <p:cTn id="28" presetID="10" presetClass="entr" presetSubtype="0" fill="hold" grpId="0" nodeType="withEffect">
+                                  <p:stCondLst>
+                                    <p:cond delay="0"/>
+                                  </p:stCondLst>
+                                  <p:childTnLst>
+                                    <p:set>
+                                      <p:cBhvr>
+                                        <p:cTn id="29" dur="1" fill="hold">
+                                          <p:stCondLst>
+                                            <p:cond delay="0"/>
+                                          </p:stCondLst>
+                                        </p:cTn>
+                                        <p:tgtEl>
+                                          <p:spTgt spid="7"/>
+                                        </p:tgtEl>
+                                        <p:attrNameLst>
+                                          <p:attrName>style.visibility</p:attrName>
+                                        </p:attrNameLst>
+                                      </p:cBhvr>
+                                      <p:to>
+                                        <p:strVal val="visible"/>
+                                      </p:to>
+                                    </p:set>
+                                    <p:animEffect transition="in" filter="fade">
+                                      <p:cBhvr>
+                                        <p:cTn id="30" dur="500"/>
+                                        <p:tgtEl>
+                                          <p:spTgt spid="7"/>
+                                        </p:tgtEl>
+                                      </p:cBhvr>
+                                    </p:animEffect>
+                                  </p:childTnLst>
+                                </p:cTn>
+                              </p:par>
+                            </p:childTnLst>
+                          </p:cTn>
+                        </p:par>
+                      </p:childTnLst>
+                    </p:cTn>
+                  </p:par>
+                </p:childTnLst>
+              </p:cTn>
+              <p:prevCondLst>
+                <p:cond evt="onPrev" delay="0">
+                  <p:tgtEl>
+                    <p:sldTgt/>
+                  </p:tgtEl>
+                </p:cond>
+              </p:prevCondLst>
+              <p:nextCondLst>
+                <p:cond evt="onNext" delay="0">
+                  <p:tgtEl>
+                    <p:sldTgt/>
+                  </p:tgtEl>
+                </p:cond>
+              </p:nextCondLst>
+            </p:seq>
+          </p:childTnLst>
+        </p:cTn>
+      </p:par>
+    </p:tnLst>
+    <p:bldLst>
+      <p:bldGraphic spid="4" grpId="0">
+        <p:bldAsOne/>
+      </p:bldGraphic>
+      <p:bldP spid="3" grpId="0"/>
+      <p:bldP spid="5" grpId="0"/>
+      <p:bldP spid="6" grpId="0"/>
+      <p:bldP spid="7" grpId="0"/>
+      <p:bldP spid="12" grpId="0"/>
+    </p:bldLst>
+  </p:timing>
 </p:sld>
 </file>
 
